--- a/TaxiFare Forecast – Enhancing Fare Accuracy with Machine Learning.pptx
+++ b/TaxiFare Forecast – Enhancing Fare Accuracy with Machine Learning.pptx
@@ -5,10 +5,10 @@
     <p:sldMasterId id="2147483720" r:id="rId3"/>
   </p:sldMasterIdLst>
   <p:notesMasterIdLst>
-    <p:notesMasterId r:id="rId21"/>
+    <p:notesMasterId r:id="rId22"/>
   </p:notesMasterIdLst>
   <p:handoutMasterIdLst>
-    <p:handoutMasterId r:id="rId22"/>
+    <p:handoutMasterId r:id="rId23"/>
   </p:handoutMasterIdLst>
   <p:sldIdLst>
     <p:sldId id="1593" r:id="rId4"/>
@@ -28,6 +28,7 @@
     <p:sldId id="1615" r:id="rId18"/>
     <p:sldId id="1612" r:id="rId19"/>
     <p:sldId id="1598" r:id="rId20"/>
+    <p:sldId id="1618" r:id="rId21"/>
   </p:sldIdLst>
   <p:sldSz cx="12192000" cy="6858000"/>
   <p:notesSz cx="6858000" cy="9144000"/>
@@ -140,10 +141,160 @@
 <file path=ppt/revisionInfo.xml><?xml version="1.0" encoding="utf-8"?>
 <p1510:revInfo xmlns:a="http://schemas.openxmlformats.org/drawingml/2006/main" xmlns:r="http://schemas.openxmlformats.org/officeDocument/2006/relationships" xmlns:p1510="http://schemas.microsoft.com/office/powerpoint/2015/10/main">
   <p1510:revLst>
-    <p1510:client id="{0BF7A4B0-6408-AC5F-3404-505BFD67648C}" v="1021" dt="2024-12-04T19:18:09.626"/>
+    <p1510:client id="{0BF7A4B0-6408-AC5F-3404-505BFD67648C}" v="1058" dt="2024-12-04T19:27:24.583"/>
     <p1510:client id="{23B19205-21F2-5A3E-341D-676F93EF8BB4}" v="516" dt="2024-12-04T19:07:51.649"/>
+    <p1510:client id="{8E92E1D5-949D-667A-1A6C-0CB2ABFE2A72}" v="6" dt="2024-12-04T19:34:37.830"/>
+    <p1510:client id="{BCEA88D6-45C5-1123-4562-C11EF8BDF9D3}" v="764" dt="2024-12-05T13:49:05.604"/>
+    <p1510:client id="{F5018B0A-D220-3A8D-B819-F1B436B33081}" v="93" dt="2024-12-05T11:33:11.479"/>
   </p1510:revLst>
 </p1510:revInfo>
+</file>
+
+<file path=ppt/changesInfos/changesInfo1.xml><?xml version="1.0" encoding="utf-8"?>
+<pc:chgInfo xmlns:a="http://schemas.openxmlformats.org/drawingml/2006/main" xmlns:r="http://schemas.openxmlformats.org/officeDocument/2006/relationships" xmlns:ac="http://schemas.microsoft.com/office/drawing/2013/main/command" xmlns:pc="http://schemas.microsoft.com/office/powerpoint/2013/main/command">
+  <pc:docChgLst>
+    <pc:chgData name="Rajib Roy" userId="S::rajibroy@iisc.ac.in::8daeebea-34f9-41a3-9646-fe0eb78c172c" providerId="AD" clId="Web-{BCEA88D6-45C5-1123-4562-C11EF8BDF9D3}"/>
+    <pc:docChg chg="addSld modSld">
+      <pc:chgData name="Rajib Roy" userId="S::rajibroy@iisc.ac.in::8daeebea-34f9-41a3-9646-fe0eb78c172c" providerId="AD" clId="Web-{BCEA88D6-45C5-1123-4562-C11EF8BDF9D3}" dt="2024-12-05T13:49:05.604" v="614" actId="1076"/>
+      <pc:docMkLst>
+        <pc:docMk/>
+      </pc:docMkLst>
+      <pc:sldChg chg="addSp delSp modSp">
+        <pc:chgData name="Rajib Roy" userId="S::rajibroy@iisc.ac.in::8daeebea-34f9-41a3-9646-fe0eb78c172c" providerId="AD" clId="Web-{BCEA88D6-45C5-1123-4562-C11EF8BDF9D3}" dt="2024-12-05T13:40:36.662" v="526" actId="20577"/>
+        <pc:sldMkLst>
+          <pc:docMk/>
+          <pc:sldMk cId="846942663" sldId="1607"/>
+        </pc:sldMkLst>
+        <pc:spChg chg="add del mod">
+          <ac:chgData name="Rajib Roy" userId="S::rajibroy@iisc.ac.in::8daeebea-34f9-41a3-9646-fe0eb78c172c" providerId="AD" clId="Web-{BCEA88D6-45C5-1123-4562-C11EF8BDF9D3}" dt="2024-12-05T13:38:51.395" v="511"/>
+          <ac:spMkLst>
+            <pc:docMk/>
+            <pc:sldMk cId="846942663" sldId="1607"/>
+            <ac:spMk id="3" creationId="{B38166C6-B4A9-7D9F-4518-83A1943FCC16}"/>
+          </ac:spMkLst>
+        </pc:spChg>
+        <pc:spChg chg="mod">
+          <ac:chgData name="Rajib Roy" userId="S::rajibroy@iisc.ac.in::8daeebea-34f9-41a3-9646-fe0eb78c172c" providerId="AD" clId="Web-{BCEA88D6-45C5-1123-4562-C11EF8BDF9D3}" dt="2024-12-05T13:40:36.662" v="526" actId="20577"/>
+          <ac:spMkLst>
+            <pc:docMk/>
+            <pc:sldMk cId="846942663" sldId="1607"/>
+            <ac:spMk id="42" creationId="{BD4747D7-86D8-D8D7-6F5E-5694E508D206}"/>
+          </ac:spMkLst>
+        </pc:spChg>
+        <pc:graphicFrameChg chg="add mod modGraphic">
+          <ac:chgData name="Rajib Roy" userId="S::rajibroy@iisc.ac.in::8daeebea-34f9-41a3-9646-fe0eb78c172c" providerId="AD" clId="Web-{BCEA88D6-45C5-1123-4562-C11EF8BDF9D3}" dt="2024-12-05T13:40:02.505" v="523" actId="1076"/>
+          <ac:graphicFrameMkLst>
+            <pc:docMk/>
+            <pc:sldMk cId="846942663" sldId="1607"/>
+            <ac:graphicFrameMk id="7" creationId="{3FFB33B8-6522-858A-C37F-8108A8960BAA}"/>
+          </ac:graphicFrameMkLst>
+        </pc:graphicFrameChg>
+      </pc:sldChg>
+      <pc:sldChg chg="addSp delSp modSp">
+        <pc:chgData name="Rajib Roy" userId="S::rajibroy@iisc.ac.in::8daeebea-34f9-41a3-9646-fe0eb78c172c" providerId="AD" clId="Web-{BCEA88D6-45C5-1123-4562-C11EF8BDF9D3}" dt="2024-12-05T13:49:05.604" v="614" actId="1076"/>
+        <pc:sldMkLst>
+          <pc:docMk/>
+          <pc:sldMk cId="2552759177" sldId="1612"/>
+        </pc:sldMkLst>
+        <pc:spChg chg="mod">
+          <ac:chgData name="Rajib Roy" userId="S::rajibroy@iisc.ac.in::8daeebea-34f9-41a3-9646-fe0eb78c172c" providerId="AD" clId="Web-{BCEA88D6-45C5-1123-4562-C11EF8BDF9D3}" dt="2024-12-05T13:47:37.666" v="546" actId="1076"/>
+          <ac:spMkLst>
+            <pc:docMk/>
+            <pc:sldMk cId="2552759177" sldId="1612"/>
+            <ac:spMk id="7" creationId="{C7EB1624-21DD-B5B6-7F93-D84CE7D19FF9}"/>
+          </ac:spMkLst>
+        </pc:spChg>
+        <pc:spChg chg="add mod">
+          <ac:chgData name="Rajib Roy" userId="S::rajibroy@iisc.ac.in::8daeebea-34f9-41a3-9646-fe0eb78c172c" providerId="AD" clId="Web-{BCEA88D6-45C5-1123-4562-C11EF8BDF9D3}" dt="2024-12-05T13:49:05.604" v="614" actId="1076"/>
+          <ac:spMkLst>
+            <pc:docMk/>
+            <pc:sldMk cId="2552759177" sldId="1612"/>
+            <ac:spMk id="10" creationId="{93BE03F7-F908-EC6F-D365-ABCAF7002B0D}"/>
+          </ac:spMkLst>
+        </pc:spChg>
+        <pc:picChg chg="add del mod">
+          <ac:chgData name="Rajib Roy" userId="S::rajibroy@iisc.ac.in::8daeebea-34f9-41a3-9646-fe0eb78c172c" providerId="AD" clId="Web-{BCEA88D6-45C5-1123-4562-C11EF8BDF9D3}" dt="2024-12-05T13:46:54.681" v="540"/>
+          <ac:picMkLst>
+            <pc:docMk/>
+            <pc:sldMk cId="2552759177" sldId="1612"/>
+            <ac:picMk id="2" creationId="{8A97EDAD-CD76-B5F3-0AAE-5DEE34514208}"/>
+          </ac:picMkLst>
+        </pc:picChg>
+        <pc:picChg chg="add del mod">
+          <ac:chgData name="Rajib Roy" userId="S::rajibroy@iisc.ac.in::8daeebea-34f9-41a3-9646-fe0eb78c172c" providerId="AD" clId="Web-{BCEA88D6-45C5-1123-4562-C11EF8BDF9D3}" dt="2024-12-05T13:47:19.666" v="542"/>
+          <ac:picMkLst>
+            <pc:docMk/>
+            <pc:sldMk cId="2552759177" sldId="1612"/>
+            <ac:picMk id="4" creationId="{4BD34B23-4C3F-B284-4E33-F27F0DB84FED}"/>
+          </ac:picMkLst>
+        </pc:picChg>
+        <pc:picChg chg="add mod">
+          <ac:chgData name="Rajib Roy" userId="S::rajibroy@iisc.ac.in::8daeebea-34f9-41a3-9646-fe0eb78c172c" providerId="AD" clId="Web-{BCEA88D6-45C5-1123-4562-C11EF8BDF9D3}" dt="2024-12-05T13:49:01.620" v="613" actId="1076"/>
+          <ac:picMkLst>
+            <pc:docMk/>
+            <pc:sldMk cId="2552759177" sldId="1612"/>
+            <ac:picMk id="9" creationId="{F58E6D1B-38C5-91B1-7CB8-083D08D0DEC1}"/>
+          </ac:picMkLst>
+        </pc:picChg>
+      </pc:sldChg>
+      <pc:sldChg chg="addSp delSp modSp new mod modClrScheme chgLayout">
+        <pc:chgData name="Rajib Roy" userId="S::rajibroy@iisc.ac.in::8daeebea-34f9-41a3-9646-fe0eb78c172c" providerId="AD" clId="Web-{BCEA88D6-45C5-1123-4562-C11EF8BDF9D3}" dt="2024-12-05T13:43:04.913" v="538"/>
+        <pc:sldMkLst>
+          <pc:docMk/>
+          <pc:sldMk cId="3218706866" sldId="1618"/>
+        </pc:sldMkLst>
+        <pc:spChg chg="mod ord">
+          <ac:chgData name="Rajib Roy" userId="S::rajibroy@iisc.ac.in::8daeebea-34f9-41a3-9646-fe0eb78c172c" providerId="AD" clId="Web-{BCEA88D6-45C5-1123-4562-C11EF8BDF9D3}" dt="2024-12-05T13:43:00.710" v="537" actId="20577"/>
+          <ac:spMkLst>
+            <pc:docMk/>
+            <pc:sldMk cId="3218706866" sldId="1618"/>
+            <ac:spMk id="2" creationId="{6EF3EF57-09BF-AAFD-83C3-A8F3151221FA}"/>
+          </ac:spMkLst>
+        </pc:spChg>
+        <pc:spChg chg="del mod">
+          <ac:chgData name="Rajib Roy" userId="S::rajibroy@iisc.ac.in::8daeebea-34f9-41a3-9646-fe0eb78c172c" providerId="AD" clId="Web-{BCEA88D6-45C5-1123-4562-C11EF8BDF9D3}" dt="2024-12-05T13:26:37.904" v="24"/>
+          <ac:spMkLst>
+            <pc:docMk/>
+            <pc:sldMk cId="3218706866" sldId="1618"/>
+            <ac:spMk id="3" creationId="{A60346CF-87EE-BA8A-9085-275A2FA3420C}"/>
+          </ac:spMkLst>
+        </pc:spChg>
+        <pc:spChg chg="del mod ord">
+          <ac:chgData name="Rajib Roy" userId="S::rajibroy@iisc.ac.in::8daeebea-34f9-41a3-9646-fe0eb78c172c" providerId="AD" clId="Web-{BCEA88D6-45C5-1123-4562-C11EF8BDF9D3}" dt="2024-12-05T13:43:04.913" v="538"/>
+          <ac:spMkLst>
+            <pc:docMk/>
+            <pc:sldMk cId="3218706866" sldId="1618"/>
+            <ac:spMk id="4" creationId="{D481A380-F71C-8A73-BED3-4CCB90A03151}"/>
+          </ac:spMkLst>
+        </pc:spChg>
+        <pc:spChg chg="mod ord">
+          <ac:chgData name="Rajib Roy" userId="S::rajibroy@iisc.ac.in::8daeebea-34f9-41a3-9646-fe0eb78c172c" providerId="AD" clId="Web-{BCEA88D6-45C5-1123-4562-C11EF8BDF9D3}" dt="2024-12-05T13:42:44.163" v="527"/>
+          <ac:spMkLst>
+            <pc:docMk/>
+            <pc:sldMk cId="3218706866" sldId="1618"/>
+            <ac:spMk id="5" creationId="{6A34DBE0-68C7-A178-5C22-BF8A4356BC64}"/>
+          </ac:spMkLst>
+        </pc:spChg>
+        <pc:spChg chg="mod ord">
+          <ac:chgData name="Rajib Roy" userId="S::rajibroy@iisc.ac.in::8daeebea-34f9-41a3-9646-fe0eb78c172c" providerId="AD" clId="Web-{BCEA88D6-45C5-1123-4562-C11EF8BDF9D3}" dt="2024-12-05T13:42:44.163" v="527"/>
+          <ac:spMkLst>
+            <pc:docMk/>
+            <pc:sldMk cId="3218706866" sldId="1618"/>
+            <ac:spMk id="6" creationId="{91019F33-308D-E4F1-50FC-8BA75FCAAB61}"/>
+          </ac:spMkLst>
+        </pc:spChg>
+        <pc:graphicFrameChg chg="add del mod modGraphic">
+          <ac:chgData name="Rajib Roy" userId="S::rajibroy@iisc.ac.in::8daeebea-34f9-41a3-9646-fe0eb78c172c" providerId="AD" clId="Web-{BCEA88D6-45C5-1123-4562-C11EF8BDF9D3}" dt="2024-12-05T13:39:06.755" v="512"/>
+          <ac:graphicFrameMkLst>
+            <pc:docMk/>
+            <pc:sldMk cId="3218706866" sldId="1618"/>
+            <ac:graphicFrameMk id="8" creationId="{909A516D-3F86-7AC5-3A2A-F1C8C08FF5F6}"/>
+          </ac:graphicFrameMkLst>
+        </pc:graphicFrameChg>
+      </pc:sldChg>
+    </pc:docChg>
+  </pc:docChgLst>
+</pc:chgInfo>
 </file>
 
 <file path=ppt/handoutMasters/handoutMaster1.xml><?xml version="1.0" encoding="utf-8"?>
@@ -240,7 +391,7 @@
           <a:p>
             <a:fld id="{91D0B005-AE3F-4DA2-9559-980D1360C114}" type="datetimeFigureOut">
               <a:rPr lang="en-SG" smtClean="0"/>
-              <a:t>4/12/2024</a:t>
+              <a:t>5/12/2024</a:t>
             </a:fld>
             <a:endParaRPr lang="en-SG"/>
           </a:p>
@@ -417,7 +568,7 @@
           <a:p>
             <a:fld id="{AEA0547B-158A-49BE-8714-80B0BEEFC392}" type="datetimeFigureOut">
               <a:rPr lang="en-SG" smtClean="0"/>
-              <a:t>4/12/2024</a:t>
+              <a:t>5/12/2024</a:t>
             </a:fld>
             <a:endParaRPr lang="en-SG"/>
           </a:p>
@@ -4231,46 +4382,46 @@
               </a:spcAft>
             </a:pPr>
             <a:r>
-              <a:rPr lang="en-SG" sz="2800" i="1" dirty="0">
+              <a:rPr lang="en-SG" sz="2800" i="1">
                 <a:latin typeface="Graphik Bold"/>
               </a:rPr>
               <a:t>DA 204o: </a:t>
             </a:r>
             <a:r>
-              <a:rPr lang="en-SG" sz="2800" b="1" dirty="0">
+              <a:rPr lang="en-SG" sz="2800" b="1">
                 <a:latin typeface="Graphik Bold"/>
               </a:rPr>
               <a:t>Data Science in Practice </a:t>
             </a:r>
             <a:br>
-              <a:rPr lang="en-SG" sz="2800" b="1" dirty="0">
+              <a:rPr lang="en-SG" sz="2800" b="1">
                 <a:latin typeface="Graphik Bold" panose="020B0803030202060203" pitchFamily="34" charset="0"/>
               </a:rPr>
             </a:br>
             <a:r>
-              <a:rPr lang="en-US" sz="2800" i="1" dirty="0">
+              <a:rPr lang="en-US" sz="2800" i="1">
                 <a:latin typeface="Graphik Regular"/>
               </a:rPr>
               <a:t>Course Project Proposal</a:t>
             </a:r>
             <a:br>
-              <a:rPr lang="en-US" sz="2800" i="1" dirty="0">
+              <a:rPr lang="en-US" sz="2800" i="1">
                 <a:latin typeface="Graphik Regular" panose="020B0503030202060203" pitchFamily="34" charset="0"/>
               </a:rPr>
             </a:br>
             <a:br>
-              <a:rPr lang="en-US" sz="2400" i="1" dirty="0">
+              <a:rPr lang="en-US" sz="2400" i="1">
                 <a:latin typeface="Graphik Regular" panose="020B0503030202060203" pitchFamily="34" charset="0"/>
               </a:rPr>
             </a:br>
             <a:r>
-              <a:rPr lang="en-US" sz="2800" i="1" dirty="0" err="1">
+              <a:rPr lang="en-US" sz="2800" i="1" err="1">
                 <a:latin typeface="Graphik Regular"/>
               </a:rPr>
               <a:t>TaxiFare</a:t>
             </a:r>
             <a:r>
-              <a:rPr lang="en-US" sz="2800" i="1" dirty="0">
+              <a:rPr lang="en-US" sz="2800" i="1">
                 <a:latin typeface="Graphik Regular"/>
               </a:rPr>
               <a:t> Forecast – Enhancing Fare Accuracy with Machine Learning</a:t>
@@ -4312,24 +4463,24 @@
               </a:spcBef>
             </a:pPr>
             <a:r>
-              <a:rPr lang="en-SG" b="1" spc="10" dirty="0">
+              <a:rPr lang="en-SG" b="1" spc="10">
                 <a:latin typeface="Graphik Semibold"/>
               </a:rPr>
               <a:t>Srividya L, IISc</a:t>
             </a:r>
             <a:r>
-              <a:rPr lang="en-SG" spc="10" dirty="0">
+              <a:rPr lang="en-SG" spc="10">
                 <a:latin typeface="Graphik Regular"/>
               </a:rPr>
               <a:t>, </a:t>
             </a:r>
             <a:r>
-              <a:rPr lang="en-SG" i="0" spc="10" dirty="0">
+              <a:rPr lang="en-SG" i="0" spc="10">
                 <a:latin typeface="Graphik Light"/>
               </a:rPr>
               <a:t>srividhyal@iisc.ac.in</a:t>
             </a:r>
-            <a:endParaRPr lang="en-SG" spc="10" dirty="0">
+            <a:endParaRPr lang="en-SG" spc="10">
               <a:latin typeface="Graphik Regular"/>
             </a:endParaRPr>
           </a:p>
@@ -4340,24 +4491,24 @@
               </a:spcBef>
             </a:pPr>
             <a:r>
-              <a:rPr lang="en-SG" b="1" spc="10" dirty="0">
+              <a:rPr lang="en-SG" b="1" spc="10">
                 <a:latin typeface="Graphik Semibold"/>
               </a:rPr>
               <a:t>Kavipriya Ramasamy, IISc</a:t>
             </a:r>
             <a:r>
-              <a:rPr lang="en-SG" spc="10" dirty="0">
+              <a:rPr lang="en-SG" spc="10">
                 <a:latin typeface="Graphik Regular"/>
               </a:rPr>
               <a:t>, </a:t>
             </a:r>
             <a:r>
-              <a:rPr lang="en-SG" i="0" spc="10" dirty="0">
+              <a:rPr lang="en-SG" i="0" spc="10">
                 <a:latin typeface="Graphik Light"/>
               </a:rPr>
               <a:t>kavipriyar@iisc.ac.in</a:t>
             </a:r>
-            <a:endParaRPr lang="en-SG" b="1" spc="10" dirty="0">
+            <a:endParaRPr lang="en-SG" b="1" spc="10">
               <a:latin typeface="Graphik Regular"/>
             </a:endParaRPr>
           </a:p>
@@ -4368,31 +4519,31 @@
               </a:spcBef>
             </a:pPr>
             <a:r>
-              <a:rPr lang="en-SG" b="1" spc="10" dirty="0">
+              <a:rPr lang="en-SG" b="1" spc="10">
                 <a:latin typeface="Graphik Semibold"/>
               </a:rPr>
               <a:t>Aravind S </a:t>
             </a:r>
             <a:r>
-              <a:rPr lang="en-SG" b="1" spc="10" dirty="0" err="1">
+              <a:rPr lang="en-SG" b="1" spc="10" err="1">
                 <a:latin typeface="Graphik Semibold"/>
               </a:rPr>
               <a:t>S</a:t>
             </a:r>
             <a:r>
-              <a:rPr lang="en-SG" b="1" spc="10" dirty="0">
+              <a:rPr lang="en-SG" b="1" spc="10">
                 <a:latin typeface="Graphik Semibold"/>
               </a:rPr>
               <a:t> , IISc</a:t>
             </a:r>
             <a:r>
-              <a:rPr lang="en-SG" spc="10" dirty="0">
+              <a:rPr lang="en-SG" spc="10">
                 <a:latin typeface="Graphik Regular"/>
               </a:rPr>
               <a:t>, </a:t>
             </a:r>
             <a:r>
-              <a:rPr lang="en-SG" i="0" spc="10" dirty="0">
+              <a:rPr lang="en-SG" i="0" spc="10">
                 <a:latin typeface="Graphik Light"/>
               </a:rPr>
               <a:t>aravindss@iisc.ac.in</a:t>
@@ -4405,19 +4556,19 @@
               </a:spcBef>
             </a:pPr>
             <a:r>
-              <a:rPr lang="en-SG" b="1" spc="10" dirty="0">
+              <a:rPr lang="en-SG" b="1" spc="10">
                 <a:latin typeface="Graphik Semibold"/>
               </a:rPr>
               <a:t>Rajib Roy, IISc</a:t>
             </a:r>
             <a:r>
-              <a:rPr lang="en-SG" spc="10" dirty="0">
+              <a:rPr lang="en-SG" spc="10">
                 <a:latin typeface="Graphik Regular"/>
               </a:rPr>
               <a:t>, </a:t>
             </a:r>
             <a:r>
-              <a:rPr lang="en-SG" i="0" spc="10" dirty="0">
+              <a:rPr lang="en-SG" i="0" spc="10">
                 <a:latin typeface="Graphik Light"/>
               </a:rPr>
               <a:t>rajibroy@iisc.ac.in</a:t>
@@ -4429,7 +4580,7 @@
                 <a:spcPts val="0"/>
               </a:spcBef>
             </a:pPr>
-            <a:endParaRPr lang="en-SG" spc="10" dirty="0">
+            <a:endParaRPr lang="en-SG" spc="10">
               <a:latin typeface="Graphik Regular" panose="020B0503030202060203" pitchFamily="34" charset="0"/>
             </a:endParaRPr>
           </a:p>
@@ -4816,8 +4967,8 @@
         </p:nvSpPr>
         <p:spPr>
           <a:xfrm>
-            <a:off x="4800993" y="504209"/>
-            <a:ext cx="6094428" cy="5509200"/>
+            <a:off x="4461183" y="4401736"/>
+            <a:ext cx="7098414" cy="2062103"/>
           </a:xfrm>
           <a:prstGeom prst="rect">
             <a:avLst/>
@@ -4830,23 +4981,37 @@
           </a:bodyPr>
           <a:lstStyle/>
           <a:p>
-            <a:r>
-              <a:rPr lang="en-IN" sz="1600" b="1"/>
-              <a:t>Linear Regression Performance:</a:t>
-            </a:r>
             <a:endParaRPr lang="en-IN" sz="1600" b="1">
               <a:ea typeface="Calibri"/>
               <a:cs typeface="Calibri"/>
             </a:endParaRPr>
           </a:p>
           <a:p>
+            <a:r>
+              <a:rPr lang="en-IN" sz="1600" b="1"/>
+              <a:t>Observations:</a:t>
+            </a:r>
+            <a:endParaRPr lang="en-IN" sz="1600" b="1">
+              <a:ea typeface="Calibri"/>
+              <a:cs typeface="Calibri"/>
+            </a:endParaRPr>
+          </a:p>
+          <a:p>
             <a:pPr marL="285750" indent="-285750">
               <a:buFont typeface="Arial" panose="020B0604020202020204" pitchFamily="34" charset="0"/>
               <a:buChar char="•"/>
             </a:pPr>
             <a:r>
+              <a:rPr lang="en-IN" sz="1600" b="1" err="1"/>
+              <a:t>XGBoost</a:t>
+            </a:r>
+            <a:r>
+              <a:rPr lang="en-IN" sz="1600" b="1"/>
+              <a:t> </a:t>
+            </a:r>
+            <a:r>
               <a:rPr lang="en-IN" sz="1600"/>
-              <a:t>Mean Absolute Error (MAE): 4.93</a:t>
+              <a:t>delivers the best performance across all metrics, explaining 80% of the variance in taxi fare predictions.</a:t>
             </a:r>
             <a:endParaRPr lang="en-IN" sz="1600">
               <a:ea typeface="Calibri"/>
@@ -4859,8 +5024,20 @@
               <a:buChar char="•"/>
             </a:pPr>
             <a:r>
+              <a:rPr lang="en-IN" sz="1600" b="1"/>
+              <a:t>Decision Tree</a:t>
+            </a:r>
+            <a:r>
               <a:rPr lang="en-IN" sz="1600"/>
-              <a:t>Mean Squared Error (MSE): 64.30</a:t>
+              <a:t> has moderate accuracy but falls significantly short of </a:t>
+            </a:r>
+            <a:r>
+              <a:rPr lang="en-IN" sz="1600" err="1"/>
+              <a:t>XGBoost's</a:t>
+            </a:r>
+            <a:r>
+              <a:rPr lang="en-IN" sz="1600"/>
+              <a:t> performance.</a:t>
             </a:r>
             <a:endParaRPr lang="en-IN" sz="1600">
               <a:ea typeface="Calibri"/>
@@ -4873,221 +5050,2810 @@
               <a:buChar char="•"/>
             </a:pPr>
             <a:r>
+              <a:rPr lang="en-IN" sz="1600" b="1"/>
+              <a:t>Linear Regression</a:t>
+            </a:r>
+            <a:r>
               <a:rPr lang="en-IN" sz="1600"/>
-              <a:t>R² Score: 0.35</a:t>
-            </a:r>
-            <a:endParaRPr lang="en-IN" sz="1600" b="1">
-              <a:ea typeface="Calibri"/>
-              <a:cs typeface="Calibri"/>
-            </a:endParaRPr>
-          </a:p>
-          <a:p>
-            <a:pPr marL="285750" indent="-285750">
-              <a:buFont typeface="Arial" panose="020B0604020202020204" pitchFamily="34" charset="0"/>
-              <a:buChar char="•"/>
-            </a:pPr>
-            <a:endParaRPr lang="en-IN" sz="1600"/>
-          </a:p>
-          <a:p>
-            <a:r>
-              <a:rPr lang="en-IN" sz="1600" b="1"/>
-              <a:t>Decision Tree Performance:</a:t>
-            </a:r>
-            <a:endParaRPr lang="en-IN" sz="1600" b="1">
-              <a:ea typeface="Calibri"/>
-              <a:cs typeface="Calibri"/>
-            </a:endParaRPr>
-          </a:p>
-          <a:p>
-            <a:pPr marL="285750" indent="-285750">
-              <a:buFont typeface="Arial" panose="020B0604020202020204" pitchFamily="34" charset="0"/>
-              <a:buChar char="•"/>
-            </a:pPr>
-            <a:r>
-              <a:rPr lang="en-IN" sz="1600"/>
-              <a:t>Mean Absolute Error (MAE): 2.61</a:t>
+              <a:t> performs the worst, indicating challenges in capturing complex patterns in the data.</a:t>
             </a:r>
             <a:endParaRPr lang="en-IN" sz="1600">
               <a:ea typeface="Calibri"/>
               <a:cs typeface="Calibri"/>
             </a:endParaRPr>
           </a:p>
-          <a:p>
-            <a:pPr marL="285750" indent="-285750">
-              <a:buFont typeface="Arial" panose="020B0604020202020204" pitchFamily="34" charset="0"/>
-              <a:buChar char="•"/>
-            </a:pPr>
-            <a:r>
-              <a:rPr lang="en-IN" sz="1600"/>
-              <a:t>Mean Squared Error (MSE): 37.12</a:t>
-            </a:r>
-            <a:endParaRPr lang="en-IN" sz="1600">
-              <a:ea typeface="Calibri"/>
-              <a:cs typeface="Calibri"/>
-            </a:endParaRPr>
-          </a:p>
-          <a:p>
-            <a:pPr marL="285750" indent="-285750">
-              <a:buFont typeface="Arial" panose="020B0604020202020204" pitchFamily="34" charset="0"/>
-              <a:buChar char="•"/>
-            </a:pPr>
-            <a:r>
-              <a:rPr lang="en-IN" sz="1600"/>
-              <a:t>R² Score: 0.63</a:t>
-            </a:r>
-            <a:endParaRPr lang="en-IN" sz="1600">
-              <a:ea typeface="Calibri"/>
-              <a:cs typeface="Calibri"/>
-            </a:endParaRPr>
-          </a:p>
-          <a:p>
-            <a:pPr marL="285750" indent="-285750">
-              <a:buFont typeface="Arial" panose="020B0604020202020204" pitchFamily="34" charset="0"/>
-              <a:buChar char="•"/>
-            </a:pPr>
-            <a:endParaRPr lang="en-IN" sz="1600"/>
-          </a:p>
-          <a:p>
-            <a:r>
-              <a:rPr lang="en-IN" sz="1600" b="1" err="1"/>
-              <a:t>XGBoost</a:t>
-            </a:r>
-            <a:r>
-              <a:rPr lang="en-IN" sz="1600" b="1"/>
-              <a:t> Performance:</a:t>
-            </a:r>
-            <a:endParaRPr lang="en-IN" sz="1600" b="1">
-              <a:ea typeface="Calibri"/>
-              <a:cs typeface="Calibri"/>
-            </a:endParaRPr>
-          </a:p>
-          <a:p>
-            <a:pPr marL="285750" indent="-285750">
-              <a:buFont typeface="Arial" panose="020B0604020202020204" pitchFamily="34" charset="0"/>
-              <a:buChar char="•"/>
-            </a:pPr>
-            <a:r>
-              <a:rPr lang="en-IN" sz="1600"/>
-              <a:t>Mean Absolute Error (MAE): 1.80</a:t>
-            </a:r>
-            <a:endParaRPr lang="en-IN" sz="1600">
-              <a:ea typeface="Calibri"/>
-              <a:cs typeface="Calibri"/>
-            </a:endParaRPr>
-          </a:p>
-          <a:p>
-            <a:pPr marL="285750" indent="-285750">
-              <a:buFont typeface="Arial" panose="020B0604020202020204" pitchFamily="34" charset="0"/>
-              <a:buChar char="•"/>
-            </a:pPr>
-            <a:r>
-              <a:rPr lang="en-IN" sz="1600"/>
-              <a:t>Mean Squared Error (MSE): 19.23</a:t>
-            </a:r>
-            <a:endParaRPr lang="en-IN" sz="1600">
-              <a:ea typeface="Calibri"/>
-              <a:cs typeface="Calibri"/>
-            </a:endParaRPr>
-          </a:p>
-          <a:p>
-            <a:pPr marL="285750" indent="-285750">
-              <a:buFont typeface="Arial" panose="020B0604020202020204" pitchFamily="34" charset="0"/>
-              <a:buChar char="•"/>
-            </a:pPr>
-            <a:r>
-              <a:rPr lang="en-IN" sz="1600"/>
-              <a:t>R² Score: 0.81</a:t>
-            </a:r>
-            <a:endParaRPr lang="en-IN" sz="1600">
-              <a:ea typeface="Calibri"/>
-              <a:cs typeface="Calibri"/>
-            </a:endParaRPr>
-          </a:p>
-          <a:p>
-            <a:pPr marL="285750" indent="-285750">
-              <a:buFont typeface="Arial" panose="020B0604020202020204" pitchFamily="34" charset="0"/>
-              <a:buChar char="•"/>
-            </a:pPr>
-            <a:endParaRPr lang="en-IN" sz="1600"/>
-          </a:p>
-          <a:p>
-            <a:r>
-              <a:rPr lang="en-IN" sz="1600" b="1"/>
-              <a:t>Observations:</a:t>
-            </a:r>
-            <a:endParaRPr lang="en-IN" sz="1600" b="1">
-              <a:ea typeface="Calibri"/>
-              <a:cs typeface="Calibri"/>
-            </a:endParaRPr>
-          </a:p>
-          <a:p>
-            <a:pPr marL="285750" indent="-285750">
-              <a:buFont typeface="Arial" panose="020B0604020202020204" pitchFamily="34" charset="0"/>
-              <a:buChar char="•"/>
-            </a:pPr>
-            <a:r>
-              <a:rPr lang="en-IN" sz="1600" b="1" err="1"/>
-              <a:t>XGBoost</a:t>
-            </a:r>
-            <a:r>
-              <a:rPr lang="en-IN" sz="1600" b="1"/>
-              <a:t> </a:t>
-            </a:r>
-            <a:r>
-              <a:rPr lang="en-IN" sz="1600"/>
-              <a:t>delivers the best performance across all metrics, explaining 81% of the variance in taxi fare predictions.</a:t>
-            </a:r>
-            <a:endParaRPr lang="en-IN" sz="1600">
-              <a:ea typeface="Calibri"/>
-              <a:cs typeface="Calibri"/>
-            </a:endParaRPr>
-          </a:p>
-          <a:p>
-            <a:pPr marL="285750" indent="-285750">
-              <a:buFont typeface="Arial" panose="020B0604020202020204" pitchFamily="34" charset="0"/>
-              <a:buChar char="•"/>
-            </a:pPr>
-            <a:r>
-              <a:rPr lang="en-IN" sz="1600" b="1"/>
-              <a:t>Decision Tree</a:t>
-            </a:r>
-            <a:r>
-              <a:rPr lang="en-IN" sz="1600"/>
-              <a:t> has moderate accuracy but falls significantly short of </a:t>
-            </a:r>
-            <a:r>
-              <a:rPr lang="en-IN" sz="1600" err="1"/>
-              <a:t>XGBoost's</a:t>
-            </a:r>
-            <a:r>
-              <a:rPr lang="en-IN" sz="1600"/>
-              <a:t> performance.</a:t>
-            </a:r>
-            <a:endParaRPr lang="en-IN" sz="1600">
-              <a:ea typeface="Calibri"/>
-              <a:cs typeface="Calibri"/>
-            </a:endParaRPr>
-          </a:p>
-          <a:p>
-            <a:pPr marL="285750" indent="-285750">
-              <a:buFont typeface="Arial" panose="020B0604020202020204" pitchFamily="34" charset="0"/>
-              <a:buChar char="•"/>
-            </a:pPr>
-            <a:r>
-              <a:rPr lang="en-IN" sz="1600" b="1"/>
-              <a:t>Linear Regression</a:t>
-            </a:r>
-            <a:r>
-              <a:rPr lang="en-IN" sz="1600"/>
-              <a:t> performs the worst, indicating challenges in capturing complex patterns in the data.</a:t>
-            </a:r>
-            <a:endParaRPr lang="en-IN" sz="1600">
-              <a:ea typeface="Calibri"/>
-              <a:cs typeface="Calibri"/>
-            </a:endParaRPr>
-          </a:p>
         </p:txBody>
       </p:sp>
+      <p:graphicFrame>
+        <p:nvGraphicFramePr>
+          <p:cNvPr id="7" name="Table 6">
+            <a:extLst>
+              <a:ext uri="{FF2B5EF4-FFF2-40B4-BE49-F238E27FC236}">
+                <a16:creationId xmlns:a16="http://schemas.microsoft.com/office/drawing/2014/main" id="{3FFB33B8-6522-858A-C37F-8108A8960BAA}"/>
+              </a:ext>
+            </a:extLst>
+          </p:cNvPr>
+          <p:cNvGraphicFramePr>
+            <a:graphicFrameLocks noGrp="1"/>
+          </p:cNvGraphicFramePr>
+          <p:nvPr>
+            <p:extLst>
+              <p:ext uri="{D42A27DB-BD31-4B8C-83A1-F6EECF244321}">
+                <p14:modId xmlns:p14="http://schemas.microsoft.com/office/powerpoint/2010/main" val="3422624720"/>
+              </p:ext>
+            </p:extLst>
+          </p:nvPr>
+        </p:nvGraphicFramePr>
+        <p:xfrm>
+          <a:off x="4458729" y="169905"/>
+          <a:ext cx="7271175" cy="4390673"/>
+        </p:xfrm>
+        <a:graphic>
+          <a:graphicData uri="http://schemas.openxmlformats.org/drawingml/2006/table">
+            <a:tbl>
+              <a:tblPr bandRow="1">
+                <a:tableStyleId>{5C22544A-7EE6-4342-B048-85BDC9FD1C3A}</a:tableStyleId>
+              </a:tblPr>
+              <a:tblGrid>
+                <a:gridCol w="1997675">
+                  <a:extLst>
+                    <a:ext uri="{9D8B030D-6E8A-4147-A177-3AD203B41FA5}">
+                      <a16:colId xmlns:a16="http://schemas.microsoft.com/office/drawing/2014/main" val="369418785"/>
+                    </a:ext>
+                  </a:extLst>
+                </a:gridCol>
+                <a:gridCol w="2377902">
+                  <a:extLst>
+                    <a:ext uri="{9D8B030D-6E8A-4147-A177-3AD203B41FA5}">
+                      <a16:colId xmlns:a16="http://schemas.microsoft.com/office/drawing/2014/main" val="2008976940"/>
+                    </a:ext>
+                  </a:extLst>
+                </a:gridCol>
+                <a:gridCol w="1571625">
+                  <a:extLst>
+                    <a:ext uri="{9D8B030D-6E8A-4147-A177-3AD203B41FA5}">
+                      <a16:colId xmlns:a16="http://schemas.microsoft.com/office/drawing/2014/main" val="3132566213"/>
+                    </a:ext>
+                  </a:extLst>
+                </a:gridCol>
+                <a:gridCol w="1323973">
+                  <a:extLst>
+                    <a:ext uri="{9D8B030D-6E8A-4147-A177-3AD203B41FA5}">
+                      <a16:colId xmlns:a16="http://schemas.microsoft.com/office/drawing/2014/main" val="1913924750"/>
+                    </a:ext>
+                  </a:extLst>
+                </a:gridCol>
+              </a:tblGrid>
+              <a:tr h="337899">
+                <a:tc>
+                  <a:txBody>
+                    <a:bodyPr/>
+                    <a:lstStyle/>
+                    <a:p>
+                      <a:pPr algn="ctr" fontAlgn="base">
+                        <a:lnSpc>
+                          <a:spcPts val="1650"/>
+                        </a:lnSpc>
+                      </a:pPr>
+                      <a:r>
+                        <a:rPr lang="en-US" sz="1400" b="1">
+                          <a:solidFill>
+                            <a:srgbClr val="FFFFFF"/>
+                          </a:solidFill>
+                          <a:effectLst/>
+                          <a:latin typeface="Arial" panose="020B0604020202020204" pitchFamily="34" charset="0"/>
+                        </a:rPr>
+                        <a:t>Model</a:t>
+                      </a:r>
+                      <a:endParaRPr lang="en-US" b="1">
+                        <a:solidFill>
+                          <a:srgbClr val="FFFFFF"/>
+                        </a:solidFill>
+                        <a:effectLst/>
+                      </a:endParaRPr>
+                    </a:p>
+                  </a:txBody>
+                  <a:tcPr anchor="ctr">
+                    <a:lnL w="11744" cap="flat" cmpd="sng" algn="ctr">
+                      <a:solidFill>
+                        <a:srgbClr val="000000"/>
+                      </a:solidFill>
+                      <a:prstDash val="solid"/>
+                      <a:round/>
+                      <a:headEnd type="none" w="med" len="med"/>
+                      <a:tailEnd type="none" w="med" len="med"/>
+                    </a:lnL>
+                    <a:lnR w="11744" cap="flat" cmpd="sng" algn="ctr">
+                      <a:solidFill>
+                        <a:srgbClr val="000000"/>
+                      </a:solidFill>
+                      <a:prstDash val="solid"/>
+                      <a:round/>
+                      <a:headEnd type="none" w="med" len="med"/>
+                      <a:tailEnd type="none" w="med" len="med"/>
+                    </a:lnR>
+                    <a:lnT w="11744" cap="flat" cmpd="sng" algn="ctr">
+                      <a:solidFill>
+                        <a:srgbClr val="000000"/>
+                      </a:solidFill>
+                      <a:prstDash val="solid"/>
+                      <a:round/>
+                      <a:headEnd type="none" w="med" len="med"/>
+                      <a:tailEnd type="none" w="med" len="med"/>
+                    </a:lnT>
+                    <a:lnB w="11744" cap="flat" cmpd="sng" algn="ctr">
+                      <a:solidFill>
+                        <a:srgbClr val="000000"/>
+                      </a:solidFill>
+                      <a:prstDash val="solid"/>
+                      <a:round/>
+                      <a:headEnd type="none" w="med" len="med"/>
+                      <a:tailEnd type="none" w="med" len="med"/>
+                    </a:lnB>
+                    <a:solidFill>
+                      <a:srgbClr val="1CADE4"/>
+                    </a:solidFill>
+                  </a:tcPr>
+                </a:tc>
+                <a:tc>
+                  <a:txBody>
+                    <a:bodyPr/>
+                    <a:lstStyle/>
+                    <a:p>
+                      <a:pPr algn="ctr" fontAlgn="base">
+                        <a:lnSpc>
+                          <a:spcPts val="1650"/>
+                        </a:lnSpc>
+                      </a:pPr>
+                      <a:r>
+                        <a:rPr lang="en-US" sz="1400" b="1">
+                          <a:solidFill>
+                            <a:srgbClr val="FFFFFF"/>
+                          </a:solidFill>
+                          <a:effectLst/>
+                          <a:latin typeface="Arial" panose="020B0604020202020204" pitchFamily="34" charset="0"/>
+                        </a:rPr>
+                        <a:t>Parameter</a:t>
+                      </a:r>
+                      <a:endParaRPr lang="en-US" b="1">
+                        <a:solidFill>
+                          <a:srgbClr val="FFFFFF"/>
+                        </a:solidFill>
+                        <a:effectLst/>
+                      </a:endParaRPr>
+                    </a:p>
+                  </a:txBody>
+                  <a:tcPr anchor="ctr">
+                    <a:lnL w="11744" cap="flat" cmpd="sng" algn="ctr">
+                      <a:solidFill>
+                        <a:srgbClr val="000000"/>
+                      </a:solidFill>
+                      <a:prstDash val="solid"/>
+                      <a:round/>
+                      <a:headEnd type="none" w="med" len="med"/>
+                      <a:tailEnd type="none" w="med" len="med"/>
+                    </a:lnL>
+                    <a:lnR w="11744" cap="flat" cmpd="sng" algn="ctr">
+                      <a:solidFill>
+                        <a:srgbClr val="000000"/>
+                      </a:solidFill>
+                      <a:prstDash val="solid"/>
+                      <a:round/>
+                      <a:headEnd type="none" w="med" len="med"/>
+                      <a:tailEnd type="none" w="med" len="med"/>
+                    </a:lnR>
+                    <a:lnT w="11744" cap="flat" cmpd="sng" algn="ctr">
+                      <a:solidFill>
+                        <a:srgbClr val="000000"/>
+                      </a:solidFill>
+                      <a:prstDash val="solid"/>
+                      <a:round/>
+                      <a:headEnd type="none" w="med" len="med"/>
+                      <a:tailEnd type="none" w="med" len="med"/>
+                    </a:lnT>
+                    <a:lnB w="11744" cap="flat" cmpd="sng" algn="ctr">
+                      <a:solidFill>
+                        <a:srgbClr val="000000"/>
+                      </a:solidFill>
+                      <a:prstDash val="solid"/>
+                      <a:round/>
+                      <a:headEnd type="none" w="med" len="med"/>
+                      <a:tailEnd type="none" w="med" len="med"/>
+                    </a:lnB>
+                    <a:solidFill>
+                      <a:srgbClr val="1CADE4"/>
+                    </a:solidFill>
+                  </a:tcPr>
+                </a:tc>
+                <a:tc>
+                  <a:txBody>
+                    <a:bodyPr/>
+                    <a:lstStyle/>
+                    <a:p>
+                      <a:pPr algn="ctr" fontAlgn="base">
+                        <a:lnSpc>
+                          <a:spcPts val="1650"/>
+                        </a:lnSpc>
+                      </a:pPr>
+                      <a:r>
+                        <a:rPr lang="en-US" sz="1400" b="1">
+                          <a:solidFill>
+                            <a:srgbClr val="FFFFFF"/>
+                          </a:solidFill>
+                          <a:effectLst/>
+                          <a:latin typeface="Arial" panose="020B0604020202020204" pitchFamily="34" charset="0"/>
+                        </a:rPr>
+                        <a:t>Training Set</a:t>
+                      </a:r>
+                      <a:endParaRPr lang="en-US" b="1">
+                        <a:solidFill>
+                          <a:srgbClr val="FFFFFF"/>
+                        </a:solidFill>
+                        <a:effectLst/>
+                      </a:endParaRPr>
+                    </a:p>
+                  </a:txBody>
+                  <a:tcPr anchor="ctr">
+                    <a:lnL w="11744" cap="flat" cmpd="sng" algn="ctr">
+                      <a:solidFill>
+                        <a:srgbClr val="000000"/>
+                      </a:solidFill>
+                      <a:prstDash val="solid"/>
+                      <a:round/>
+                      <a:headEnd type="none" w="med" len="med"/>
+                      <a:tailEnd type="none" w="med" len="med"/>
+                    </a:lnL>
+                    <a:lnR w="11744" cap="flat" cmpd="sng" algn="ctr">
+                      <a:solidFill>
+                        <a:srgbClr val="000000"/>
+                      </a:solidFill>
+                      <a:prstDash val="solid"/>
+                      <a:round/>
+                      <a:headEnd type="none" w="med" len="med"/>
+                      <a:tailEnd type="none" w="med" len="med"/>
+                    </a:lnR>
+                    <a:lnT w="11744" cap="flat" cmpd="sng" algn="ctr">
+                      <a:solidFill>
+                        <a:srgbClr val="000000"/>
+                      </a:solidFill>
+                      <a:prstDash val="solid"/>
+                      <a:round/>
+                      <a:headEnd type="none" w="med" len="med"/>
+                      <a:tailEnd type="none" w="med" len="med"/>
+                    </a:lnT>
+                    <a:lnB w="11744" cap="flat" cmpd="sng" algn="ctr">
+                      <a:solidFill>
+                        <a:srgbClr val="000000"/>
+                      </a:solidFill>
+                      <a:prstDash val="solid"/>
+                      <a:round/>
+                      <a:headEnd type="none" w="med" len="med"/>
+                      <a:tailEnd type="none" w="med" len="med"/>
+                    </a:lnB>
+                    <a:solidFill>
+                      <a:srgbClr val="1CADE4"/>
+                    </a:solidFill>
+                  </a:tcPr>
+                </a:tc>
+                <a:tc>
+                  <a:txBody>
+                    <a:bodyPr/>
+                    <a:lstStyle/>
+                    <a:p>
+                      <a:pPr algn="ctr" fontAlgn="base">
+                        <a:lnSpc>
+                          <a:spcPts val="1650"/>
+                        </a:lnSpc>
+                      </a:pPr>
+                      <a:r>
+                        <a:rPr lang="en-US" sz="1400" b="1">
+                          <a:solidFill>
+                            <a:srgbClr val="FFFFFF"/>
+                          </a:solidFill>
+                          <a:effectLst/>
+                          <a:latin typeface="Arial" panose="020B0604020202020204" pitchFamily="34" charset="0"/>
+                        </a:rPr>
+                        <a:t>Test Set</a:t>
+                      </a:r>
+                      <a:endParaRPr lang="en-US" b="1">
+                        <a:solidFill>
+                          <a:srgbClr val="FFFFFF"/>
+                        </a:solidFill>
+                        <a:effectLst/>
+                      </a:endParaRPr>
+                    </a:p>
+                  </a:txBody>
+                  <a:tcPr anchor="ctr">
+                    <a:lnL w="11744" cap="flat" cmpd="sng" algn="ctr">
+                      <a:solidFill>
+                        <a:srgbClr val="000000"/>
+                      </a:solidFill>
+                      <a:prstDash val="solid"/>
+                      <a:round/>
+                      <a:headEnd type="none" w="med" len="med"/>
+                      <a:tailEnd type="none" w="med" len="med"/>
+                    </a:lnL>
+                    <a:lnR w="11744" cap="flat" cmpd="sng" algn="ctr">
+                      <a:solidFill>
+                        <a:srgbClr val="000000"/>
+                      </a:solidFill>
+                      <a:prstDash val="solid"/>
+                      <a:round/>
+                      <a:headEnd type="none" w="med" len="med"/>
+                      <a:tailEnd type="none" w="med" len="med"/>
+                    </a:lnR>
+                    <a:lnT w="11744" cap="flat" cmpd="sng" algn="ctr">
+                      <a:solidFill>
+                        <a:srgbClr val="000000"/>
+                      </a:solidFill>
+                      <a:prstDash val="solid"/>
+                      <a:round/>
+                      <a:headEnd type="none" w="med" len="med"/>
+                      <a:tailEnd type="none" w="med" len="med"/>
+                    </a:lnT>
+                    <a:lnB w="11744" cap="flat" cmpd="sng" algn="ctr">
+                      <a:solidFill>
+                        <a:srgbClr val="000000"/>
+                      </a:solidFill>
+                      <a:prstDash val="solid"/>
+                      <a:round/>
+                      <a:headEnd type="none" w="med" len="med"/>
+                      <a:tailEnd type="none" w="med" len="med"/>
+                    </a:lnB>
+                    <a:solidFill>
+                      <a:srgbClr val="1CADE4"/>
+                    </a:solidFill>
+                  </a:tcPr>
+                </a:tc>
+                <a:extLst>
+                  <a:ext uri="{0D108BD9-81ED-4DB2-BD59-A6C34878D82A}">
+                    <a16:rowId xmlns:a16="http://schemas.microsoft.com/office/drawing/2014/main" val="2114901357"/>
+                  </a:ext>
+                </a:extLst>
+              </a:tr>
+              <a:tr h="496910">
+                <a:tc>
+                  <a:txBody>
+                    <a:bodyPr/>
+                    <a:lstStyle/>
+                    <a:p>
+                      <a:pPr fontAlgn="base">
+                        <a:lnSpc>
+                          <a:spcPts val="1650"/>
+                        </a:lnSpc>
+                      </a:pPr>
+                      <a:r>
+                        <a:rPr lang="en-US" sz="1400" b="1">
+                          <a:solidFill>
+                            <a:srgbClr val="1F1F1F"/>
+                          </a:solidFill>
+                          <a:effectLst/>
+                          <a:latin typeface="Arial" panose="020B0604020202020204" pitchFamily="34" charset="0"/>
+                        </a:rPr>
+                        <a:t>Linear Regression</a:t>
+                      </a:r>
+                      <a:endParaRPr lang="en-US">
+                        <a:effectLst/>
+                      </a:endParaRPr>
+                    </a:p>
+                  </a:txBody>
+                  <a:tcPr anchor="ctr">
+                    <a:lnL w="11744" cap="flat" cmpd="sng" algn="ctr">
+                      <a:solidFill>
+                        <a:srgbClr val="000000"/>
+                      </a:solidFill>
+                      <a:prstDash val="solid"/>
+                      <a:round/>
+                      <a:headEnd type="none" w="med" len="med"/>
+                      <a:tailEnd type="none" w="med" len="med"/>
+                    </a:lnL>
+                    <a:lnR w="11744" cap="flat" cmpd="sng" algn="ctr">
+                      <a:solidFill>
+                        <a:srgbClr val="000000"/>
+                      </a:solidFill>
+                      <a:prstDash val="solid"/>
+                      <a:round/>
+                      <a:headEnd type="none" w="med" len="med"/>
+                      <a:tailEnd type="none" w="med" len="med"/>
+                    </a:lnR>
+                    <a:lnT w="11744" cap="flat" cmpd="sng" algn="ctr">
+                      <a:solidFill>
+                        <a:srgbClr val="000000"/>
+                      </a:solidFill>
+                      <a:prstDash val="solid"/>
+                      <a:round/>
+                      <a:headEnd type="none" w="med" len="med"/>
+                      <a:tailEnd type="none" w="med" len="med"/>
+                    </a:lnT>
+                    <a:lnB w="11744" cap="flat" cmpd="sng" algn="ctr">
+                      <a:solidFill>
+                        <a:srgbClr val="FFFFFF"/>
+                      </a:solidFill>
+                      <a:prstDash val="solid"/>
+                      <a:round/>
+                      <a:headEnd type="none" w="med" len="med"/>
+                      <a:tailEnd type="none" w="med" len="med"/>
+                    </a:lnB>
+                    <a:solidFill>
+                      <a:srgbClr val="CCE3F5"/>
+                    </a:solidFill>
+                  </a:tcPr>
+                </a:tc>
+                <a:tc>
+                  <a:txBody>
+                    <a:bodyPr/>
+                    <a:lstStyle/>
+                    <a:p>
+                      <a:pPr fontAlgn="base">
+                        <a:lnSpc>
+                          <a:spcPts val="1650"/>
+                        </a:lnSpc>
+                      </a:pPr>
+                      <a:r>
+                        <a:rPr lang="en-US" sz="1400" b="1">
+                          <a:solidFill>
+                            <a:srgbClr val="1F1F1F"/>
+                          </a:solidFill>
+                          <a:effectLst/>
+                          <a:latin typeface="Arial" panose="020B0604020202020204" pitchFamily="34" charset="0"/>
+                        </a:rPr>
+                        <a:t>Mean Absolute Error (MAE)</a:t>
+                      </a:r>
+                      <a:endParaRPr lang="en-US">
+                        <a:effectLst/>
+                      </a:endParaRPr>
+                    </a:p>
+                  </a:txBody>
+                  <a:tcPr anchor="ctr">
+                    <a:lnL w="11744" cap="flat" cmpd="sng" algn="ctr">
+                      <a:solidFill>
+                        <a:srgbClr val="000000"/>
+                      </a:solidFill>
+                      <a:prstDash val="solid"/>
+                      <a:round/>
+                      <a:headEnd type="none" w="med" len="med"/>
+                      <a:tailEnd type="none" w="med" len="med"/>
+                    </a:lnL>
+                    <a:lnR w="11744" cap="flat" cmpd="sng" algn="ctr">
+                      <a:solidFill>
+                        <a:srgbClr val="000000"/>
+                      </a:solidFill>
+                      <a:prstDash val="solid"/>
+                      <a:round/>
+                      <a:headEnd type="none" w="med" len="med"/>
+                      <a:tailEnd type="none" w="med" len="med"/>
+                    </a:lnR>
+                    <a:lnT w="11744" cap="flat" cmpd="sng" algn="ctr">
+                      <a:solidFill>
+                        <a:srgbClr val="000000"/>
+                      </a:solidFill>
+                      <a:prstDash val="solid"/>
+                      <a:round/>
+                      <a:headEnd type="none" w="med" len="med"/>
+                      <a:tailEnd type="none" w="med" len="med"/>
+                    </a:lnT>
+                    <a:lnB w="11744" cap="flat" cmpd="sng" algn="ctr">
+                      <a:solidFill>
+                        <a:srgbClr val="FFFFFF"/>
+                      </a:solidFill>
+                      <a:prstDash val="solid"/>
+                      <a:round/>
+                      <a:headEnd type="none" w="med" len="med"/>
+                      <a:tailEnd type="none" w="med" len="med"/>
+                    </a:lnB>
+                    <a:solidFill>
+                      <a:srgbClr val="CCE3F5"/>
+                    </a:solidFill>
+                  </a:tcPr>
+                </a:tc>
+                <a:tc>
+                  <a:txBody>
+                    <a:bodyPr/>
+                    <a:lstStyle/>
+                    <a:p>
+                      <a:pPr algn="ctr" fontAlgn="base">
+                        <a:lnSpc>
+                          <a:spcPts val="1650"/>
+                        </a:lnSpc>
+                      </a:pPr>
+                      <a:r>
+                        <a:rPr lang="en-US" sz="1400">
+                          <a:solidFill>
+                            <a:srgbClr val="1F1F1F"/>
+                          </a:solidFill>
+                          <a:effectLst/>
+                          <a:latin typeface="Arial" panose="020B0604020202020204" pitchFamily="34" charset="0"/>
+                        </a:rPr>
+                        <a:t>4.8943</a:t>
+                      </a:r>
+                      <a:endParaRPr lang="en-US">
+                        <a:effectLst/>
+                      </a:endParaRPr>
+                    </a:p>
+                  </a:txBody>
+                  <a:tcPr anchor="ctr">
+                    <a:lnL w="11744" cap="flat" cmpd="sng" algn="ctr">
+                      <a:solidFill>
+                        <a:srgbClr val="000000"/>
+                      </a:solidFill>
+                      <a:prstDash val="solid"/>
+                      <a:round/>
+                      <a:headEnd type="none" w="med" len="med"/>
+                      <a:tailEnd type="none" w="med" len="med"/>
+                    </a:lnL>
+                    <a:lnR w="11744" cap="flat" cmpd="sng" algn="ctr">
+                      <a:solidFill>
+                        <a:srgbClr val="000000"/>
+                      </a:solidFill>
+                      <a:prstDash val="solid"/>
+                      <a:round/>
+                      <a:headEnd type="none" w="med" len="med"/>
+                      <a:tailEnd type="none" w="med" len="med"/>
+                    </a:lnR>
+                    <a:lnT w="11744" cap="flat" cmpd="sng" algn="ctr">
+                      <a:solidFill>
+                        <a:srgbClr val="000000"/>
+                      </a:solidFill>
+                      <a:prstDash val="solid"/>
+                      <a:round/>
+                      <a:headEnd type="none" w="med" len="med"/>
+                      <a:tailEnd type="none" w="med" len="med"/>
+                    </a:lnT>
+                    <a:lnB w="11744" cap="flat" cmpd="sng" algn="ctr">
+                      <a:solidFill>
+                        <a:srgbClr val="FFFFFF"/>
+                      </a:solidFill>
+                      <a:prstDash val="solid"/>
+                      <a:round/>
+                      <a:headEnd type="none" w="med" len="med"/>
+                      <a:tailEnd type="none" w="med" len="med"/>
+                    </a:lnB>
+                    <a:solidFill>
+                      <a:srgbClr val="CCE3F5"/>
+                    </a:solidFill>
+                  </a:tcPr>
+                </a:tc>
+                <a:tc>
+                  <a:txBody>
+                    <a:bodyPr/>
+                    <a:lstStyle/>
+                    <a:p>
+                      <a:pPr algn="ctr" fontAlgn="base">
+                        <a:lnSpc>
+                          <a:spcPts val="1650"/>
+                        </a:lnSpc>
+                      </a:pPr>
+                      <a:r>
+                        <a:rPr lang="en-US" sz="1400">
+                          <a:solidFill>
+                            <a:srgbClr val="1F1F1F"/>
+                          </a:solidFill>
+                          <a:effectLst/>
+                          <a:latin typeface="Arial" panose="020B0604020202020204" pitchFamily="34" charset="0"/>
+                        </a:rPr>
+                        <a:t>4.9329</a:t>
+                      </a:r>
+                      <a:endParaRPr lang="en-US">
+                        <a:effectLst/>
+                      </a:endParaRPr>
+                    </a:p>
+                  </a:txBody>
+                  <a:tcPr anchor="ctr">
+                    <a:lnL w="11744" cap="flat" cmpd="sng" algn="ctr">
+                      <a:solidFill>
+                        <a:srgbClr val="000000"/>
+                      </a:solidFill>
+                      <a:prstDash val="solid"/>
+                      <a:round/>
+                      <a:headEnd type="none" w="med" len="med"/>
+                      <a:tailEnd type="none" w="med" len="med"/>
+                    </a:lnL>
+                    <a:lnR w="11744" cap="flat" cmpd="sng" algn="ctr">
+                      <a:solidFill>
+                        <a:srgbClr val="000000"/>
+                      </a:solidFill>
+                      <a:prstDash val="solid"/>
+                      <a:round/>
+                      <a:headEnd type="none" w="med" len="med"/>
+                      <a:tailEnd type="none" w="med" len="med"/>
+                    </a:lnR>
+                    <a:lnT w="11744" cap="flat" cmpd="sng" algn="ctr">
+                      <a:solidFill>
+                        <a:srgbClr val="000000"/>
+                      </a:solidFill>
+                      <a:prstDash val="solid"/>
+                      <a:round/>
+                      <a:headEnd type="none" w="med" len="med"/>
+                      <a:tailEnd type="none" w="med" len="med"/>
+                    </a:lnT>
+                    <a:lnB w="11744" cap="flat" cmpd="sng" algn="ctr">
+                      <a:solidFill>
+                        <a:srgbClr val="FFFFFF"/>
+                      </a:solidFill>
+                      <a:prstDash val="solid"/>
+                      <a:round/>
+                      <a:headEnd type="none" w="med" len="med"/>
+                      <a:tailEnd type="none" w="med" len="med"/>
+                    </a:lnB>
+                    <a:solidFill>
+                      <a:srgbClr val="CCE3F5"/>
+                    </a:solidFill>
+                  </a:tcPr>
+                </a:tc>
+                <a:extLst>
+                  <a:ext uri="{0D108BD9-81ED-4DB2-BD59-A6C34878D82A}">
+                    <a16:rowId xmlns:a16="http://schemas.microsoft.com/office/drawing/2014/main" val="1334195002"/>
+                  </a:ext>
+                </a:extLst>
+              </a:tr>
+              <a:tr h="496910">
+                <a:tc>
+                  <a:txBody>
+                    <a:bodyPr/>
+                    <a:lstStyle/>
+                    <a:p>
+                      <a:pPr fontAlgn="auto">
+                        <a:lnSpc>
+                          <a:spcPts val="1650"/>
+                        </a:lnSpc>
+                      </a:pPr>
+                      <a:endParaRPr lang="en-US" sz="1400" b="1">
+                        <a:solidFill>
+                          <a:srgbClr val="1F1F1F"/>
+                        </a:solidFill>
+                        <a:effectLst/>
+                        <a:latin typeface="Arial" panose="020B0604020202020204" pitchFamily="34" charset="0"/>
+                      </a:endParaRPr>
+                    </a:p>
+                  </a:txBody>
+                  <a:tcPr anchor="ctr">
+                    <a:lnL w="11744" cap="flat" cmpd="sng" algn="ctr">
+                      <a:solidFill>
+                        <a:srgbClr val="000000"/>
+                      </a:solidFill>
+                      <a:prstDash val="solid"/>
+                      <a:round/>
+                      <a:headEnd type="none" w="med" len="med"/>
+                      <a:tailEnd type="none" w="med" len="med"/>
+                    </a:lnL>
+                    <a:lnR w="11744" cap="flat" cmpd="sng" algn="ctr">
+                      <a:solidFill>
+                        <a:srgbClr val="000000"/>
+                      </a:solidFill>
+                      <a:prstDash val="solid"/>
+                      <a:round/>
+                      <a:headEnd type="none" w="med" len="med"/>
+                      <a:tailEnd type="none" w="med" len="med"/>
+                    </a:lnR>
+                    <a:lnT w="11744" cap="flat" cmpd="sng" algn="ctr">
+                      <a:solidFill>
+                        <a:srgbClr val="FFFFFF"/>
+                      </a:solidFill>
+                      <a:prstDash val="solid"/>
+                      <a:round/>
+                      <a:headEnd type="none" w="med" len="med"/>
+                      <a:tailEnd type="none" w="med" len="med"/>
+                    </a:lnT>
+                    <a:lnB w="11744" cap="flat" cmpd="sng" algn="ctr">
+                      <a:solidFill>
+                        <a:srgbClr val="FFFFFF"/>
+                      </a:solidFill>
+                      <a:prstDash val="solid"/>
+                      <a:round/>
+                      <a:headEnd type="none" w="med" len="med"/>
+                      <a:tailEnd type="none" w="med" len="med"/>
+                    </a:lnB>
+                    <a:solidFill>
+                      <a:srgbClr val="E7F1FA"/>
+                    </a:solidFill>
+                  </a:tcPr>
+                </a:tc>
+                <a:tc>
+                  <a:txBody>
+                    <a:bodyPr/>
+                    <a:lstStyle/>
+                    <a:p>
+                      <a:pPr fontAlgn="base">
+                        <a:lnSpc>
+                          <a:spcPts val="1650"/>
+                        </a:lnSpc>
+                      </a:pPr>
+                      <a:r>
+                        <a:rPr lang="en-US" sz="1400" b="1">
+                          <a:solidFill>
+                            <a:srgbClr val="1F1F1F"/>
+                          </a:solidFill>
+                          <a:effectLst/>
+                          <a:latin typeface="Arial" panose="020B0604020202020204" pitchFamily="34" charset="0"/>
+                        </a:rPr>
+                        <a:t>Mean Squared Error (MSE)</a:t>
+                      </a:r>
+                      <a:endParaRPr lang="en-US">
+                        <a:effectLst/>
+                      </a:endParaRPr>
+                    </a:p>
+                  </a:txBody>
+                  <a:tcPr anchor="ctr">
+                    <a:lnL w="11744" cap="flat" cmpd="sng" algn="ctr">
+                      <a:solidFill>
+                        <a:srgbClr val="000000"/>
+                      </a:solidFill>
+                      <a:prstDash val="solid"/>
+                      <a:round/>
+                      <a:headEnd type="none" w="med" len="med"/>
+                      <a:tailEnd type="none" w="med" len="med"/>
+                    </a:lnL>
+                    <a:lnR w="11744" cap="flat" cmpd="sng" algn="ctr">
+                      <a:solidFill>
+                        <a:srgbClr val="000000"/>
+                      </a:solidFill>
+                      <a:prstDash val="solid"/>
+                      <a:round/>
+                      <a:headEnd type="none" w="med" len="med"/>
+                      <a:tailEnd type="none" w="med" len="med"/>
+                    </a:lnR>
+                    <a:lnT w="11744" cap="flat" cmpd="sng" algn="ctr">
+                      <a:solidFill>
+                        <a:srgbClr val="FFFFFF"/>
+                      </a:solidFill>
+                      <a:prstDash val="solid"/>
+                      <a:round/>
+                      <a:headEnd type="none" w="med" len="med"/>
+                      <a:tailEnd type="none" w="med" len="med"/>
+                    </a:lnT>
+                    <a:lnB w="11744" cap="flat" cmpd="sng" algn="ctr">
+                      <a:solidFill>
+                        <a:srgbClr val="FFFFFF"/>
+                      </a:solidFill>
+                      <a:prstDash val="solid"/>
+                      <a:round/>
+                      <a:headEnd type="none" w="med" len="med"/>
+                      <a:tailEnd type="none" w="med" len="med"/>
+                    </a:lnB>
+                    <a:solidFill>
+                      <a:srgbClr val="E7F1FA"/>
+                    </a:solidFill>
+                  </a:tcPr>
+                </a:tc>
+                <a:tc>
+                  <a:txBody>
+                    <a:bodyPr/>
+                    <a:lstStyle/>
+                    <a:p>
+                      <a:pPr algn="ctr" fontAlgn="base">
+                        <a:lnSpc>
+                          <a:spcPts val="1650"/>
+                        </a:lnSpc>
+                      </a:pPr>
+                      <a:r>
+                        <a:rPr lang="en-US" sz="1400">
+                          <a:solidFill>
+                            <a:srgbClr val="1F1F1F"/>
+                          </a:solidFill>
+                          <a:effectLst/>
+                          <a:latin typeface="Arial" panose="020B0604020202020204" pitchFamily="34" charset="0"/>
+                        </a:rPr>
+                        <a:t>64.1171</a:t>
+                      </a:r>
+                      <a:endParaRPr lang="en-US">
+                        <a:effectLst/>
+                      </a:endParaRPr>
+                    </a:p>
+                  </a:txBody>
+                  <a:tcPr anchor="ctr">
+                    <a:lnL w="11744" cap="flat" cmpd="sng" algn="ctr">
+                      <a:solidFill>
+                        <a:srgbClr val="000000"/>
+                      </a:solidFill>
+                      <a:prstDash val="solid"/>
+                      <a:round/>
+                      <a:headEnd type="none" w="med" len="med"/>
+                      <a:tailEnd type="none" w="med" len="med"/>
+                    </a:lnL>
+                    <a:lnR w="11744" cap="flat" cmpd="sng" algn="ctr">
+                      <a:solidFill>
+                        <a:srgbClr val="000000"/>
+                      </a:solidFill>
+                      <a:prstDash val="solid"/>
+                      <a:round/>
+                      <a:headEnd type="none" w="med" len="med"/>
+                      <a:tailEnd type="none" w="med" len="med"/>
+                    </a:lnR>
+                    <a:lnT w="11744" cap="flat" cmpd="sng" algn="ctr">
+                      <a:solidFill>
+                        <a:srgbClr val="FFFFFF"/>
+                      </a:solidFill>
+                      <a:prstDash val="solid"/>
+                      <a:round/>
+                      <a:headEnd type="none" w="med" len="med"/>
+                      <a:tailEnd type="none" w="med" len="med"/>
+                    </a:lnT>
+                    <a:lnB w="11744" cap="flat" cmpd="sng" algn="ctr">
+                      <a:solidFill>
+                        <a:srgbClr val="FFFFFF"/>
+                      </a:solidFill>
+                      <a:prstDash val="solid"/>
+                      <a:round/>
+                      <a:headEnd type="none" w="med" len="med"/>
+                      <a:tailEnd type="none" w="med" len="med"/>
+                    </a:lnB>
+                    <a:solidFill>
+                      <a:srgbClr val="E7F1FA"/>
+                    </a:solidFill>
+                  </a:tcPr>
+                </a:tc>
+                <a:tc>
+                  <a:txBody>
+                    <a:bodyPr/>
+                    <a:lstStyle/>
+                    <a:p>
+                      <a:pPr algn="ctr" fontAlgn="base">
+                        <a:lnSpc>
+                          <a:spcPts val="1650"/>
+                        </a:lnSpc>
+                      </a:pPr>
+                      <a:r>
+                        <a:rPr lang="en-US" sz="1400">
+                          <a:solidFill>
+                            <a:srgbClr val="1F1F1F"/>
+                          </a:solidFill>
+                          <a:effectLst/>
+                          <a:latin typeface="Arial" panose="020B0604020202020204" pitchFamily="34" charset="0"/>
+                        </a:rPr>
+                        <a:t>64.3020</a:t>
+                      </a:r>
+                      <a:endParaRPr lang="en-US">
+                        <a:effectLst/>
+                      </a:endParaRPr>
+                    </a:p>
+                  </a:txBody>
+                  <a:tcPr anchor="ctr">
+                    <a:lnL w="11744" cap="flat" cmpd="sng" algn="ctr">
+                      <a:solidFill>
+                        <a:srgbClr val="000000"/>
+                      </a:solidFill>
+                      <a:prstDash val="solid"/>
+                      <a:round/>
+                      <a:headEnd type="none" w="med" len="med"/>
+                      <a:tailEnd type="none" w="med" len="med"/>
+                    </a:lnL>
+                    <a:lnR w="11744" cap="flat" cmpd="sng" algn="ctr">
+                      <a:solidFill>
+                        <a:srgbClr val="000000"/>
+                      </a:solidFill>
+                      <a:prstDash val="solid"/>
+                      <a:round/>
+                      <a:headEnd type="none" w="med" len="med"/>
+                      <a:tailEnd type="none" w="med" len="med"/>
+                    </a:lnR>
+                    <a:lnT w="11744" cap="flat" cmpd="sng" algn="ctr">
+                      <a:solidFill>
+                        <a:srgbClr val="FFFFFF"/>
+                      </a:solidFill>
+                      <a:prstDash val="solid"/>
+                      <a:round/>
+                      <a:headEnd type="none" w="med" len="med"/>
+                      <a:tailEnd type="none" w="med" len="med"/>
+                    </a:lnT>
+                    <a:lnB w="11744" cap="flat" cmpd="sng" algn="ctr">
+                      <a:solidFill>
+                        <a:srgbClr val="FFFFFF"/>
+                      </a:solidFill>
+                      <a:prstDash val="solid"/>
+                      <a:round/>
+                      <a:headEnd type="none" w="med" len="med"/>
+                      <a:tailEnd type="none" w="med" len="med"/>
+                    </a:lnB>
+                    <a:solidFill>
+                      <a:srgbClr val="E7F1FA"/>
+                    </a:solidFill>
+                  </a:tcPr>
+                </a:tc>
+                <a:extLst>
+                  <a:ext uri="{0D108BD9-81ED-4DB2-BD59-A6C34878D82A}">
+                    <a16:rowId xmlns:a16="http://schemas.microsoft.com/office/drawing/2014/main" val="3285954598"/>
+                  </a:ext>
+                </a:extLst>
+              </a:tr>
+              <a:tr h="318022">
+                <a:tc>
+                  <a:txBody>
+                    <a:bodyPr/>
+                    <a:lstStyle/>
+                    <a:p>
+                      <a:pPr fontAlgn="auto">
+                        <a:lnSpc>
+                          <a:spcPts val="1650"/>
+                        </a:lnSpc>
+                      </a:pPr>
+                      <a:endParaRPr lang="en-US" sz="1400" b="1">
+                        <a:solidFill>
+                          <a:srgbClr val="1F1F1F"/>
+                        </a:solidFill>
+                        <a:effectLst/>
+                        <a:latin typeface="Arial" panose="020B0604020202020204" pitchFamily="34" charset="0"/>
+                      </a:endParaRPr>
+                    </a:p>
+                  </a:txBody>
+                  <a:tcPr anchor="ctr">
+                    <a:lnL w="11744" cap="flat" cmpd="sng" algn="ctr">
+                      <a:solidFill>
+                        <a:srgbClr val="000000"/>
+                      </a:solidFill>
+                      <a:prstDash val="solid"/>
+                      <a:round/>
+                      <a:headEnd type="none" w="med" len="med"/>
+                      <a:tailEnd type="none" w="med" len="med"/>
+                    </a:lnL>
+                    <a:lnR w="11744" cap="flat" cmpd="sng" algn="ctr">
+                      <a:solidFill>
+                        <a:srgbClr val="000000"/>
+                      </a:solidFill>
+                      <a:prstDash val="solid"/>
+                      <a:round/>
+                      <a:headEnd type="none" w="med" len="med"/>
+                      <a:tailEnd type="none" w="med" len="med"/>
+                    </a:lnR>
+                    <a:lnT w="11744" cap="flat" cmpd="sng" algn="ctr">
+                      <a:solidFill>
+                        <a:srgbClr val="FFFFFF"/>
+                      </a:solidFill>
+                      <a:prstDash val="solid"/>
+                      <a:round/>
+                      <a:headEnd type="none" w="med" len="med"/>
+                      <a:tailEnd type="none" w="med" len="med"/>
+                    </a:lnT>
+                    <a:lnB w="11744" cap="flat" cmpd="sng" algn="ctr">
+                      <a:solidFill>
+                        <a:srgbClr val="000000"/>
+                      </a:solidFill>
+                      <a:prstDash val="solid"/>
+                      <a:round/>
+                      <a:headEnd type="none" w="med" len="med"/>
+                      <a:tailEnd type="none" w="med" len="med"/>
+                    </a:lnB>
+                    <a:solidFill>
+                      <a:srgbClr val="CCE3F5"/>
+                    </a:solidFill>
+                  </a:tcPr>
+                </a:tc>
+                <a:tc>
+                  <a:txBody>
+                    <a:bodyPr/>
+                    <a:lstStyle/>
+                    <a:p>
+                      <a:pPr fontAlgn="base">
+                        <a:lnSpc>
+                          <a:spcPts val="1650"/>
+                        </a:lnSpc>
+                      </a:pPr>
+                      <a:r>
+                        <a:rPr lang="en-US" sz="1400" b="1">
+                          <a:solidFill>
+                            <a:srgbClr val="1F1F1F"/>
+                          </a:solidFill>
+                          <a:effectLst/>
+                          <a:latin typeface="Arial" panose="020B0604020202020204" pitchFamily="34" charset="0"/>
+                        </a:rPr>
+                        <a:t>R² Score</a:t>
+                      </a:r>
+                      <a:endParaRPr lang="en-US">
+                        <a:effectLst/>
+                      </a:endParaRPr>
+                    </a:p>
+                  </a:txBody>
+                  <a:tcPr anchor="ctr">
+                    <a:lnL w="11744" cap="flat" cmpd="sng" algn="ctr">
+                      <a:solidFill>
+                        <a:srgbClr val="000000"/>
+                      </a:solidFill>
+                      <a:prstDash val="solid"/>
+                      <a:round/>
+                      <a:headEnd type="none" w="med" len="med"/>
+                      <a:tailEnd type="none" w="med" len="med"/>
+                    </a:lnL>
+                    <a:lnR w="11744" cap="flat" cmpd="sng" algn="ctr">
+                      <a:solidFill>
+                        <a:srgbClr val="000000"/>
+                      </a:solidFill>
+                      <a:prstDash val="solid"/>
+                      <a:round/>
+                      <a:headEnd type="none" w="med" len="med"/>
+                      <a:tailEnd type="none" w="med" len="med"/>
+                    </a:lnR>
+                    <a:lnT w="11744" cap="flat" cmpd="sng" algn="ctr">
+                      <a:solidFill>
+                        <a:srgbClr val="FFFFFF"/>
+                      </a:solidFill>
+                      <a:prstDash val="solid"/>
+                      <a:round/>
+                      <a:headEnd type="none" w="med" len="med"/>
+                      <a:tailEnd type="none" w="med" len="med"/>
+                    </a:lnT>
+                    <a:lnB w="11744" cap="flat" cmpd="sng" algn="ctr">
+                      <a:solidFill>
+                        <a:srgbClr val="000000"/>
+                      </a:solidFill>
+                      <a:prstDash val="solid"/>
+                      <a:round/>
+                      <a:headEnd type="none" w="med" len="med"/>
+                      <a:tailEnd type="none" w="med" len="med"/>
+                    </a:lnB>
+                    <a:solidFill>
+                      <a:srgbClr val="CCE3F5"/>
+                    </a:solidFill>
+                  </a:tcPr>
+                </a:tc>
+                <a:tc>
+                  <a:txBody>
+                    <a:bodyPr/>
+                    <a:lstStyle/>
+                    <a:p>
+                      <a:pPr algn="ctr" fontAlgn="base">
+                        <a:lnSpc>
+                          <a:spcPts val="1650"/>
+                        </a:lnSpc>
+                      </a:pPr>
+                      <a:r>
+                        <a:rPr lang="en-US" sz="1400">
+                          <a:solidFill>
+                            <a:srgbClr val="1F1F1F"/>
+                          </a:solidFill>
+                          <a:effectLst/>
+                          <a:latin typeface="Arial" panose="020B0604020202020204" pitchFamily="34" charset="0"/>
+                        </a:rPr>
+                        <a:t>0.3466</a:t>
+                      </a:r>
+                      <a:endParaRPr lang="en-US">
+                        <a:effectLst/>
+                      </a:endParaRPr>
+                    </a:p>
+                  </a:txBody>
+                  <a:tcPr anchor="ctr">
+                    <a:lnL w="11744" cap="flat" cmpd="sng" algn="ctr">
+                      <a:solidFill>
+                        <a:srgbClr val="000000"/>
+                      </a:solidFill>
+                      <a:prstDash val="solid"/>
+                      <a:round/>
+                      <a:headEnd type="none" w="med" len="med"/>
+                      <a:tailEnd type="none" w="med" len="med"/>
+                    </a:lnL>
+                    <a:lnR w="11744" cap="flat" cmpd="sng" algn="ctr">
+                      <a:solidFill>
+                        <a:srgbClr val="000000"/>
+                      </a:solidFill>
+                      <a:prstDash val="solid"/>
+                      <a:round/>
+                      <a:headEnd type="none" w="med" len="med"/>
+                      <a:tailEnd type="none" w="med" len="med"/>
+                    </a:lnR>
+                    <a:lnT w="11744" cap="flat" cmpd="sng" algn="ctr">
+                      <a:solidFill>
+                        <a:srgbClr val="FFFFFF"/>
+                      </a:solidFill>
+                      <a:prstDash val="solid"/>
+                      <a:round/>
+                      <a:headEnd type="none" w="med" len="med"/>
+                      <a:tailEnd type="none" w="med" len="med"/>
+                    </a:lnT>
+                    <a:lnB w="11744" cap="flat" cmpd="sng" algn="ctr">
+                      <a:solidFill>
+                        <a:srgbClr val="000000"/>
+                      </a:solidFill>
+                      <a:prstDash val="solid"/>
+                      <a:round/>
+                      <a:headEnd type="none" w="med" len="med"/>
+                      <a:tailEnd type="none" w="med" len="med"/>
+                    </a:lnB>
+                    <a:solidFill>
+                      <a:srgbClr val="CCE3F5"/>
+                    </a:solidFill>
+                  </a:tcPr>
+                </a:tc>
+                <a:tc>
+                  <a:txBody>
+                    <a:bodyPr/>
+                    <a:lstStyle/>
+                    <a:p>
+                      <a:pPr algn="ctr" fontAlgn="base">
+                        <a:lnSpc>
+                          <a:spcPts val="1650"/>
+                        </a:lnSpc>
+                      </a:pPr>
+                      <a:r>
+                        <a:rPr lang="en-US" sz="1400">
+                          <a:solidFill>
+                            <a:srgbClr val="1F1F1F"/>
+                          </a:solidFill>
+                          <a:effectLst/>
+                          <a:latin typeface="Arial" panose="020B0604020202020204" pitchFamily="34" charset="0"/>
+                        </a:rPr>
+                        <a:t>0.3512</a:t>
+                      </a:r>
+                      <a:endParaRPr lang="en-US">
+                        <a:effectLst/>
+                      </a:endParaRPr>
+                    </a:p>
+                  </a:txBody>
+                  <a:tcPr anchor="ctr">
+                    <a:lnL w="11744" cap="flat" cmpd="sng" algn="ctr">
+                      <a:solidFill>
+                        <a:srgbClr val="000000"/>
+                      </a:solidFill>
+                      <a:prstDash val="solid"/>
+                      <a:round/>
+                      <a:headEnd type="none" w="med" len="med"/>
+                      <a:tailEnd type="none" w="med" len="med"/>
+                    </a:lnL>
+                    <a:lnR w="11744" cap="flat" cmpd="sng" algn="ctr">
+                      <a:solidFill>
+                        <a:srgbClr val="000000"/>
+                      </a:solidFill>
+                      <a:prstDash val="solid"/>
+                      <a:round/>
+                      <a:headEnd type="none" w="med" len="med"/>
+                      <a:tailEnd type="none" w="med" len="med"/>
+                    </a:lnR>
+                    <a:lnT w="11744" cap="flat" cmpd="sng" algn="ctr">
+                      <a:solidFill>
+                        <a:srgbClr val="FFFFFF"/>
+                      </a:solidFill>
+                      <a:prstDash val="solid"/>
+                      <a:round/>
+                      <a:headEnd type="none" w="med" len="med"/>
+                      <a:tailEnd type="none" w="med" len="med"/>
+                    </a:lnT>
+                    <a:lnB w="11744" cap="flat" cmpd="sng" algn="ctr">
+                      <a:solidFill>
+                        <a:srgbClr val="000000"/>
+                      </a:solidFill>
+                      <a:prstDash val="solid"/>
+                      <a:round/>
+                      <a:headEnd type="none" w="med" len="med"/>
+                      <a:tailEnd type="none" w="med" len="med"/>
+                    </a:lnB>
+                    <a:solidFill>
+                      <a:srgbClr val="CCE3F5"/>
+                    </a:solidFill>
+                  </a:tcPr>
+                </a:tc>
+                <a:extLst>
+                  <a:ext uri="{0D108BD9-81ED-4DB2-BD59-A6C34878D82A}">
+                    <a16:rowId xmlns:a16="http://schemas.microsoft.com/office/drawing/2014/main" val="3635120511"/>
+                  </a:ext>
+                </a:extLst>
+              </a:tr>
+              <a:tr h="496910">
+                <a:tc>
+                  <a:txBody>
+                    <a:bodyPr/>
+                    <a:lstStyle/>
+                    <a:p>
+                      <a:pPr fontAlgn="base">
+                        <a:lnSpc>
+                          <a:spcPts val="1650"/>
+                        </a:lnSpc>
+                      </a:pPr>
+                      <a:r>
+                        <a:rPr lang="en-US" sz="1400" b="1">
+                          <a:solidFill>
+                            <a:srgbClr val="1F1F1F"/>
+                          </a:solidFill>
+                          <a:effectLst/>
+                          <a:latin typeface="Arial" panose="020B0604020202020204" pitchFamily="34" charset="0"/>
+                        </a:rPr>
+                        <a:t>Decision Tree</a:t>
+                      </a:r>
+                      <a:endParaRPr lang="en-US">
+                        <a:effectLst/>
+                      </a:endParaRPr>
+                    </a:p>
+                  </a:txBody>
+                  <a:tcPr anchor="ctr">
+                    <a:lnL w="11744" cap="flat" cmpd="sng" algn="ctr">
+                      <a:solidFill>
+                        <a:srgbClr val="000000"/>
+                      </a:solidFill>
+                      <a:prstDash val="solid"/>
+                      <a:round/>
+                      <a:headEnd type="none" w="med" len="med"/>
+                      <a:tailEnd type="none" w="med" len="med"/>
+                    </a:lnL>
+                    <a:lnR w="11744" cap="flat" cmpd="sng" algn="ctr">
+                      <a:solidFill>
+                        <a:srgbClr val="000000"/>
+                      </a:solidFill>
+                      <a:prstDash val="solid"/>
+                      <a:round/>
+                      <a:headEnd type="none" w="med" len="med"/>
+                      <a:tailEnd type="none" w="med" len="med"/>
+                    </a:lnR>
+                    <a:lnT w="11744" cap="flat" cmpd="sng" algn="ctr">
+                      <a:solidFill>
+                        <a:srgbClr val="000000"/>
+                      </a:solidFill>
+                      <a:prstDash val="solid"/>
+                      <a:round/>
+                      <a:headEnd type="none" w="med" len="med"/>
+                      <a:tailEnd type="none" w="med" len="med"/>
+                    </a:lnT>
+                    <a:lnB w="11744" cap="flat" cmpd="sng" algn="ctr">
+                      <a:solidFill>
+                        <a:srgbClr val="FFFFFF"/>
+                      </a:solidFill>
+                      <a:prstDash val="solid"/>
+                      <a:round/>
+                      <a:headEnd type="none" w="med" len="med"/>
+                      <a:tailEnd type="none" w="med" len="med"/>
+                    </a:lnB>
+                    <a:solidFill>
+                      <a:srgbClr val="E7F1FA"/>
+                    </a:solidFill>
+                  </a:tcPr>
+                </a:tc>
+                <a:tc>
+                  <a:txBody>
+                    <a:bodyPr/>
+                    <a:lstStyle/>
+                    <a:p>
+                      <a:pPr fontAlgn="base">
+                        <a:lnSpc>
+                          <a:spcPts val="1650"/>
+                        </a:lnSpc>
+                      </a:pPr>
+                      <a:r>
+                        <a:rPr lang="en-US" sz="1400" b="1">
+                          <a:solidFill>
+                            <a:srgbClr val="1F1F1F"/>
+                          </a:solidFill>
+                          <a:effectLst/>
+                          <a:latin typeface="Arial" panose="020B0604020202020204" pitchFamily="34" charset="0"/>
+                        </a:rPr>
+                        <a:t>Mean Absolute Error (MAE)</a:t>
+                      </a:r>
+                      <a:endParaRPr lang="en-US">
+                        <a:effectLst/>
+                      </a:endParaRPr>
+                    </a:p>
+                  </a:txBody>
+                  <a:tcPr anchor="ctr">
+                    <a:lnL w="11744" cap="flat" cmpd="sng" algn="ctr">
+                      <a:solidFill>
+                        <a:srgbClr val="000000"/>
+                      </a:solidFill>
+                      <a:prstDash val="solid"/>
+                      <a:round/>
+                      <a:headEnd type="none" w="med" len="med"/>
+                      <a:tailEnd type="none" w="med" len="med"/>
+                    </a:lnL>
+                    <a:lnR w="11744" cap="flat" cmpd="sng" algn="ctr">
+                      <a:solidFill>
+                        <a:srgbClr val="000000"/>
+                      </a:solidFill>
+                      <a:prstDash val="solid"/>
+                      <a:round/>
+                      <a:headEnd type="none" w="med" len="med"/>
+                      <a:tailEnd type="none" w="med" len="med"/>
+                    </a:lnR>
+                    <a:lnT w="11744" cap="flat" cmpd="sng" algn="ctr">
+                      <a:solidFill>
+                        <a:srgbClr val="000000"/>
+                      </a:solidFill>
+                      <a:prstDash val="solid"/>
+                      <a:round/>
+                      <a:headEnd type="none" w="med" len="med"/>
+                      <a:tailEnd type="none" w="med" len="med"/>
+                    </a:lnT>
+                    <a:lnB w="11744" cap="flat" cmpd="sng" algn="ctr">
+                      <a:solidFill>
+                        <a:srgbClr val="FFFFFF"/>
+                      </a:solidFill>
+                      <a:prstDash val="solid"/>
+                      <a:round/>
+                      <a:headEnd type="none" w="med" len="med"/>
+                      <a:tailEnd type="none" w="med" len="med"/>
+                    </a:lnB>
+                    <a:solidFill>
+                      <a:srgbClr val="E7F1FA"/>
+                    </a:solidFill>
+                  </a:tcPr>
+                </a:tc>
+                <a:tc>
+                  <a:txBody>
+                    <a:bodyPr/>
+                    <a:lstStyle/>
+                    <a:p>
+                      <a:pPr algn="ctr" fontAlgn="base">
+                        <a:lnSpc>
+                          <a:spcPts val="1650"/>
+                        </a:lnSpc>
+                      </a:pPr>
+                      <a:r>
+                        <a:rPr lang="en-US" sz="1400">
+                          <a:solidFill>
+                            <a:srgbClr val="1F1F1F"/>
+                          </a:solidFill>
+                          <a:effectLst/>
+                          <a:latin typeface="Arial" panose="020B0604020202020204" pitchFamily="34" charset="0"/>
+                        </a:rPr>
+                        <a:t>0.0096</a:t>
+                      </a:r>
+                      <a:endParaRPr lang="en-US">
+                        <a:effectLst/>
+                      </a:endParaRPr>
+                    </a:p>
+                  </a:txBody>
+                  <a:tcPr anchor="ctr">
+                    <a:lnL w="11744" cap="flat" cmpd="sng" algn="ctr">
+                      <a:solidFill>
+                        <a:srgbClr val="000000"/>
+                      </a:solidFill>
+                      <a:prstDash val="solid"/>
+                      <a:round/>
+                      <a:headEnd type="none" w="med" len="med"/>
+                      <a:tailEnd type="none" w="med" len="med"/>
+                    </a:lnL>
+                    <a:lnR w="11744" cap="flat" cmpd="sng" algn="ctr">
+                      <a:solidFill>
+                        <a:srgbClr val="000000"/>
+                      </a:solidFill>
+                      <a:prstDash val="solid"/>
+                      <a:round/>
+                      <a:headEnd type="none" w="med" len="med"/>
+                      <a:tailEnd type="none" w="med" len="med"/>
+                    </a:lnR>
+                    <a:lnT w="11744" cap="flat" cmpd="sng" algn="ctr">
+                      <a:solidFill>
+                        <a:srgbClr val="000000"/>
+                      </a:solidFill>
+                      <a:prstDash val="solid"/>
+                      <a:round/>
+                      <a:headEnd type="none" w="med" len="med"/>
+                      <a:tailEnd type="none" w="med" len="med"/>
+                    </a:lnT>
+                    <a:lnB w="11744" cap="flat" cmpd="sng" algn="ctr">
+                      <a:solidFill>
+                        <a:srgbClr val="FFFFFF"/>
+                      </a:solidFill>
+                      <a:prstDash val="solid"/>
+                      <a:round/>
+                      <a:headEnd type="none" w="med" len="med"/>
+                      <a:tailEnd type="none" w="med" len="med"/>
+                    </a:lnB>
+                    <a:solidFill>
+                      <a:srgbClr val="E7F1FA"/>
+                    </a:solidFill>
+                  </a:tcPr>
+                </a:tc>
+                <a:tc>
+                  <a:txBody>
+                    <a:bodyPr/>
+                    <a:lstStyle/>
+                    <a:p>
+                      <a:pPr algn="ctr" fontAlgn="base">
+                        <a:lnSpc>
+                          <a:spcPts val="1650"/>
+                        </a:lnSpc>
+                      </a:pPr>
+                      <a:r>
+                        <a:rPr lang="en-US" sz="1400">
+                          <a:solidFill>
+                            <a:srgbClr val="1F1F1F"/>
+                          </a:solidFill>
+                          <a:effectLst/>
+                          <a:latin typeface="Arial" panose="020B0604020202020204" pitchFamily="34" charset="0"/>
+                        </a:rPr>
+                        <a:t>2.6084</a:t>
+                      </a:r>
+                      <a:endParaRPr lang="en-US">
+                        <a:effectLst/>
+                      </a:endParaRPr>
+                    </a:p>
+                  </a:txBody>
+                  <a:tcPr anchor="ctr">
+                    <a:lnL w="11744" cap="flat" cmpd="sng" algn="ctr">
+                      <a:solidFill>
+                        <a:srgbClr val="000000"/>
+                      </a:solidFill>
+                      <a:prstDash val="solid"/>
+                      <a:round/>
+                      <a:headEnd type="none" w="med" len="med"/>
+                      <a:tailEnd type="none" w="med" len="med"/>
+                    </a:lnL>
+                    <a:lnR w="11744" cap="flat" cmpd="sng" algn="ctr">
+                      <a:solidFill>
+                        <a:srgbClr val="000000"/>
+                      </a:solidFill>
+                      <a:prstDash val="solid"/>
+                      <a:round/>
+                      <a:headEnd type="none" w="med" len="med"/>
+                      <a:tailEnd type="none" w="med" len="med"/>
+                    </a:lnR>
+                    <a:lnT w="11744" cap="flat" cmpd="sng" algn="ctr">
+                      <a:solidFill>
+                        <a:srgbClr val="000000"/>
+                      </a:solidFill>
+                      <a:prstDash val="solid"/>
+                      <a:round/>
+                      <a:headEnd type="none" w="med" len="med"/>
+                      <a:tailEnd type="none" w="med" len="med"/>
+                    </a:lnT>
+                    <a:lnB w="11744" cap="flat" cmpd="sng" algn="ctr">
+                      <a:solidFill>
+                        <a:srgbClr val="FFFFFF"/>
+                      </a:solidFill>
+                      <a:prstDash val="solid"/>
+                      <a:round/>
+                      <a:headEnd type="none" w="med" len="med"/>
+                      <a:tailEnd type="none" w="med" len="med"/>
+                    </a:lnB>
+                    <a:solidFill>
+                      <a:srgbClr val="E7F1FA"/>
+                    </a:solidFill>
+                  </a:tcPr>
+                </a:tc>
+                <a:extLst>
+                  <a:ext uri="{0D108BD9-81ED-4DB2-BD59-A6C34878D82A}">
+                    <a16:rowId xmlns:a16="http://schemas.microsoft.com/office/drawing/2014/main" val="3069556896"/>
+                  </a:ext>
+                </a:extLst>
+              </a:tr>
+              <a:tr h="496910">
+                <a:tc>
+                  <a:txBody>
+                    <a:bodyPr/>
+                    <a:lstStyle/>
+                    <a:p>
+                      <a:pPr fontAlgn="auto">
+                        <a:lnSpc>
+                          <a:spcPts val="1650"/>
+                        </a:lnSpc>
+                      </a:pPr>
+                      <a:endParaRPr lang="en-US" sz="1400" b="1">
+                        <a:solidFill>
+                          <a:srgbClr val="1F1F1F"/>
+                        </a:solidFill>
+                        <a:effectLst/>
+                        <a:latin typeface="Arial" panose="020B0604020202020204" pitchFamily="34" charset="0"/>
+                      </a:endParaRPr>
+                    </a:p>
+                  </a:txBody>
+                  <a:tcPr anchor="ctr">
+                    <a:lnL w="11744" cap="flat" cmpd="sng" algn="ctr">
+                      <a:solidFill>
+                        <a:srgbClr val="000000"/>
+                      </a:solidFill>
+                      <a:prstDash val="solid"/>
+                      <a:round/>
+                      <a:headEnd type="none" w="med" len="med"/>
+                      <a:tailEnd type="none" w="med" len="med"/>
+                    </a:lnL>
+                    <a:lnR w="11744" cap="flat" cmpd="sng" algn="ctr">
+                      <a:solidFill>
+                        <a:srgbClr val="000000"/>
+                      </a:solidFill>
+                      <a:prstDash val="solid"/>
+                      <a:round/>
+                      <a:headEnd type="none" w="med" len="med"/>
+                      <a:tailEnd type="none" w="med" len="med"/>
+                    </a:lnR>
+                    <a:lnT w="11744" cap="flat" cmpd="sng" algn="ctr">
+                      <a:solidFill>
+                        <a:srgbClr val="FFFFFF"/>
+                      </a:solidFill>
+                      <a:prstDash val="solid"/>
+                      <a:round/>
+                      <a:headEnd type="none" w="med" len="med"/>
+                      <a:tailEnd type="none" w="med" len="med"/>
+                    </a:lnT>
+                    <a:lnB w="11744" cap="flat" cmpd="sng" algn="ctr">
+                      <a:solidFill>
+                        <a:srgbClr val="FFFFFF"/>
+                      </a:solidFill>
+                      <a:prstDash val="solid"/>
+                      <a:round/>
+                      <a:headEnd type="none" w="med" len="med"/>
+                      <a:tailEnd type="none" w="med" len="med"/>
+                    </a:lnB>
+                    <a:solidFill>
+                      <a:srgbClr val="CCE3F5"/>
+                    </a:solidFill>
+                  </a:tcPr>
+                </a:tc>
+                <a:tc>
+                  <a:txBody>
+                    <a:bodyPr/>
+                    <a:lstStyle/>
+                    <a:p>
+                      <a:pPr fontAlgn="base">
+                        <a:lnSpc>
+                          <a:spcPts val="1650"/>
+                        </a:lnSpc>
+                      </a:pPr>
+                      <a:r>
+                        <a:rPr lang="en-US" sz="1400" b="1">
+                          <a:solidFill>
+                            <a:srgbClr val="1F1F1F"/>
+                          </a:solidFill>
+                          <a:effectLst/>
+                          <a:latin typeface="Arial" panose="020B0604020202020204" pitchFamily="34" charset="0"/>
+                        </a:rPr>
+                        <a:t>Mean Squared Error (MSE):</a:t>
+                      </a:r>
+                      <a:endParaRPr lang="en-US">
+                        <a:effectLst/>
+                      </a:endParaRPr>
+                    </a:p>
+                  </a:txBody>
+                  <a:tcPr anchor="ctr">
+                    <a:lnL w="11744" cap="flat" cmpd="sng" algn="ctr">
+                      <a:solidFill>
+                        <a:srgbClr val="000000"/>
+                      </a:solidFill>
+                      <a:prstDash val="solid"/>
+                      <a:round/>
+                      <a:headEnd type="none" w="med" len="med"/>
+                      <a:tailEnd type="none" w="med" len="med"/>
+                    </a:lnL>
+                    <a:lnR w="11744" cap="flat" cmpd="sng" algn="ctr">
+                      <a:solidFill>
+                        <a:srgbClr val="000000"/>
+                      </a:solidFill>
+                      <a:prstDash val="solid"/>
+                      <a:round/>
+                      <a:headEnd type="none" w="med" len="med"/>
+                      <a:tailEnd type="none" w="med" len="med"/>
+                    </a:lnR>
+                    <a:lnT w="11744" cap="flat" cmpd="sng" algn="ctr">
+                      <a:solidFill>
+                        <a:srgbClr val="FFFFFF"/>
+                      </a:solidFill>
+                      <a:prstDash val="solid"/>
+                      <a:round/>
+                      <a:headEnd type="none" w="med" len="med"/>
+                      <a:tailEnd type="none" w="med" len="med"/>
+                    </a:lnT>
+                    <a:lnB w="11744" cap="flat" cmpd="sng" algn="ctr">
+                      <a:solidFill>
+                        <a:srgbClr val="FFFFFF"/>
+                      </a:solidFill>
+                      <a:prstDash val="solid"/>
+                      <a:round/>
+                      <a:headEnd type="none" w="med" len="med"/>
+                      <a:tailEnd type="none" w="med" len="med"/>
+                    </a:lnB>
+                    <a:solidFill>
+                      <a:srgbClr val="CCE3F5"/>
+                    </a:solidFill>
+                  </a:tcPr>
+                </a:tc>
+                <a:tc>
+                  <a:txBody>
+                    <a:bodyPr/>
+                    <a:lstStyle/>
+                    <a:p>
+                      <a:pPr algn="ctr" fontAlgn="base">
+                        <a:lnSpc>
+                          <a:spcPts val="1650"/>
+                        </a:lnSpc>
+                      </a:pPr>
+                      <a:r>
+                        <a:rPr lang="en-US" sz="1400">
+                          <a:solidFill>
+                            <a:srgbClr val="1F1F1F"/>
+                          </a:solidFill>
+                          <a:effectLst/>
+                          <a:latin typeface="Arial" panose="020B0604020202020204" pitchFamily="34" charset="0"/>
+                        </a:rPr>
+                        <a:t>0.0003</a:t>
+                      </a:r>
+                      <a:endParaRPr lang="en-US">
+                        <a:effectLst/>
+                      </a:endParaRPr>
+                    </a:p>
+                  </a:txBody>
+                  <a:tcPr anchor="ctr">
+                    <a:lnL w="11744" cap="flat" cmpd="sng" algn="ctr">
+                      <a:solidFill>
+                        <a:srgbClr val="000000"/>
+                      </a:solidFill>
+                      <a:prstDash val="solid"/>
+                      <a:round/>
+                      <a:headEnd type="none" w="med" len="med"/>
+                      <a:tailEnd type="none" w="med" len="med"/>
+                    </a:lnL>
+                    <a:lnR w="11744" cap="flat" cmpd="sng" algn="ctr">
+                      <a:solidFill>
+                        <a:srgbClr val="000000"/>
+                      </a:solidFill>
+                      <a:prstDash val="solid"/>
+                      <a:round/>
+                      <a:headEnd type="none" w="med" len="med"/>
+                      <a:tailEnd type="none" w="med" len="med"/>
+                    </a:lnR>
+                    <a:lnT w="11744" cap="flat" cmpd="sng" algn="ctr">
+                      <a:solidFill>
+                        <a:srgbClr val="FFFFFF"/>
+                      </a:solidFill>
+                      <a:prstDash val="solid"/>
+                      <a:round/>
+                      <a:headEnd type="none" w="med" len="med"/>
+                      <a:tailEnd type="none" w="med" len="med"/>
+                    </a:lnT>
+                    <a:lnB w="11744" cap="flat" cmpd="sng" algn="ctr">
+                      <a:solidFill>
+                        <a:srgbClr val="FFFFFF"/>
+                      </a:solidFill>
+                      <a:prstDash val="solid"/>
+                      <a:round/>
+                      <a:headEnd type="none" w="med" len="med"/>
+                      <a:tailEnd type="none" w="med" len="med"/>
+                    </a:lnB>
+                    <a:solidFill>
+                      <a:srgbClr val="CCE3F5"/>
+                    </a:solidFill>
+                  </a:tcPr>
+                </a:tc>
+                <a:tc>
+                  <a:txBody>
+                    <a:bodyPr/>
+                    <a:lstStyle/>
+                    <a:p>
+                      <a:pPr algn="ctr" fontAlgn="base">
+                        <a:lnSpc>
+                          <a:spcPts val="1650"/>
+                        </a:lnSpc>
+                      </a:pPr>
+                      <a:r>
+                        <a:rPr lang="en-US" sz="1400">
+                          <a:solidFill>
+                            <a:srgbClr val="1F1F1F"/>
+                          </a:solidFill>
+                          <a:effectLst/>
+                          <a:latin typeface="Arial" panose="020B0604020202020204" pitchFamily="34" charset="0"/>
+                        </a:rPr>
+                        <a:t>37.1167</a:t>
+                      </a:r>
+                      <a:endParaRPr lang="en-US">
+                        <a:effectLst/>
+                      </a:endParaRPr>
+                    </a:p>
+                  </a:txBody>
+                  <a:tcPr anchor="ctr">
+                    <a:lnL w="11744" cap="flat" cmpd="sng" algn="ctr">
+                      <a:solidFill>
+                        <a:srgbClr val="000000"/>
+                      </a:solidFill>
+                      <a:prstDash val="solid"/>
+                      <a:round/>
+                      <a:headEnd type="none" w="med" len="med"/>
+                      <a:tailEnd type="none" w="med" len="med"/>
+                    </a:lnL>
+                    <a:lnR w="11744" cap="flat" cmpd="sng" algn="ctr">
+                      <a:solidFill>
+                        <a:srgbClr val="000000"/>
+                      </a:solidFill>
+                      <a:prstDash val="solid"/>
+                      <a:round/>
+                      <a:headEnd type="none" w="med" len="med"/>
+                      <a:tailEnd type="none" w="med" len="med"/>
+                    </a:lnR>
+                    <a:lnT w="11744" cap="flat" cmpd="sng" algn="ctr">
+                      <a:solidFill>
+                        <a:srgbClr val="FFFFFF"/>
+                      </a:solidFill>
+                      <a:prstDash val="solid"/>
+                      <a:round/>
+                      <a:headEnd type="none" w="med" len="med"/>
+                      <a:tailEnd type="none" w="med" len="med"/>
+                    </a:lnT>
+                    <a:lnB w="11744" cap="flat" cmpd="sng" algn="ctr">
+                      <a:solidFill>
+                        <a:srgbClr val="FFFFFF"/>
+                      </a:solidFill>
+                      <a:prstDash val="solid"/>
+                      <a:round/>
+                      <a:headEnd type="none" w="med" len="med"/>
+                      <a:tailEnd type="none" w="med" len="med"/>
+                    </a:lnB>
+                    <a:solidFill>
+                      <a:srgbClr val="CCE3F5"/>
+                    </a:solidFill>
+                  </a:tcPr>
+                </a:tc>
+                <a:extLst>
+                  <a:ext uri="{0D108BD9-81ED-4DB2-BD59-A6C34878D82A}">
+                    <a16:rowId xmlns:a16="http://schemas.microsoft.com/office/drawing/2014/main" val="2455391335"/>
+                  </a:ext>
+                </a:extLst>
+              </a:tr>
+              <a:tr h="318022">
+                <a:tc>
+                  <a:txBody>
+                    <a:bodyPr/>
+                    <a:lstStyle/>
+                    <a:p>
+                      <a:pPr fontAlgn="auto">
+                        <a:lnSpc>
+                          <a:spcPts val="1650"/>
+                        </a:lnSpc>
+                      </a:pPr>
+                      <a:endParaRPr lang="en-US" sz="1400" b="1">
+                        <a:solidFill>
+                          <a:srgbClr val="1F1F1F"/>
+                        </a:solidFill>
+                        <a:effectLst/>
+                        <a:latin typeface="Arial" panose="020B0604020202020204" pitchFamily="34" charset="0"/>
+                      </a:endParaRPr>
+                    </a:p>
+                  </a:txBody>
+                  <a:tcPr anchor="ctr">
+                    <a:lnL w="11744" cap="flat" cmpd="sng" algn="ctr">
+                      <a:solidFill>
+                        <a:srgbClr val="000000"/>
+                      </a:solidFill>
+                      <a:prstDash val="solid"/>
+                      <a:round/>
+                      <a:headEnd type="none" w="med" len="med"/>
+                      <a:tailEnd type="none" w="med" len="med"/>
+                    </a:lnL>
+                    <a:lnR w="11744" cap="flat" cmpd="sng" algn="ctr">
+                      <a:solidFill>
+                        <a:srgbClr val="000000"/>
+                      </a:solidFill>
+                      <a:prstDash val="solid"/>
+                      <a:round/>
+                      <a:headEnd type="none" w="med" len="med"/>
+                      <a:tailEnd type="none" w="med" len="med"/>
+                    </a:lnR>
+                    <a:lnT w="11744" cap="flat" cmpd="sng" algn="ctr">
+                      <a:solidFill>
+                        <a:srgbClr val="FFFFFF"/>
+                      </a:solidFill>
+                      <a:prstDash val="solid"/>
+                      <a:round/>
+                      <a:headEnd type="none" w="med" len="med"/>
+                      <a:tailEnd type="none" w="med" len="med"/>
+                    </a:lnT>
+                    <a:lnB w="11744" cap="flat" cmpd="sng" algn="ctr">
+                      <a:solidFill>
+                        <a:srgbClr val="000000"/>
+                      </a:solidFill>
+                      <a:prstDash val="solid"/>
+                      <a:round/>
+                      <a:headEnd type="none" w="med" len="med"/>
+                      <a:tailEnd type="none" w="med" len="med"/>
+                    </a:lnB>
+                    <a:solidFill>
+                      <a:srgbClr val="E7F1FA"/>
+                    </a:solidFill>
+                  </a:tcPr>
+                </a:tc>
+                <a:tc>
+                  <a:txBody>
+                    <a:bodyPr/>
+                    <a:lstStyle/>
+                    <a:p>
+                      <a:pPr fontAlgn="base">
+                        <a:lnSpc>
+                          <a:spcPts val="1650"/>
+                        </a:lnSpc>
+                      </a:pPr>
+                      <a:r>
+                        <a:rPr lang="en-US" sz="1400" b="1">
+                          <a:solidFill>
+                            <a:srgbClr val="1F1F1F"/>
+                          </a:solidFill>
+                          <a:effectLst/>
+                          <a:latin typeface="Arial" panose="020B0604020202020204" pitchFamily="34" charset="0"/>
+                        </a:rPr>
+                        <a:t>R² Score</a:t>
+                      </a:r>
+                      <a:endParaRPr lang="en-US">
+                        <a:effectLst/>
+                      </a:endParaRPr>
+                    </a:p>
+                  </a:txBody>
+                  <a:tcPr anchor="ctr">
+                    <a:lnL w="11744" cap="flat" cmpd="sng" algn="ctr">
+                      <a:solidFill>
+                        <a:srgbClr val="000000"/>
+                      </a:solidFill>
+                      <a:prstDash val="solid"/>
+                      <a:round/>
+                      <a:headEnd type="none" w="med" len="med"/>
+                      <a:tailEnd type="none" w="med" len="med"/>
+                    </a:lnL>
+                    <a:lnR w="11744" cap="flat" cmpd="sng" algn="ctr">
+                      <a:solidFill>
+                        <a:srgbClr val="000000"/>
+                      </a:solidFill>
+                      <a:prstDash val="solid"/>
+                      <a:round/>
+                      <a:headEnd type="none" w="med" len="med"/>
+                      <a:tailEnd type="none" w="med" len="med"/>
+                    </a:lnR>
+                    <a:lnT w="11744" cap="flat" cmpd="sng" algn="ctr">
+                      <a:solidFill>
+                        <a:srgbClr val="FFFFFF"/>
+                      </a:solidFill>
+                      <a:prstDash val="solid"/>
+                      <a:round/>
+                      <a:headEnd type="none" w="med" len="med"/>
+                      <a:tailEnd type="none" w="med" len="med"/>
+                    </a:lnT>
+                    <a:lnB w="11744" cap="flat" cmpd="sng" algn="ctr">
+                      <a:solidFill>
+                        <a:srgbClr val="000000"/>
+                      </a:solidFill>
+                      <a:prstDash val="solid"/>
+                      <a:round/>
+                      <a:headEnd type="none" w="med" len="med"/>
+                      <a:tailEnd type="none" w="med" len="med"/>
+                    </a:lnB>
+                    <a:solidFill>
+                      <a:srgbClr val="E7F1FA"/>
+                    </a:solidFill>
+                  </a:tcPr>
+                </a:tc>
+                <a:tc>
+                  <a:txBody>
+                    <a:bodyPr/>
+                    <a:lstStyle/>
+                    <a:p>
+                      <a:pPr algn="ctr" fontAlgn="base">
+                        <a:lnSpc>
+                          <a:spcPts val="1650"/>
+                        </a:lnSpc>
+                      </a:pPr>
+                      <a:r>
+                        <a:rPr lang="en-US" sz="1400">
+                          <a:solidFill>
+                            <a:srgbClr val="1F1F1F"/>
+                          </a:solidFill>
+                          <a:effectLst/>
+                          <a:latin typeface="Arial" panose="020B0604020202020204" pitchFamily="34" charset="0"/>
+                        </a:rPr>
+                        <a:t>0.9999</a:t>
+                      </a:r>
+                      <a:endParaRPr lang="en-US">
+                        <a:effectLst/>
+                      </a:endParaRPr>
+                    </a:p>
+                  </a:txBody>
+                  <a:tcPr anchor="ctr">
+                    <a:lnL w="11744" cap="flat" cmpd="sng" algn="ctr">
+                      <a:solidFill>
+                        <a:srgbClr val="000000"/>
+                      </a:solidFill>
+                      <a:prstDash val="solid"/>
+                      <a:round/>
+                      <a:headEnd type="none" w="med" len="med"/>
+                      <a:tailEnd type="none" w="med" len="med"/>
+                    </a:lnL>
+                    <a:lnR w="11744" cap="flat" cmpd="sng" algn="ctr">
+                      <a:solidFill>
+                        <a:srgbClr val="000000"/>
+                      </a:solidFill>
+                      <a:prstDash val="solid"/>
+                      <a:round/>
+                      <a:headEnd type="none" w="med" len="med"/>
+                      <a:tailEnd type="none" w="med" len="med"/>
+                    </a:lnR>
+                    <a:lnT w="11744" cap="flat" cmpd="sng" algn="ctr">
+                      <a:solidFill>
+                        <a:srgbClr val="FFFFFF"/>
+                      </a:solidFill>
+                      <a:prstDash val="solid"/>
+                      <a:round/>
+                      <a:headEnd type="none" w="med" len="med"/>
+                      <a:tailEnd type="none" w="med" len="med"/>
+                    </a:lnT>
+                    <a:lnB w="11744" cap="flat" cmpd="sng" algn="ctr">
+                      <a:solidFill>
+                        <a:srgbClr val="000000"/>
+                      </a:solidFill>
+                      <a:prstDash val="solid"/>
+                      <a:round/>
+                      <a:headEnd type="none" w="med" len="med"/>
+                      <a:tailEnd type="none" w="med" len="med"/>
+                    </a:lnB>
+                    <a:solidFill>
+                      <a:srgbClr val="E7F1FA"/>
+                    </a:solidFill>
+                  </a:tcPr>
+                </a:tc>
+                <a:tc>
+                  <a:txBody>
+                    <a:bodyPr/>
+                    <a:lstStyle/>
+                    <a:p>
+                      <a:pPr algn="ctr" fontAlgn="base">
+                        <a:lnSpc>
+                          <a:spcPts val="1650"/>
+                        </a:lnSpc>
+                      </a:pPr>
+                      <a:r>
+                        <a:rPr lang="en-US" sz="1400">
+                          <a:solidFill>
+                            <a:srgbClr val="1F1F1F"/>
+                          </a:solidFill>
+                          <a:effectLst/>
+                          <a:latin typeface="Arial" panose="020B0604020202020204" pitchFamily="34" charset="0"/>
+                        </a:rPr>
+                        <a:t>0.6255</a:t>
+                      </a:r>
+                      <a:endParaRPr lang="en-US">
+                        <a:effectLst/>
+                      </a:endParaRPr>
+                    </a:p>
+                  </a:txBody>
+                  <a:tcPr anchor="ctr">
+                    <a:lnL w="11744" cap="flat" cmpd="sng" algn="ctr">
+                      <a:solidFill>
+                        <a:srgbClr val="000000"/>
+                      </a:solidFill>
+                      <a:prstDash val="solid"/>
+                      <a:round/>
+                      <a:headEnd type="none" w="med" len="med"/>
+                      <a:tailEnd type="none" w="med" len="med"/>
+                    </a:lnL>
+                    <a:lnR w="11744" cap="flat" cmpd="sng" algn="ctr">
+                      <a:solidFill>
+                        <a:srgbClr val="000000"/>
+                      </a:solidFill>
+                      <a:prstDash val="solid"/>
+                      <a:round/>
+                      <a:headEnd type="none" w="med" len="med"/>
+                      <a:tailEnd type="none" w="med" len="med"/>
+                    </a:lnR>
+                    <a:lnT w="11744" cap="flat" cmpd="sng" algn="ctr">
+                      <a:solidFill>
+                        <a:srgbClr val="FFFFFF"/>
+                      </a:solidFill>
+                      <a:prstDash val="solid"/>
+                      <a:round/>
+                      <a:headEnd type="none" w="med" len="med"/>
+                      <a:tailEnd type="none" w="med" len="med"/>
+                    </a:lnT>
+                    <a:lnB w="11744" cap="flat" cmpd="sng" algn="ctr">
+                      <a:solidFill>
+                        <a:srgbClr val="000000"/>
+                      </a:solidFill>
+                      <a:prstDash val="solid"/>
+                      <a:round/>
+                      <a:headEnd type="none" w="med" len="med"/>
+                      <a:tailEnd type="none" w="med" len="med"/>
+                    </a:lnB>
+                    <a:solidFill>
+                      <a:srgbClr val="E7F1FA"/>
+                    </a:solidFill>
+                  </a:tcPr>
+                </a:tc>
+                <a:extLst>
+                  <a:ext uri="{0D108BD9-81ED-4DB2-BD59-A6C34878D82A}">
+                    <a16:rowId xmlns:a16="http://schemas.microsoft.com/office/drawing/2014/main" val="424823079"/>
+                  </a:ext>
+                </a:extLst>
+              </a:tr>
+              <a:tr h="496910">
+                <a:tc>
+                  <a:txBody>
+                    <a:bodyPr/>
+                    <a:lstStyle/>
+                    <a:p>
+                      <a:pPr fontAlgn="base">
+                        <a:lnSpc>
+                          <a:spcPts val="1650"/>
+                        </a:lnSpc>
+                      </a:pPr>
+                      <a:r>
+                        <a:rPr lang="en-US" sz="1400" b="1">
+                          <a:solidFill>
+                            <a:srgbClr val="1F1F1F"/>
+                          </a:solidFill>
+                          <a:effectLst/>
+                          <a:latin typeface="Arial" panose="020B0604020202020204" pitchFamily="34" charset="0"/>
+                        </a:rPr>
+                        <a:t>XGBoost</a:t>
+                      </a:r>
+                      <a:endParaRPr lang="en-US">
+                        <a:effectLst/>
+                      </a:endParaRPr>
+                    </a:p>
+                  </a:txBody>
+                  <a:tcPr anchor="ctr">
+                    <a:lnL w="11744" cap="flat" cmpd="sng" algn="ctr">
+                      <a:solidFill>
+                        <a:srgbClr val="000000"/>
+                      </a:solidFill>
+                      <a:prstDash val="solid"/>
+                      <a:round/>
+                      <a:headEnd type="none" w="med" len="med"/>
+                      <a:tailEnd type="none" w="med" len="med"/>
+                    </a:lnL>
+                    <a:lnR w="11744" cap="flat" cmpd="sng" algn="ctr">
+                      <a:solidFill>
+                        <a:srgbClr val="000000"/>
+                      </a:solidFill>
+                      <a:prstDash val="solid"/>
+                      <a:round/>
+                      <a:headEnd type="none" w="med" len="med"/>
+                      <a:tailEnd type="none" w="med" len="med"/>
+                    </a:lnR>
+                    <a:lnT w="11744" cap="flat" cmpd="sng" algn="ctr">
+                      <a:solidFill>
+                        <a:srgbClr val="000000"/>
+                      </a:solidFill>
+                      <a:prstDash val="solid"/>
+                      <a:round/>
+                      <a:headEnd type="none" w="med" len="med"/>
+                      <a:tailEnd type="none" w="med" len="med"/>
+                    </a:lnT>
+                    <a:lnB w="11744" cap="flat" cmpd="sng" algn="ctr">
+                      <a:solidFill>
+                        <a:srgbClr val="FFFFFF"/>
+                      </a:solidFill>
+                      <a:prstDash val="solid"/>
+                      <a:round/>
+                      <a:headEnd type="none" w="med" len="med"/>
+                      <a:tailEnd type="none" w="med" len="med"/>
+                    </a:lnB>
+                    <a:solidFill>
+                      <a:srgbClr val="CCE3F5"/>
+                    </a:solidFill>
+                  </a:tcPr>
+                </a:tc>
+                <a:tc>
+                  <a:txBody>
+                    <a:bodyPr/>
+                    <a:lstStyle/>
+                    <a:p>
+                      <a:pPr fontAlgn="base">
+                        <a:lnSpc>
+                          <a:spcPts val="1650"/>
+                        </a:lnSpc>
+                      </a:pPr>
+                      <a:r>
+                        <a:rPr lang="en-US" sz="1400" b="1">
+                          <a:solidFill>
+                            <a:srgbClr val="1F1F1F"/>
+                          </a:solidFill>
+                          <a:effectLst/>
+                          <a:latin typeface="Arial" panose="020B0604020202020204" pitchFamily="34" charset="0"/>
+                        </a:rPr>
+                        <a:t>Mean Absolute Error (MAE)</a:t>
+                      </a:r>
+                      <a:endParaRPr lang="en-US">
+                        <a:effectLst/>
+                      </a:endParaRPr>
+                    </a:p>
+                  </a:txBody>
+                  <a:tcPr anchor="ctr">
+                    <a:lnL w="11744" cap="flat" cmpd="sng" algn="ctr">
+                      <a:solidFill>
+                        <a:srgbClr val="000000"/>
+                      </a:solidFill>
+                      <a:prstDash val="solid"/>
+                      <a:round/>
+                      <a:headEnd type="none" w="med" len="med"/>
+                      <a:tailEnd type="none" w="med" len="med"/>
+                    </a:lnL>
+                    <a:lnR w="11744" cap="flat" cmpd="sng" algn="ctr">
+                      <a:solidFill>
+                        <a:srgbClr val="000000"/>
+                      </a:solidFill>
+                      <a:prstDash val="solid"/>
+                      <a:round/>
+                      <a:headEnd type="none" w="med" len="med"/>
+                      <a:tailEnd type="none" w="med" len="med"/>
+                    </a:lnR>
+                    <a:lnT w="11744" cap="flat" cmpd="sng" algn="ctr">
+                      <a:solidFill>
+                        <a:srgbClr val="000000"/>
+                      </a:solidFill>
+                      <a:prstDash val="solid"/>
+                      <a:round/>
+                      <a:headEnd type="none" w="med" len="med"/>
+                      <a:tailEnd type="none" w="med" len="med"/>
+                    </a:lnT>
+                    <a:lnB w="11744" cap="flat" cmpd="sng" algn="ctr">
+                      <a:solidFill>
+                        <a:srgbClr val="FFFFFF"/>
+                      </a:solidFill>
+                      <a:prstDash val="solid"/>
+                      <a:round/>
+                      <a:headEnd type="none" w="med" len="med"/>
+                      <a:tailEnd type="none" w="med" len="med"/>
+                    </a:lnB>
+                    <a:solidFill>
+                      <a:srgbClr val="CCE3F5"/>
+                    </a:solidFill>
+                  </a:tcPr>
+                </a:tc>
+                <a:tc>
+                  <a:txBody>
+                    <a:bodyPr/>
+                    <a:lstStyle/>
+                    <a:p>
+                      <a:pPr algn="ctr" fontAlgn="base">
+                        <a:lnSpc>
+                          <a:spcPts val="1650"/>
+                        </a:lnSpc>
+                      </a:pPr>
+                      <a:r>
+                        <a:rPr lang="en-US" sz="1400">
+                          <a:solidFill>
+                            <a:srgbClr val="1F1F1F"/>
+                          </a:solidFill>
+                          <a:effectLst/>
+                          <a:latin typeface="Arial" panose="020B0604020202020204" pitchFamily="34" charset="0"/>
+                        </a:rPr>
+                        <a:t>1.6706</a:t>
+                      </a:r>
+                      <a:endParaRPr lang="en-US">
+                        <a:effectLst/>
+                      </a:endParaRPr>
+                    </a:p>
+                  </a:txBody>
+                  <a:tcPr anchor="ctr">
+                    <a:lnL w="11744" cap="flat" cmpd="sng" algn="ctr">
+                      <a:solidFill>
+                        <a:srgbClr val="000000"/>
+                      </a:solidFill>
+                      <a:prstDash val="solid"/>
+                      <a:round/>
+                      <a:headEnd type="none" w="med" len="med"/>
+                      <a:tailEnd type="none" w="med" len="med"/>
+                    </a:lnL>
+                    <a:lnR w="11744" cap="flat" cmpd="sng" algn="ctr">
+                      <a:solidFill>
+                        <a:srgbClr val="000000"/>
+                      </a:solidFill>
+                      <a:prstDash val="solid"/>
+                      <a:round/>
+                      <a:headEnd type="none" w="med" len="med"/>
+                      <a:tailEnd type="none" w="med" len="med"/>
+                    </a:lnR>
+                    <a:lnT w="11744" cap="flat" cmpd="sng" algn="ctr">
+                      <a:solidFill>
+                        <a:srgbClr val="000000"/>
+                      </a:solidFill>
+                      <a:prstDash val="solid"/>
+                      <a:round/>
+                      <a:headEnd type="none" w="med" len="med"/>
+                      <a:tailEnd type="none" w="med" len="med"/>
+                    </a:lnT>
+                    <a:lnB w="11744" cap="flat" cmpd="sng" algn="ctr">
+                      <a:solidFill>
+                        <a:srgbClr val="FFFFFF"/>
+                      </a:solidFill>
+                      <a:prstDash val="solid"/>
+                      <a:round/>
+                      <a:headEnd type="none" w="med" len="med"/>
+                      <a:tailEnd type="none" w="med" len="med"/>
+                    </a:lnB>
+                    <a:solidFill>
+                      <a:srgbClr val="CCE3F5"/>
+                    </a:solidFill>
+                  </a:tcPr>
+                </a:tc>
+                <a:tc>
+                  <a:txBody>
+                    <a:bodyPr/>
+                    <a:lstStyle/>
+                    <a:p>
+                      <a:pPr algn="ctr" fontAlgn="base">
+                        <a:lnSpc>
+                          <a:spcPts val="1650"/>
+                        </a:lnSpc>
+                      </a:pPr>
+                      <a:r>
+                        <a:rPr lang="en-US" sz="1400">
+                          <a:solidFill>
+                            <a:srgbClr val="FFFFFF"/>
+                          </a:solidFill>
+                          <a:effectLst/>
+                          <a:latin typeface="Arial" panose="020B0604020202020204" pitchFamily="34" charset="0"/>
+                        </a:rPr>
+                        <a:t>1.7997</a:t>
+                      </a:r>
+                      <a:endParaRPr lang="en-US">
+                        <a:effectLst/>
+                      </a:endParaRPr>
+                    </a:p>
+                  </a:txBody>
+                  <a:tcPr anchor="ctr">
+                    <a:lnL w="11744" cap="flat" cmpd="sng" algn="ctr">
+                      <a:solidFill>
+                        <a:srgbClr val="000000"/>
+                      </a:solidFill>
+                      <a:prstDash val="solid"/>
+                      <a:round/>
+                      <a:headEnd type="none" w="med" len="med"/>
+                      <a:tailEnd type="none" w="med" len="med"/>
+                    </a:lnL>
+                    <a:lnR w="11744" cap="flat" cmpd="sng" algn="ctr">
+                      <a:solidFill>
+                        <a:srgbClr val="000000"/>
+                      </a:solidFill>
+                      <a:prstDash val="solid"/>
+                      <a:round/>
+                      <a:headEnd type="none" w="med" len="med"/>
+                      <a:tailEnd type="none" w="med" len="med"/>
+                    </a:lnR>
+                    <a:lnT w="11744" cap="flat" cmpd="sng" algn="ctr">
+                      <a:solidFill>
+                        <a:srgbClr val="000000"/>
+                      </a:solidFill>
+                      <a:prstDash val="solid"/>
+                      <a:round/>
+                      <a:headEnd type="none" w="med" len="med"/>
+                      <a:tailEnd type="none" w="med" len="med"/>
+                    </a:lnT>
+                    <a:lnB w="11744" cap="flat" cmpd="sng" algn="ctr">
+                      <a:solidFill>
+                        <a:srgbClr val="FFFFFF"/>
+                      </a:solidFill>
+                      <a:prstDash val="solid"/>
+                      <a:round/>
+                      <a:headEnd type="none" w="med" len="med"/>
+                      <a:tailEnd type="none" w="med" len="med"/>
+                    </a:lnB>
+                    <a:solidFill>
+                      <a:srgbClr val="2683C6"/>
+                    </a:solidFill>
+                  </a:tcPr>
+                </a:tc>
+                <a:extLst>
+                  <a:ext uri="{0D108BD9-81ED-4DB2-BD59-A6C34878D82A}">
+                    <a16:rowId xmlns:a16="http://schemas.microsoft.com/office/drawing/2014/main" val="2697425183"/>
+                  </a:ext>
+                </a:extLst>
+              </a:tr>
+              <a:tr h="496910">
+                <a:tc>
+                  <a:txBody>
+                    <a:bodyPr/>
+                    <a:lstStyle/>
+                    <a:p>
+                      <a:pPr fontAlgn="auto">
+                        <a:lnSpc>
+                          <a:spcPts val="1650"/>
+                        </a:lnSpc>
+                      </a:pPr>
+                      <a:endParaRPr lang="en-US" sz="1400" b="1">
+                        <a:solidFill>
+                          <a:srgbClr val="1F1F1F"/>
+                        </a:solidFill>
+                        <a:effectLst/>
+                        <a:latin typeface="Arial" panose="020B0604020202020204" pitchFamily="34" charset="0"/>
+                      </a:endParaRPr>
+                    </a:p>
+                  </a:txBody>
+                  <a:tcPr anchor="ctr">
+                    <a:lnL w="11744" cap="flat" cmpd="sng" algn="ctr">
+                      <a:solidFill>
+                        <a:srgbClr val="000000"/>
+                      </a:solidFill>
+                      <a:prstDash val="solid"/>
+                      <a:round/>
+                      <a:headEnd type="none" w="med" len="med"/>
+                      <a:tailEnd type="none" w="med" len="med"/>
+                    </a:lnL>
+                    <a:lnR w="11744" cap="flat" cmpd="sng" algn="ctr">
+                      <a:solidFill>
+                        <a:srgbClr val="000000"/>
+                      </a:solidFill>
+                      <a:prstDash val="solid"/>
+                      <a:round/>
+                      <a:headEnd type="none" w="med" len="med"/>
+                      <a:tailEnd type="none" w="med" len="med"/>
+                    </a:lnR>
+                    <a:lnT w="11744" cap="flat" cmpd="sng" algn="ctr">
+                      <a:solidFill>
+                        <a:srgbClr val="FFFFFF"/>
+                      </a:solidFill>
+                      <a:prstDash val="solid"/>
+                      <a:round/>
+                      <a:headEnd type="none" w="med" len="med"/>
+                      <a:tailEnd type="none" w="med" len="med"/>
+                    </a:lnT>
+                    <a:lnB w="11744" cap="flat" cmpd="sng" algn="ctr">
+                      <a:solidFill>
+                        <a:srgbClr val="FFFFFF"/>
+                      </a:solidFill>
+                      <a:prstDash val="solid"/>
+                      <a:round/>
+                      <a:headEnd type="none" w="med" len="med"/>
+                      <a:tailEnd type="none" w="med" len="med"/>
+                    </a:lnB>
+                    <a:solidFill>
+                      <a:srgbClr val="E7F1FA"/>
+                    </a:solidFill>
+                  </a:tcPr>
+                </a:tc>
+                <a:tc>
+                  <a:txBody>
+                    <a:bodyPr/>
+                    <a:lstStyle/>
+                    <a:p>
+                      <a:pPr fontAlgn="base">
+                        <a:lnSpc>
+                          <a:spcPts val="1650"/>
+                        </a:lnSpc>
+                      </a:pPr>
+                      <a:r>
+                        <a:rPr lang="en-US" sz="1400" b="1">
+                          <a:solidFill>
+                            <a:srgbClr val="1F1F1F"/>
+                          </a:solidFill>
+                          <a:effectLst/>
+                          <a:latin typeface="Arial" panose="020B0604020202020204" pitchFamily="34" charset="0"/>
+                        </a:rPr>
+                        <a:t>Mean Squared Error (MSE):</a:t>
+                      </a:r>
+                      <a:endParaRPr lang="en-US">
+                        <a:effectLst/>
+                      </a:endParaRPr>
+                    </a:p>
+                  </a:txBody>
+                  <a:tcPr anchor="ctr">
+                    <a:lnL w="11744" cap="flat" cmpd="sng" algn="ctr">
+                      <a:solidFill>
+                        <a:srgbClr val="000000"/>
+                      </a:solidFill>
+                      <a:prstDash val="solid"/>
+                      <a:round/>
+                      <a:headEnd type="none" w="med" len="med"/>
+                      <a:tailEnd type="none" w="med" len="med"/>
+                    </a:lnL>
+                    <a:lnR w="11744" cap="flat" cmpd="sng" algn="ctr">
+                      <a:solidFill>
+                        <a:srgbClr val="000000"/>
+                      </a:solidFill>
+                      <a:prstDash val="solid"/>
+                      <a:round/>
+                      <a:headEnd type="none" w="med" len="med"/>
+                      <a:tailEnd type="none" w="med" len="med"/>
+                    </a:lnR>
+                    <a:lnT w="11744" cap="flat" cmpd="sng" algn="ctr">
+                      <a:solidFill>
+                        <a:srgbClr val="FFFFFF"/>
+                      </a:solidFill>
+                      <a:prstDash val="solid"/>
+                      <a:round/>
+                      <a:headEnd type="none" w="med" len="med"/>
+                      <a:tailEnd type="none" w="med" len="med"/>
+                    </a:lnT>
+                    <a:lnB w="11744" cap="flat" cmpd="sng" algn="ctr">
+                      <a:solidFill>
+                        <a:srgbClr val="FFFFFF"/>
+                      </a:solidFill>
+                      <a:prstDash val="solid"/>
+                      <a:round/>
+                      <a:headEnd type="none" w="med" len="med"/>
+                      <a:tailEnd type="none" w="med" len="med"/>
+                    </a:lnB>
+                    <a:solidFill>
+                      <a:srgbClr val="E7F1FA"/>
+                    </a:solidFill>
+                  </a:tcPr>
+                </a:tc>
+                <a:tc>
+                  <a:txBody>
+                    <a:bodyPr/>
+                    <a:lstStyle/>
+                    <a:p>
+                      <a:pPr algn="ctr" fontAlgn="base">
+                        <a:lnSpc>
+                          <a:spcPts val="1650"/>
+                        </a:lnSpc>
+                      </a:pPr>
+                      <a:r>
+                        <a:rPr lang="en-US" sz="1400">
+                          <a:solidFill>
+                            <a:srgbClr val="1F1F1F"/>
+                          </a:solidFill>
+                          <a:effectLst/>
+                          <a:latin typeface="Arial" panose="020B0604020202020204" pitchFamily="34" charset="0"/>
+                        </a:rPr>
+                        <a:t>12.6767</a:t>
+                      </a:r>
+                      <a:endParaRPr lang="en-US">
+                        <a:effectLst/>
+                      </a:endParaRPr>
+                    </a:p>
+                  </a:txBody>
+                  <a:tcPr anchor="ctr">
+                    <a:lnL w="11744" cap="flat" cmpd="sng" algn="ctr">
+                      <a:solidFill>
+                        <a:srgbClr val="000000"/>
+                      </a:solidFill>
+                      <a:prstDash val="solid"/>
+                      <a:round/>
+                      <a:headEnd type="none" w="med" len="med"/>
+                      <a:tailEnd type="none" w="med" len="med"/>
+                    </a:lnL>
+                    <a:lnR w="11744" cap="flat" cmpd="sng" algn="ctr">
+                      <a:solidFill>
+                        <a:srgbClr val="000000"/>
+                      </a:solidFill>
+                      <a:prstDash val="solid"/>
+                      <a:round/>
+                      <a:headEnd type="none" w="med" len="med"/>
+                      <a:tailEnd type="none" w="med" len="med"/>
+                    </a:lnR>
+                    <a:lnT w="11744" cap="flat" cmpd="sng" algn="ctr">
+                      <a:solidFill>
+                        <a:srgbClr val="FFFFFF"/>
+                      </a:solidFill>
+                      <a:prstDash val="solid"/>
+                      <a:round/>
+                      <a:headEnd type="none" w="med" len="med"/>
+                      <a:tailEnd type="none" w="med" len="med"/>
+                    </a:lnT>
+                    <a:lnB w="11744" cap="flat" cmpd="sng" algn="ctr">
+                      <a:solidFill>
+                        <a:srgbClr val="FFFFFF"/>
+                      </a:solidFill>
+                      <a:prstDash val="solid"/>
+                      <a:round/>
+                      <a:headEnd type="none" w="med" len="med"/>
+                      <a:tailEnd type="none" w="med" len="med"/>
+                    </a:lnB>
+                    <a:solidFill>
+                      <a:srgbClr val="E7F1FA"/>
+                    </a:solidFill>
+                  </a:tcPr>
+                </a:tc>
+                <a:tc>
+                  <a:txBody>
+                    <a:bodyPr/>
+                    <a:lstStyle/>
+                    <a:p>
+                      <a:pPr algn="ctr" fontAlgn="base">
+                        <a:lnSpc>
+                          <a:spcPts val="1650"/>
+                        </a:lnSpc>
+                      </a:pPr>
+                      <a:r>
+                        <a:rPr lang="en-US" sz="1400">
+                          <a:solidFill>
+                            <a:srgbClr val="FFFFFF"/>
+                          </a:solidFill>
+                          <a:effectLst/>
+                          <a:latin typeface="Arial" panose="020B0604020202020204" pitchFamily="34" charset="0"/>
+                        </a:rPr>
+                        <a:t>19.2302</a:t>
+                      </a:r>
+                      <a:endParaRPr lang="en-US">
+                        <a:effectLst/>
+                      </a:endParaRPr>
+                    </a:p>
+                  </a:txBody>
+                  <a:tcPr anchor="ctr">
+                    <a:lnL w="11744" cap="flat" cmpd="sng" algn="ctr">
+                      <a:solidFill>
+                        <a:srgbClr val="000000"/>
+                      </a:solidFill>
+                      <a:prstDash val="solid"/>
+                      <a:round/>
+                      <a:headEnd type="none" w="med" len="med"/>
+                      <a:tailEnd type="none" w="med" len="med"/>
+                    </a:lnL>
+                    <a:lnR w="11744" cap="flat" cmpd="sng" algn="ctr">
+                      <a:solidFill>
+                        <a:srgbClr val="000000"/>
+                      </a:solidFill>
+                      <a:prstDash val="solid"/>
+                      <a:round/>
+                      <a:headEnd type="none" w="med" len="med"/>
+                      <a:tailEnd type="none" w="med" len="med"/>
+                    </a:lnR>
+                    <a:lnT w="11744" cap="flat" cmpd="sng" algn="ctr">
+                      <a:solidFill>
+                        <a:srgbClr val="FFFFFF"/>
+                      </a:solidFill>
+                      <a:prstDash val="solid"/>
+                      <a:round/>
+                      <a:headEnd type="none" w="med" len="med"/>
+                      <a:tailEnd type="none" w="med" len="med"/>
+                    </a:lnT>
+                    <a:lnB w="11744" cap="flat" cmpd="sng" algn="ctr">
+                      <a:solidFill>
+                        <a:srgbClr val="FFFFFF"/>
+                      </a:solidFill>
+                      <a:prstDash val="solid"/>
+                      <a:round/>
+                      <a:headEnd type="none" w="med" len="med"/>
+                      <a:tailEnd type="none" w="med" len="med"/>
+                    </a:lnB>
+                    <a:solidFill>
+                      <a:srgbClr val="2683C6"/>
+                    </a:solidFill>
+                  </a:tcPr>
+                </a:tc>
+                <a:extLst>
+                  <a:ext uri="{0D108BD9-81ED-4DB2-BD59-A6C34878D82A}">
+                    <a16:rowId xmlns:a16="http://schemas.microsoft.com/office/drawing/2014/main" val="2617100085"/>
+                  </a:ext>
+                </a:extLst>
+              </a:tr>
+              <a:tr h="327960">
+                <a:tc>
+                  <a:txBody>
+                    <a:bodyPr/>
+                    <a:lstStyle/>
+                    <a:p>
+                      <a:pPr fontAlgn="auto">
+                        <a:lnSpc>
+                          <a:spcPts val="1650"/>
+                        </a:lnSpc>
+                      </a:pPr>
+                      <a:endParaRPr lang="en-US" sz="1400" b="1">
+                        <a:solidFill>
+                          <a:srgbClr val="1F1F1F"/>
+                        </a:solidFill>
+                        <a:effectLst/>
+                        <a:latin typeface="Arial" panose="020B0604020202020204" pitchFamily="34" charset="0"/>
+                      </a:endParaRPr>
+                    </a:p>
+                  </a:txBody>
+                  <a:tcPr anchor="ctr">
+                    <a:lnL w="11744" cap="flat" cmpd="sng" algn="ctr">
+                      <a:solidFill>
+                        <a:srgbClr val="000000"/>
+                      </a:solidFill>
+                      <a:prstDash val="solid"/>
+                      <a:round/>
+                      <a:headEnd type="none" w="med" len="med"/>
+                      <a:tailEnd type="none" w="med" len="med"/>
+                    </a:lnL>
+                    <a:lnR w="11744" cap="flat" cmpd="sng" algn="ctr">
+                      <a:solidFill>
+                        <a:srgbClr val="000000"/>
+                      </a:solidFill>
+                      <a:prstDash val="solid"/>
+                      <a:round/>
+                      <a:headEnd type="none" w="med" len="med"/>
+                      <a:tailEnd type="none" w="med" len="med"/>
+                    </a:lnR>
+                    <a:lnT w="11744" cap="flat" cmpd="sng" algn="ctr">
+                      <a:solidFill>
+                        <a:srgbClr val="FFFFFF"/>
+                      </a:solidFill>
+                      <a:prstDash val="solid"/>
+                      <a:round/>
+                      <a:headEnd type="none" w="med" len="med"/>
+                      <a:tailEnd type="none" w="med" len="med"/>
+                    </a:lnT>
+                    <a:lnB w="11744" cap="flat" cmpd="sng" algn="ctr">
+                      <a:solidFill>
+                        <a:srgbClr val="000000"/>
+                      </a:solidFill>
+                      <a:prstDash val="solid"/>
+                      <a:round/>
+                      <a:headEnd type="none" w="med" len="med"/>
+                      <a:tailEnd type="none" w="med" len="med"/>
+                    </a:lnB>
+                    <a:solidFill>
+                      <a:srgbClr val="CCE3F5"/>
+                    </a:solidFill>
+                  </a:tcPr>
+                </a:tc>
+                <a:tc>
+                  <a:txBody>
+                    <a:bodyPr/>
+                    <a:lstStyle/>
+                    <a:p>
+                      <a:pPr fontAlgn="base">
+                        <a:lnSpc>
+                          <a:spcPts val="1650"/>
+                        </a:lnSpc>
+                      </a:pPr>
+                      <a:r>
+                        <a:rPr lang="en-US" sz="1400" b="1">
+                          <a:solidFill>
+                            <a:srgbClr val="1F1F1F"/>
+                          </a:solidFill>
+                          <a:effectLst/>
+                          <a:latin typeface="Arial" panose="020B0604020202020204" pitchFamily="34" charset="0"/>
+                        </a:rPr>
+                        <a:t>R² Score</a:t>
+                      </a:r>
+                      <a:endParaRPr lang="en-US">
+                        <a:effectLst/>
+                      </a:endParaRPr>
+                    </a:p>
+                  </a:txBody>
+                  <a:tcPr anchor="ctr">
+                    <a:lnL w="11744" cap="flat" cmpd="sng" algn="ctr">
+                      <a:solidFill>
+                        <a:srgbClr val="000000"/>
+                      </a:solidFill>
+                      <a:prstDash val="solid"/>
+                      <a:round/>
+                      <a:headEnd type="none" w="med" len="med"/>
+                      <a:tailEnd type="none" w="med" len="med"/>
+                    </a:lnL>
+                    <a:lnR w="11744" cap="flat" cmpd="sng" algn="ctr">
+                      <a:solidFill>
+                        <a:srgbClr val="000000"/>
+                      </a:solidFill>
+                      <a:prstDash val="solid"/>
+                      <a:round/>
+                      <a:headEnd type="none" w="med" len="med"/>
+                      <a:tailEnd type="none" w="med" len="med"/>
+                    </a:lnR>
+                    <a:lnT w="11744" cap="flat" cmpd="sng" algn="ctr">
+                      <a:solidFill>
+                        <a:srgbClr val="FFFFFF"/>
+                      </a:solidFill>
+                      <a:prstDash val="solid"/>
+                      <a:round/>
+                      <a:headEnd type="none" w="med" len="med"/>
+                      <a:tailEnd type="none" w="med" len="med"/>
+                    </a:lnT>
+                    <a:lnB w="11744" cap="flat" cmpd="sng" algn="ctr">
+                      <a:solidFill>
+                        <a:srgbClr val="000000"/>
+                      </a:solidFill>
+                      <a:prstDash val="solid"/>
+                      <a:round/>
+                      <a:headEnd type="none" w="med" len="med"/>
+                      <a:tailEnd type="none" w="med" len="med"/>
+                    </a:lnB>
+                    <a:solidFill>
+                      <a:srgbClr val="CCE3F5"/>
+                    </a:solidFill>
+                  </a:tcPr>
+                </a:tc>
+                <a:tc>
+                  <a:txBody>
+                    <a:bodyPr/>
+                    <a:lstStyle/>
+                    <a:p>
+                      <a:pPr algn="ctr" fontAlgn="base">
+                        <a:lnSpc>
+                          <a:spcPts val="1650"/>
+                        </a:lnSpc>
+                      </a:pPr>
+                      <a:r>
+                        <a:rPr lang="en-US" sz="1400">
+                          <a:solidFill>
+                            <a:srgbClr val="1F1F1F"/>
+                          </a:solidFill>
+                          <a:effectLst/>
+                          <a:latin typeface="Arial" panose="020B0604020202020204" pitchFamily="34" charset="0"/>
+                        </a:rPr>
+                        <a:t>0.8708</a:t>
+                      </a:r>
+                      <a:endParaRPr lang="en-US">
+                        <a:effectLst/>
+                      </a:endParaRPr>
+                    </a:p>
+                  </a:txBody>
+                  <a:tcPr anchor="ctr">
+                    <a:lnL w="11744" cap="flat" cmpd="sng" algn="ctr">
+                      <a:solidFill>
+                        <a:srgbClr val="000000"/>
+                      </a:solidFill>
+                      <a:prstDash val="solid"/>
+                      <a:round/>
+                      <a:headEnd type="none" w="med" len="med"/>
+                      <a:tailEnd type="none" w="med" len="med"/>
+                    </a:lnL>
+                    <a:lnR w="11744" cap="flat" cmpd="sng" algn="ctr">
+                      <a:solidFill>
+                        <a:srgbClr val="000000"/>
+                      </a:solidFill>
+                      <a:prstDash val="solid"/>
+                      <a:round/>
+                      <a:headEnd type="none" w="med" len="med"/>
+                      <a:tailEnd type="none" w="med" len="med"/>
+                    </a:lnR>
+                    <a:lnT w="11744" cap="flat" cmpd="sng" algn="ctr">
+                      <a:solidFill>
+                        <a:srgbClr val="FFFFFF"/>
+                      </a:solidFill>
+                      <a:prstDash val="solid"/>
+                      <a:round/>
+                      <a:headEnd type="none" w="med" len="med"/>
+                      <a:tailEnd type="none" w="med" len="med"/>
+                    </a:lnT>
+                    <a:lnB w="11744" cap="flat" cmpd="sng" algn="ctr">
+                      <a:solidFill>
+                        <a:srgbClr val="000000"/>
+                      </a:solidFill>
+                      <a:prstDash val="solid"/>
+                      <a:round/>
+                      <a:headEnd type="none" w="med" len="med"/>
+                      <a:tailEnd type="none" w="med" len="med"/>
+                    </a:lnB>
+                    <a:solidFill>
+                      <a:srgbClr val="CCE3F5"/>
+                    </a:solidFill>
+                  </a:tcPr>
+                </a:tc>
+                <a:tc>
+                  <a:txBody>
+                    <a:bodyPr/>
+                    <a:lstStyle/>
+                    <a:p>
+                      <a:pPr algn="ctr" fontAlgn="base">
+                        <a:lnSpc>
+                          <a:spcPts val="1650"/>
+                        </a:lnSpc>
+                      </a:pPr>
+                      <a:r>
+                        <a:rPr lang="en-US" sz="1400">
+                          <a:solidFill>
+                            <a:srgbClr val="FFFFFF"/>
+                          </a:solidFill>
+                          <a:effectLst/>
+                          <a:latin typeface="Arial" panose="020B0604020202020204" pitchFamily="34" charset="0"/>
+                        </a:rPr>
+                        <a:t>0.8059</a:t>
+                      </a:r>
+                      <a:endParaRPr lang="en-US">
+                        <a:effectLst/>
+                      </a:endParaRPr>
+                    </a:p>
+                  </a:txBody>
+                  <a:tcPr anchor="ctr">
+                    <a:lnL w="11744" cap="flat" cmpd="sng" algn="ctr">
+                      <a:solidFill>
+                        <a:srgbClr val="000000"/>
+                      </a:solidFill>
+                      <a:prstDash val="solid"/>
+                      <a:round/>
+                      <a:headEnd type="none" w="med" len="med"/>
+                      <a:tailEnd type="none" w="med" len="med"/>
+                    </a:lnL>
+                    <a:lnR w="11744" cap="flat" cmpd="sng" algn="ctr">
+                      <a:solidFill>
+                        <a:srgbClr val="000000"/>
+                      </a:solidFill>
+                      <a:prstDash val="solid"/>
+                      <a:round/>
+                      <a:headEnd type="none" w="med" len="med"/>
+                      <a:tailEnd type="none" w="med" len="med"/>
+                    </a:lnR>
+                    <a:lnT w="11744" cap="flat" cmpd="sng" algn="ctr">
+                      <a:solidFill>
+                        <a:srgbClr val="FFFFFF"/>
+                      </a:solidFill>
+                      <a:prstDash val="solid"/>
+                      <a:round/>
+                      <a:headEnd type="none" w="med" len="med"/>
+                      <a:tailEnd type="none" w="med" len="med"/>
+                    </a:lnT>
+                    <a:lnB w="11744" cap="flat" cmpd="sng" algn="ctr">
+                      <a:solidFill>
+                        <a:srgbClr val="000000"/>
+                      </a:solidFill>
+                      <a:prstDash val="solid"/>
+                      <a:round/>
+                      <a:headEnd type="none" w="med" len="med"/>
+                      <a:tailEnd type="none" w="med" len="med"/>
+                    </a:lnB>
+                    <a:solidFill>
+                      <a:srgbClr val="2683C6"/>
+                    </a:solidFill>
+                  </a:tcPr>
+                </a:tc>
+                <a:extLst>
+                  <a:ext uri="{0D108BD9-81ED-4DB2-BD59-A6C34878D82A}">
+                    <a16:rowId xmlns:a16="http://schemas.microsoft.com/office/drawing/2014/main" val="1999640190"/>
+                  </a:ext>
+                </a:extLst>
+              </a:tr>
+            </a:tbl>
+          </a:graphicData>
+        </a:graphic>
+      </p:graphicFrame>
     </p:spTree>
     <p:extLst>
       <p:ext uri="{BB962C8B-B14F-4D97-AF65-F5344CB8AC3E}">
@@ -5441,6 +8207,10 @@
             </a:r>
           </a:p>
           <a:p>
+            <a:pPr marL="171450" indent="-171450">
+              <a:buFont typeface="Arial"/>
+              <a:buChar char="•"/>
+            </a:pPr>
             <a:r>
               <a:rPr lang="en-US" sz="1200">
                 <a:latin typeface="Arial"/>
@@ -5448,6 +8218,85 @@
               </a:rPr>
               <a:t>Used Grid Search to systematically test combinations of key parameters such as:</a:t>
             </a:r>
+          </a:p>
+          <a:p>
+            <a:pPr marL="742950" lvl="1" indent="-285750">
+              <a:buFont typeface="Courier New"/>
+              <a:buChar char="o"/>
+            </a:pPr>
+            <a:r>
+              <a:rPr lang="en-US" sz="1200" b="1">
+                <a:latin typeface="Arial"/>
+                <a:cs typeface="Arial"/>
+              </a:rPr>
+              <a:t>Learning Rate</a:t>
+            </a:r>
+          </a:p>
+          <a:p>
+            <a:pPr marL="742950" lvl="1" indent="-285750">
+              <a:buFont typeface="Courier New"/>
+              <a:buChar char="o"/>
+            </a:pPr>
+            <a:r>
+              <a:rPr lang="en-US" sz="1200" b="1">
+                <a:latin typeface="Arial"/>
+                <a:cs typeface="Arial"/>
+              </a:rPr>
+              <a:t>Maximum Depth</a:t>
+            </a:r>
+          </a:p>
+          <a:p>
+            <a:pPr marL="742950" lvl="1" indent="-285750">
+              <a:buFont typeface="Courier New"/>
+              <a:buChar char="o"/>
+            </a:pPr>
+            <a:r>
+              <a:rPr lang="en-US" sz="1200" b="1">
+                <a:latin typeface="Arial"/>
+                <a:cs typeface="Arial"/>
+              </a:rPr>
+              <a:t>Number of Estimators</a:t>
+            </a:r>
+          </a:p>
+          <a:p>
+            <a:pPr marL="171450" indent="-171450">
+              <a:buFont typeface="Arial"/>
+              <a:buChar char="•"/>
+            </a:pPr>
+            <a:r>
+              <a:rPr lang="en-US" sz="1200" b="1">
+                <a:latin typeface="Arial"/>
+                <a:cs typeface="Arial"/>
+              </a:rPr>
+              <a:t>Evaluated performance metrics for each combination using cross-validation</a:t>
+            </a:r>
+          </a:p>
+          <a:p>
+            <a:endParaRPr lang="en-US" sz="1200" b="1">
+              <a:latin typeface="Arial"/>
+              <a:cs typeface="Arial"/>
+            </a:endParaRPr>
+          </a:p>
+          <a:p>
+            <a:endParaRPr lang="en-US" sz="1200">
+              <a:latin typeface="Arial"/>
+              <a:cs typeface="Arial"/>
+            </a:endParaRPr>
+          </a:p>
+          <a:p>
+            <a:r>
+              <a:rPr lang="en-US" sz="1400" b="1">
+                <a:latin typeface="Arial"/>
+                <a:cs typeface="Arial"/>
+              </a:rPr>
+              <a:t>Impact:</a:t>
+            </a:r>
+          </a:p>
+          <a:p>
+            <a:endParaRPr lang="en-US" sz="1400" b="1">
+              <a:latin typeface="Arial"/>
+              <a:cs typeface="Arial"/>
+            </a:endParaRPr>
           </a:p>
           <a:p>
             <a:pPr marL="285750" indent="-285750">
@@ -5455,107 +8304,18 @@
               <a:buChar char="•"/>
             </a:pPr>
             <a:r>
+              <a:rPr lang="en-US" sz="1200">
+                <a:latin typeface="Arial"/>
+                <a:cs typeface="Arial"/>
+              </a:rPr>
+              <a:t>Enhanced </a:t>
+            </a:r>
+            <a:r>
               <a:rPr lang="en-US" sz="1200" b="1">
                 <a:latin typeface="Arial"/>
                 <a:cs typeface="Arial"/>
               </a:rPr>
-              <a:t>Learning Rate</a:t>
-            </a:r>
-          </a:p>
-          <a:p>
-            <a:pPr marL="285750" indent="-285750">
-              <a:buFont typeface="Arial"/>
-              <a:buChar char="•"/>
-            </a:pPr>
-            <a:r>
-              <a:rPr lang="en-US" sz="1200" b="1">
-                <a:latin typeface="Arial"/>
-                <a:cs typeface="Arial"/>
-              </a:rPr>
-              <a:t>Maximum Depth</a:t>
-            </a:r>
-          </a:p>
-          <a:p>
-            <a:pPr marL="285750" indent="-285750">
-              <a:buFont typeface="Arial"/>
-              <a:buChar char="•"/>
-            </a:pPr>
-            <a:r>
-              <a:rPr lang="en-US" sz="1200" b="1">
-                <a:latin typeface="Arial"/>
-                <a:cs typeface="Arial"/>
-              </a:rPr>
-              <a:t>Number of Estimators</a:t>
-            </a:r>
-          </a:p>
-          <a:p>
-            <a:r>
-              <a:rPr lang="en-US" sz="1200" b="1">
-                <a:latin typeface="Arial"/>
-                <a:cs typeface="Arial"/>
-              </a:rPr>
-              <a:t>Evaluated performance metrics for each combination using cross-validation</a:t>
-            </a:r>
-          </a:p>
-          <a:p>
-            <a:endParaRPr lang="en-US" sz="1200" b="1">
-              <a:latin typeface="Arial"/>
-              <a:cs typeface="Arial"/>
-            </a:endParaRPr>
-          </a:p>
-          <a:p>
-            <a:endParaRPr lang="en-US" sz="1200">
-              <a:latin typeface="Arial"/>
-              <a:cs typeface="Arial"/>
-            </a:endParaRPr>
-          </a:p>
-          <a:p>
-            <a:r>
-              <a:rPr lang="en-US" sz="1400" b="1">
-                <a:latin typeface="Arial"/>
-                <a:cs typeface="Arial"/>
-              </a:rPr>
-              <a:t>Impact:</a:t>
-            </a:r>
-          </a:p>
-          <a:p>
-            <a:endParaRPr lang="en-US" sz="1400" b="1">
-              <a:latin typeface="Arial"/>
-              <a:cs typeface="Arial"/>
-            </a:endParaRPr>
-          </a:p>
-          <a:p>
-            <a:pPr marL="285750" indent="-285750">
-              <a:buFont typeface="Arial"/>
-              <a:buChar char="•"/>
-            </a:pPr>
-            <a:r>
-              <a:rPr lang="en-US" sz="1200">
-                <a:latin typeface="Arial"/>
-                <a:cs typeface="Arial"/>
-              </a:rPr>
-              <a:t>Enhanced R² score from </a:t>
-            </a:r>
-            <a:r>
-              <a:rPr lang="en-US" sz="1200" b="1">
-                <a:latin typeface="Arial"/>
-                <a:cs typeface="Arial"/>
-              </a:rPr>
-              <a:t>0.75</a:t>
-            </a:r>
-            <a:r>
-              <a:rPr lang="en-US" sz="1200">
-                <a:latin typeface="Arial"/>
-                <a:cs typeface="Arial"/>
-              </a:rPr>
-              <a:t> to </a:t>
-            </a:r>
-            <a:r>
-              <a:rPr lang="en-US" sz="1200" b="1">
-                <a:latin typeface="Arial"/>
-                <a:cs typeface="Arial"/>
-              </a:rPr>
-              <a:t>0.81</a:t>
+              <a:t>R² score</a:t>
             </a:r>
             <a:r>
               <a:rPr lang="en-US" sz="1200">
@@ -5734,11 +8494,15 @@
           </a:xfrm>
         </p:spPr>
         <p:txBody>
-          <a:bodyPr/>
+          <a:bodyPr>
+            <a:normAutofit/>
+          </a:bodyPr>
           <a:lstStyle/>
           <a:p>
             <a:r>
-              <a:rPr lang="en-IN" dirty="0"/>
+              <a:rPr lang="en-IN" sz="3200" b="1">
+                <a:latin typeface="Graphik Semibold"/>
+              </a:rPr>
               <a:t>Outlier Analysis</a:t>
             </a:r>
           </a:p>
@@ -5773,7 +8537,7 @@
           <a:lstStyle/>
           <a:p>
             <a:r>
-              <a:rPr lang="en-IN" sz="1400" b="1" dirty="0"/>
+              <a:rPr lang="en-IN" sz="1400" b="1"/>
               <a:t>1. Residual Calculation:</a:t>
             </a:r>
           </a:p>
@@ -5787,15 +8551,15 @@
               <a:t>Definition:</a:t>
             </a:r>
             <a:r>
-              <a:rPr lang="en-IN" sz="1400" dirty="0"/>
+              <a:rPr lang="en-IN" sz="1400"/>
               <a:t> Residuals are the differences between the actual fare amounts and the predicted fare amounts generated by the </a:t>
             </a:r>
             <a:r>
-              <a:rPr lang="en-IN" sz="1400" dirty="0" err="1"/>
+              <a:rPr lang="en-IN" sz="1400" err="1"/>
               <a:t>XGBoost</a:t>
             </a:r>
             <a:r>
-              <a:rPr lang="en-IN" sz="1400" dirty="0"/>
+              <a:rPr lang="en-IN" sz="1400"/>
               <a:t> model.</a:t>
             </a:r>
             <a:endParaRPr lang="en-IN" sz="1400">
@@ -5813,7 +8577,7 @@
               <a:t>Purpose: </a:t>
             </a:r>
             <a:r>
-              <a:rPr lang="en-IN" sz="1400" dirty="0"/>
+              <a:rPr lang="en-IN" sz="1400"/>
               <a:t>To identify data points where the model struggles to predict accurately.</a:t>
             </a:r>
             <a:endParaRPr lang="en-IN" sz="1400">
@@ -5826,7 +8590,7 @@
           </a:p>
           <a:p>
             <a:r>
-              <a:rPr lang="en-IN" sz="1400" b="1" dirty="0"/>
+              <a:rPr lang="en-IN" sz="1400" b="1"/>
               <a:t>2. Outlier Detection:</a:t>
             </a:r>
           </a:p>
@@ -5836,7 +8600,7 @@
               <a:t>Method: </a:t>
             </a:r>
             <a:r>
-              <a:rPr lang="en-IN" sz="1400" dirty="0"/>
+              <a:rPr lang="en-IN" sz="1400"/>
               <a:t>Interquartile Range (IQR) approach.</a:t>
             </a:r>
           </a:p>
@@ -5845,7 +8609,7 @@
           </a:p>
           <a:p>
             <a:r>
-              <a:rPr lang="en-IN" sz="1400" b="1" dirty="0"/>
+              <a:rPr lang="en-IN" sz="1400" b="1"/>
               <a:t>3. Visualization:</a:t>
             </a:r>
           </a:p>
@@ -5859,7 +8623,7 @@
               <a:t>Plot Type:</a:t>
             </a:r>
             <a:r>
-              <a:rPr lang="en-IN" sz="1400" dirty="0"/>
+              <a:rPr lang="en-IN" sz="1400"/>
               <a:t> Scatter plot of actual vs. predicted fares.</a:t>
             </a:r>
             <a:endParaRPr lang="en-IN" sz="1400">
@@ -5887,7 +8651,7 @@
               <a:buChar char="•"/>
             </a:pPr>
             <a:r>
-              <a:rPr lang="en-IN" sz="1400" dirty="0"/>
+              <a:rPr lang="en-IN" sz="1400"/>
               <a:t>Mark outliers distinctly (e.g., red markers).</a:t>
             </a:r>
             <a:endParaRPr lang="en-IN" sz="1400">
@@ -5901,7 +8665,7 @@
               <a:buChar char="•"/>
             </a:pPr>
             <a:r>
-              <a:rPr lang="en-IN" sz="1400" dirty="0"/>
+              <a:rPr lang="en-IN" sz="1400"/>
               <a:t>Include a diagonal line representing perfect predictions for reference.</a:t>
             </a:r>
             <a:endParaRPr lang="en-IN" sz="1400">
@@ -5919,7 +8683,7 @@
               <a:t>Objective:</a:t>
             </a:r>
             <a:r>
-              <a:rPr lang="en-IN" sz="1400" dirty="0"/>
+              <a:rPr lang="en-IN" sz="1400"/>
               <a:t> To visually assess the distribution of residuals and the presence of outliers.</a:t>
             </a:r>
             <a:endParaRPr lang="en-IN" sz="1400">
@@ -5932,7 +8696,7 @@
           </a:p>
           <a:p>
             <a:r>
-              <a:rPr lang="en-IN" sz="1400" b="1" dirty="0"/>
+              <a:rPr lang="en-IN" sz="1400" b="1"/>
               <a:t>4. Outlier Summary:</a:t>
             </a:r>
           </a:p>
@@ -5956,7 +8720,7 @@
               <a:buChar char="•"/>
             </a:pPr>
             <a:r>
-              <a:rPr lang="en-IN" sz="1400" dirty="0"/>
+              <a:rPr lang="en-IN" sz="1400"/>
               <a:t>Count of outliers.</a:t>
             </a:r>
             <a:endParaRPr lang="en-IN" sz="1400">
@@ -5970,7 +8734,7 @@
               <a:buChar char="•"/>
             </a:pPr>
             <a:r>
-              <a:rPr lang="en-IN" sz="1400" dirty="0"/>
+              <a:rPr lang="en-IN" sz="1400"/>
               <a:t>Characteristics of outliers (e.g., actual fares, predicted fares, residual values).</a:t>
             </a:r>
             <a:endParaRPr lang="en-IN" sz="1400">
@@ -5984,7 +8748,7 @@
               <a:buChar char="•"/>
             </a:pPr>
             <a:r>
-              <a:rPr lang="en-IN" sz="1400" dirty="0"/>
+              <a:rPr lang="en-IN" sz="1400"/>
               <a:t>Instances where the model significantly overpredicted or underpredicted.</a:t>
             </a:r>
             <a:endParaRPr lang="en-IN" sz="1400">
@@ -6008,7 +8772,7 @@
           </a:p>
           <a:p>
             <a:r>
-              <a:rPr lang="en-IN" sz="1400" dirty="0"/>
+              <a:rPr lang="en-IN" sz="1400"/>
               <a:t>By completing these steps, we:</a:t>
             </a:r>
           </a:p>
@@ -6018,7 +8782,7 @@
               <a:buChar char="•"/>
             </a:pPr>
             <a:r>
-              <a:rPr lang="en-IN" sz="1400" dirty="0"/>
+              <a:rPr lang="en-IN" sz="1400"/>
               <a:t>Understand the nature of the outliers affecting the model.</a:t>
             </a:r>
             <a:endParaRPr lang="en-IN" sz="1400">
@@ -6032,7 +8796,7 @@
               <a:buChar char="•"/>
             </a:pPr>
             <a:r>
-              <a:rPr lang="en-IN" sz="1400" dirty="0"/>
+              <a:rPr lang="en-IN" sz="1400"/>
               <a:t>Enhance the model's robustness by addressing outliers through appropriate measures, such as data cleaning, feature engineering, or model tuning.</a:t>
             </a:r>
             <a:endParaRPr lang="en-IN" sz="1400">
@@ -6162,10 +8926,10 @@
       </p:sp>
       <p:pic>
         <p:nvPicPr>
-          <p:cNvPr id="8" name="Content Placeholder 7">
+          <p:cNvPr id="9" name="Picture 8">
             <a:extLst>
               <a:ext uri="{FF2B5EF4-FFF2-40B4-BE49-F238E27FC236}">
-                <a16:creationId xmlns:a16="http://schemas.microsoft.com/office/drawing/2014/main" id="{44EC285B-D036-4F3D-CFC2-224993033D36}"/>
+                <a16:creationId xmlns:a16="http://schemas.microsoft.com/office/drawing/2014/main" id="{3E827A2A-2323-935A-0DC3-57174F71191D}"/>
               </a:ext>
             </a:extLst>
           </p:cNvPr>
@@ -6182,68 +8946,8 @@
         </p:blipFill>
         <p:spPr>
           <a:xfrm>
-            <a:off x="394351" y="511923"/>
-            <a:ext cx="5319353" cy="2917077"/>
-          </a:xfrm>
-          <a:prstGeom prst="rect">
-            <a:avLst/>
-          </a:prstGeom>
-        </p:spPr>
-      </p:pic>
-      <p:pic>
-        <p:nvPicPr>
-          <p:cNvPr id="6" name="Picture 5">
-            <a:extLst>
-              <a:ext uri="{FF2B5EF4-FFF2-40B4-BE49-F238E27FC236}">
-                <a16:creationId xmlns:a16="http://schemas.microsoft.com/office/drawing/2014/main" id="{BEB26CEC-8695-E2B4-D3B6-E9BDDBBE7A65}"/>
-              </a:ext>
-            </a:extLst>
-          </p:cNvPr>
-          <p:cNvPicPr>
-            <a:picLocks noChangeAspect="1"/>
-          </p:cNvPicPr>
-          <p:nvPr/>
-        </p:nvPicPr>
-        <p:blipFill>
-          <a:blip r:embed="rId3"/>
-          <a:stretch>
-            <a:fillRect/>
-          </a:stretch>
-        </p:blipFill>
-        <p:spPr>
-          <a:xfrm>
-            <a:off x="348951" y="3488759"/>
-            <a:ext cx="5425666" cy="2867676"/>
-          </a:xfrm>
-          <a:prstGeom prst="rect">
-            <a:avLst/>
-          </a:prstGeom>
-        </p:spPr>
-      </p:pic>
-      <p:pic>
-        <p:nvPicPr>
-          <p:cNvPr id="9" name="Picture 8">
-            <a:extLst>
-              <a:ext uri="{FF2B5EF4-FFF2-40B4-BE49-F238E27FC236}">
-                <a16:creationId xmlns:a16="http://schemas.microsoft.com/office/drawing/2014/main" id="{3E827A2A-2323-935A-0DC3-57174F71191D}"/>
-              </a:ext>
-            </a:extLst>
-          </p:cNvPr>
-          <p:cNvPicPr>
-            <a:picLocks noChangeAspect="1"/>
-          </p:cNvPicPr>
-          <p:nvPr/>
-        </p:nvPicPr>
-        <p:blipFill>
-          <a:blip r:embed="rId4"/>
-          <a:stretch>
-            <a:fillRect/>
-          </a:stretch>
-        </p:blipFill>
-        <p:spPr>
-          <a:xfrm>
-            <a:off x="6222933" y="1363749"/>
-            <a:ext cx="5570703" cy="3558848"/>
+            <a:off x="6904474" y="3692346"/>
+            <a:ext cx="4524727" cy="2929368"/>
           </a:xfrm>
           <a:prstGeom prst="rect">
             <a:avLst/>
@@ -6264,7 +8968,7 @@
         </p:nvSpPr>
         <p:spPr>
           <a:xfrm>
-            <a:off x="1376314" y="132233"/>
+            <a:off x="7959806" y="222159"/>
             <a:ext cx="2433551" cy="338554"/>
           </a:xfrm>
           <a:prstGeom prst="rect">
@@ -6302,7 +9006,7 @@
         </p:nvSpPr>
         <p:spPr>
           <a:xfrm>
-            <a:off x="7778876" y="145810"/>
+            <a:off x="8043919" y="3354729"/>
             <a:ext cx="2263633" cy="338554"/>
           </a:xfrm>
           <a:prstGeom prst="rect">
@@ -6326,6 +9030,141 @@
           </a:p>
         </p:txBody>
       </p:sp>
+      <p:pic>
+        <p:nvPicPr>
+          <p:cNvPr id="2" name="Picture 1" descr="A blue dotted line with red line&#10;&#10;Description automatically generated">
+            <a:extLst>
+              <a:ext uri="{FF2B5EF4-FFF2-40B4-BE49-F238E27FC236}">
+                <a16:creationId xmlns:a16="http://schemas.microsoft.com/office/drawing/2014/main" id="{9151EC4E-BEF1-2104-A995-67C7732286A2}"/>
+              </a:ext>
+            </a:extLst>
+          </p:cNvPr>
+          <p:cNvPicPr>
+            <a:picLocks noChangeAspect="1"/>
+          </p:cNvPicPr>
+          <p:nvPr/>
+        </p:nvPicPr>
+        <p:blipFill>
+          <a:blip r:embed="rId3"/>
+          <a:stretch>
+            <a:fillRect/>
+          </a:stretch>
+        </p:blipFill>
+        <p:spPr>
+          <a:xfrm>
+            <a:off x="519054" y="1581180"/>
+            <a:ext cx="5578515" cy="3577318"/>
+          </a:xfrm>
+          <a:prstGeom prst="rect">
+            <a:avLst/>
+          </a:prstGeom>
+        </p:spPr>
+      </p:pic>
+      <p:sp>
+        <p:nvSpPr>
+          <p:cNvPr id="5" name="TextBox 4">
+            <a:extLst>
+              <a:ext uri="{FF2B5EF4-FFF2-40B4-BE49-F238E27FC236}">
+                <a16:creationId xmlns:a16="http://schemas.microsoft.com/office/drawing/2014/main" id="{E109F71C-CD77-9CF4-176A-3BC434DF453C}"/>
+              </a:ext>
+            </a:extLst>
+          </p:cNvPr>
+          <p:cNvSpPr txBox="1"/>
+          <p:nvPr/>
+        </p:nvSpPr>
+        <p:spPr>
+          <a:xfrm>
+            <a:off x="8361405" y="432486"/>
+            <a:ext cx="2743199" cy="365760"/>
+          </a:xfrm>
+          <a:prstGeom prst="rect">
+            <a:avLst/>
+          </a:prstGeom>
+          <a:noFill/>
+        </p:spPr>
+        <p:txBody>
+          <a:bodyPr rot="0" spcFirstLastPara="0" vertOverflow="overflow" horzOverflow="overflow" vert="horz" wrap="square" lIns="91440" tIns="45720" rIns="91440" bIns="45720" numCol="1" spcCol="0" rtlCol="0" fromWordArt="0" anchor="t" anchorCtr="0" forceAA="0" compatLnSpc="1">
+            <a:prstTxWarp prst="textNoShape">
+              <a:avLst/>
+            </a:prstTxWarp>
+            <a:spAutoFit/>
+          </a:bodyPr>
+          <a:lstStyle/>
+          <a:p>
+            <a:pPr algn="l"/>
+            <a:endParaRPr lang="en-US"/>
+          </a:p>
+        </p:txBody>
+      </p:sp>
+      <p:sp>
+        <p:nvSpPr>
+          <p:cNvPr id="7" name="TextBox 6">
+            <a:extLst>
+              <a:ext uri="{FF2B5EF4-FFF2-40B4-BE49-F238E27FC236}">
+                <a16:creationId xmlns:a16="http://schemas.microsoft.com/office/drawing/2014/main" id="{9509332D-52DA-4982-34C2-A16D32223617}"/>
+              </a:ext>
+            </a:extLst>
+          </p:cNvPr>
+          <p:cNvSpPr txBox="1"/>
+          <p:nvPr/>
+        </p:nvSpPr>
+        <p:spPr>
+          <a:xfrm>
+            <a:off x="2611607" y="993624"/>
+            <a:ext cx="1390124" cy="338554"/>
+          </a:xfrm>
+          <a:prstGeom prst="rect">
+            <a:avLst/>
+          </a:prstGeom>
+          <a:noFill/>
+        </p:spPr>
+        <p:txBody>
+          <a:bodyPr wrap="none" lIns="91440" tIns="45720" rIns="91440" bIns="45720" rtlCol="0" anchor="t">
+            <a:spAutoFit/>
+          </a:bodyPr>
+          <a:lstStyle/>
+          <a:p>
+            <a:r>
+              <a:rPr lang="en-IN" sz="1600">
+                <a:latin typeface="Arial"/>
+                <a:cs typeface="Arial"/>
+              </a:rPr>
+              <a:t>Residual Plot</a:t>
+            </a:r>
+            <a:endParaRPr lang="en-US"/>
+          </a:p>
+        </p:txBody>
+      </p:sp>
+      <p:pic>
+        <p:nvPicPr>
+          <p:cNvPr id="12" name="Picture 11" descr="A graph with red and blue dots&#10;&#10;Description automatically generated">
+            <a:extLst>
+              <a:ext uri="{FF2B5EF4-FFF2-40B4-BE49-F238E27FC236}">
+                <a16:creationId xmlns:a16="http://schemas.microsoft.com/office/drawing/2014/main" id="{ECD45112-EB77-EFC5-58B7-02B6962D1BFA}"/>
+              </a:ext>
+            </a:extLst>
+          </p:cNvPr>
+          <p:cNvPicPr>
+            <a:picLocks noChangeAspect="1"/>
+          </p:cNvPicPr>
+          <p:nvPr/>
+        </p:nvPicPr>
+        <p:blipFill>
+          <a:blip r:embed="rId4"/>
+          <a:stretch>
+            <a:fillRect/>
+          </a:stretch>
+        </p:blipFill>
+        <p:spPr>
+          <a:xfrm>
+            <a:off x="6884828" y="653527"/>
+            <a:ext cx="4679262" cy="2488747"/>
+          </a:xfrm>
+          <a:prstGeom prst="rect">
+            <a:avLst/>
+          </a:prstGeom>
+        </p:spPr>
+      </p:pic>
     </p:spTree>
     <p:extLst>
       <p:ext uri="{BB962C8B-B14F-4D97-AF65-F5344CB8AC3E}">
@@ -6473,7 +9312,7 @@
         <p:spPr>
           <a:xfrm>
             <a:off x="4470194" y="458087"/>
-            <a:ext cx="7149868" cy="5940088"/>
+            <a:ext cx="7149868" cy="5632311"/>
           </a:xfrm>
           <a:prstGeom prst="rect">
             <a:avLst/>
@@ -6487,21 +9326,21 @@
           <a:lstStyle/>
           <a:p>
             <a:r>
-              <a:rPr lang="en-IN" sz="1400" b="1">
+              <a:rPr lang="en-IN" sz="1200" b="1" dirty="0">
                 <a:latin typeface="Arial"/>
                 <a:cs typeface="Arial"/>
               </a:rPr>
               <a:t>Grid Search Results for </a:t>
             </a:r>
             <a:r>
-              <a:rPr lang="en-IN" sz="1400" b="1" err="1">
+              <a:rPr lang="en-IN" sz="1200" b="1" dirty="0" err="1">
                 <a:latin typeface="Arial"/>
                 <a:cs typeface="Arial"/>
               </a:rPr>
               <a:t>XGBoost</a:t>
             </a:r>
             <a:r>
-              <a:rPr lang="en-IN" sz="1400" b="1">
+              <a:rPr lang="en-IN" sz="1200" b="1" dirty="0">
                 <a:latin typeface="Arial"/>
                 <a:cs typeface="Arial"/>
               </a:rPr>
@@ -6514,7 +9353,7 @@
               <a:buChar char="v"/>
             </a:pPr>
             <a:r>
-              <a:rPr lang="en-IN" sz="1200" b="1">
+              <a:rPr lang="en-IN" sz="1200" b="1" dirty="0">
                 <a:latin typeface="Arial"/>
                 <a:cs typeface="Arial"/>
               </a:rPr>
@@ -6527,14 +9366,14 @@
               <a:buChar char="•"/>
             </a:pPr>
             <a:r>
-              <a:rPr lang="en-IN" sz="1200">
+              <a:rPr lang="en-IN" sz="1200" dirty="0">
                 <a:latin typeface="Arial"/>
                 <a:cs typeface="Arial"/>
               </a:rPr>
               <a:t>Search Method: </a:t>
             </a:r>
             <a:r>
-              <a:rPr lang="en-IN" sz="1200" b="1">
+              <a:rPr lang="en-IN" sz="1200" b="1" dirty="0">
                 <a:latin typeface="Arial"/>
                 <a:cs typeface="Arial"/>
               </a:rPr>
@@ -6547,35 +9386,35 @@
               <a:buChar char="•"/>
             </a:pPr>
             <a:r>
-              <a:rPr lang="en-IN" sz="1200">
+              <a:rPr lang="en-IN" sz="1200" dirty="0">
                 <a:latin typeface="Arial"/>
                 <a:cs typeface="Arial"/>
               </a:rPr>
               <a:t>Parameter Combinations: </a:t>
             </a:r>
             <a:r>
-              <a:rPr lang="en-IN" sz="1200" b="1">
+              <a:rPr lang="en-IN" sz="1200" b="1" dirty="0">
                 <a:latin typeface="Arial"/>
                 <a:cs typeface="Arial"/>
               </a:rPr>
               <a:t>18 </a:t>
             </a:r>
             <a:r>
-              <a:rPr lang="en-IN" sz="1200">
+              <a:rPr lang="en-IN" sz="1200" dirty="0">
                 <a:latin typeface="Arial"/>
                 <a:cs typeface="Arial"/>
               </a:rPr>
               <a:t>candidates, </a:t>
             </a:r>
             <a:r>
-              <a:rPr lang="en-IN" sz="1200" b="1">
+              <a:rPr lang="en-IN" sz="1200" b="1" dirty="0">
                 <a:latin typeface="Arial"/>
                 <a:cs typeface="Arial"/>
               </a:rPr>
               <a:t>54 </a:t>
             </a:r>
             <a:r>
-              <a:rPr lang="en-IN" sz="1200">
+              <a:rPr lang="en-IN" sz="1200" dirty="0">
                 <a:latin typeface="Arial"/>
                 <a:cs typeface="Arial"/>
               </a:rPr>
@@ -6588,7 +9427,7 @@
               <a:buChar char="•"/>
             </a:pPr>
             <a:r>
-              <a:rPr lang="en-IN" sz="1200">
+              <a:rPr lang="en-IN" sz="1200" dirty="0">
                 <a:latin typeface="Arial"/>
                 <a:cs typeface="Arial"/>
               </a:rPr>
@@ -6601,21 +9440,21 @@
               <a:buChar char="§"/>
             </a:pPr>
             <a:r>
-              <a:rPr lang="en-IN" sz="1200" err="1">
+              <a:rPr lang="en-IN" sz="1200" dirty="0" err="1">
                 <a:latin typeface="Arial"/>
                 <a:cs typeface="Arial"/>
               </a:rPr>
               <a:t>n_estimators</a:t>
             </a:r>
             <a:r>
-              <a:rPr lang="en-IN" sz="1200">
+              <a:rPr lang="en-IN" sz="1200" dirty="0">
                 <a:latin typeface="Arial"/>
                 <a:cs typeface="Arial"/>
               </a:rPr>
               <a:t>: </a:t>
             </a:r>
             <a:r>
-              <a:rPr lang="en-IN" sz="1200" b="1">
+              <a:rPr lang="en-IN" sz="1200" b="1" dirty="0">
                 <a:latin typeface="Arial"/>
                 <a:cs typeface="Arial"/>
               </a:rPr>
@@ -6628,21 +9467,21 @@
               <a:buChar char="§"/>
             </a:pPr>
             <a:r>
-              <a:rPr lang="en-IN" sz="1200" err="1">
+              <a:rPr lang="en-IN" sz="1200" dirty="0" err="1">
                 <a:latin typeface="Arial"/>
                 <a:cs typeface="Arial"/>
               </a:rPr>
               <a:t>max_depth</a:t>
             </a:r>
             <a:r>
-              <a:rPr lang="en-IN" sz="1200">
+              <a:rPr lang="en-IN" sz="1200" dirty="0">
                 <a:latin typeface="Arial"/>
                 <a:cs typeface="Arial"/>
               </a:rPr>
               <a:t>: </a:t>
             </a:r>
             <a:r>
-              <a:rPr lang="en-IN" sz="1200" b="1">
+              <a:rPr lang="en-IN" sz="1200" b="1" dirty="0">
                 <a:latin typeface="Arial"/>
                 <a:cs typeface="Arial"/>
               </a:rPr>
@@ -6655,21 +9494,21 @@
               <a:buChar char="§"/>
             </a:pPr>
             <a:r>
-              <a:rPr lang="en-IN" sz="1200" err="1">
+              <a:rPr lang="en-IN" sz="1200" dirty="0" err="1">
                 <a:latin typeface="Arial"/>
                 <a:cs typeface="Arial"/>
               </a:rPr>
               <a:t>learning_rate</a:t>
             </a:r>
             <a:r>
-              <a:rPr lang="en-IN" sz="1200">
+              <a:rPr lang="en-IN" sz="1200" dirty="0">
                 <a:latin typeface="Arial"/>
                 <a:cs typeface="Arial"/>
               </a:rPr>
               <a:t>: </a:t>
             </a:r>
             <a:r>
-              <a:rPr lang="en-IN" sz="1200" b="1">
+              <a:rPr lang="en-IN" sz="1200" b="1" dirty="0">
                 <a:latin typeface="Arial"/>
                 <a:cs typeface="Arial"/>
               </a:rPr>
@@ -6682,7 +9521,7 @@
               <a:buChar char="•"/>
             </a:pPr>
             <a:r>
-              <a:rPr lang="en-IN" sz="1200">
+              <a:rPr lang="en-IN" sz="1200" dirty="0">
                 <a:latin typeface="Arial"/>
                 <a:cs typeface="Arial"/>
               </a:rPr>
@@ -6695,21 +9534,21 @@
               <a:buChar char="§"/>
             </a:pPr>
             <a:r>
-              <a:rPr lang="en-IN" sz="1200" err="1">
+              <a:rPr lang="en-IN" sz="1200" dirty="0" err="1">
                 <a:latin typeface="Arial"/>
                 <a:cs typeface="Arial"/>
               </a:rPr>
               <a:t>learning_rate</a:t>
             </a:r>
             <a:r>
-              <a:rPr lang="en-IN" sz="1200">
+              <a:rPr lang="en-IN" sz="1200" dirty="0">
                 <a:latin typeface="Arial"/>
                 <a:cs typeface="Arial"/>
               </a:rPr>
               <a:t>: </a:t>
             </a:r>
             <a:r>
-              <a:rPr lang="en-IN" sz="1200" b="1">
+              <a:rPr lang="en-IN" sz="1200" b="1" dirty="0">
                 <a:latin typeface="Arial"/>
                 <a:cs typeface="Arial"/>
               </a:rPr>
@@ -6722,21 +9561,21 @@
               <a:buChar char="§"/>
             </a:pPr>
             <a:r>
-              <a:rPr lang="en-IN" sz="1200" err="1">
+              <a:rPr lang="en-IN" sz="1200" dirty="0" err="1">
                 <a:latin typeface="Arial"/>
                 <a:cs typeface="Arial"/>
               </a:rPr>
               <a:t>max_depth</a:t>
             </a:r>
             <a:r>
-              <a:rPr lang="en-IN" sz="1200">
+              <a:rPr lang="en-IN" sz="1200" dirty="0">
                 <a:latin typeface="Arial"/>
                 <a:cs typeface="Arial"/>
               </a:rPr>
               <a:t>: </a:t>
             </a:r>
             <a:r>
-              <a:rPr lang="en-IN" sz="1200" b="1">
+              <a:rPr lang="en-IN" sz="1200" b="1" dirty="0">
                 <a:latin typeface="Arial"/>
                 <a:cs typeface="Arial"/>
               </a:rPr>
@@ -6749,21 +9588,21 @@
               <a:buChar char="§"/>
             </a:pPr>
             <a:r>
-              <a:rPr lang="en-IN" sz="1200" err="1">
+              <a:rPr lang="en-IN" sz="1200" dirty="0" err="1">
                 <a:latin typeface="Arial"/>
                 <a:cs typeface="Arial"/>
               </a:rPr>
               <a:t>n_estimators</a:t>
             </a:r>
             <a:r>
-              <a:rPr lang="en-IN" sz="1200">
+              <a:rPr lang="en-IN" sz="1200" dirty="0">
                 <a:latin typeface="Arial"/>
                 <a:cs typeface="Arial"/>
               </a:rPr>
               <a:t>: </a:t>
             </a:r>
             <a:r>
-              <a:rPr lang="en-IN" sz="1200" b="1">
+              <a:rPr lang="en-IN" sz="1200" b="1" dirty="0">
                 <a:latin typeface="Arial"/>
                 <a:cs typeface="Arial"/>
               </a:rPr>
@@ -6775,14 +9614,14 @@
               <a:buFont typeface="Wingdings" panose="020B0604020202020204" pitchFamily="34" charset="0"/>
               <a:buChar char="§"/>
             </a:pPr>
-            <a:endParaRPr lang="en-IN" sz="1200">
+            <a:endParaRPr lang="en-IN" sz="1200" dirty="0">
               <a:latin typeface="Arial"/>
               <a:cs typeface="Arial"/>
             </a:endParaRPr>
           </a:p>
           <a:p>
             <a:r>
-              <a:rPr lang="en-IN" sz="1400" b="1">
+              <a:rPr lang="en-IN" sz="1200" b="1" dirty="0">
                 <a:latin typeface="Arial"/>
                 <a:cs typeface="Arial"/>
               </a:rPr>
@@ -6795,14 +9634,14 @@
               <a:buChar char="v"/>
             </a:pPr>
             <a:r>
-              <a:rPr lang="en-IN" sz="1200">
+              <a:rPr lang="en-IN" sz="1200" dirty="0">
                 <a:latin typeface="Arial"/>
                 <a:cs typeface="Arial"/>
               </a:rPr>
               <a:t>Cross-Validation MAE: </a:t>
             </a:r>
             <a:r>
-              <a:rPr lang="en-IN" sz="1200" b="1">
+              <a:rPr lang="en-IN" sz="1200" b="1" dirty="0">
                 <a:latin typeface="Arial"/>
                 <a:cs typeface="Arial"/>
               </a:rPr>
@@ -6811,7 +9650,7 @@
           </a:p>
           <a:p>
             <a:r>
-              <a:rPr lang="en-IN" sz="1200">
+              <a:rPr lang="en-IN" sz="1200" dirty="0">
                 <a:latin typeface="Arial"/>
                 <a:cs typeface="Arial"/>
               </a:rPr>
@@ -6824,14 +9663,14 @@
               <a:buChar char="v"/>
             </a:pPr>
             <a:r>
-              <a:rPr lang="en-IN" sz="1200">
+              <a:rPr lang="en-IN" sz="1200" dirty="0">
                 <a:latin typeface="Arial"/>
                 <a:cs typeface="Arial"/>
               </a:rPr>
               <a:t>Test Set MAE: </a:t>
             </a:r>
             <a:r>
-              <a:rPr lang="en-IN" sz="1200" b="1">
+              <a:rPr lang="en-IN" sz="1200" b="1" dirty="0">
                 <a:latin typeface="Arial"/>
                 <a:cs typeface="Arial"/>
               </a:rPr>
@@ -6840,7 +9679,7 @@
           </a:p>
           <a:p>
             <a:r>
-              <a:rPr lang="en-IN" sz="1200">
+              <a:rPr lang="en-IN" sz="1200" dirty="0">
                 <a:latin typeface="Arial"/>
                 <a:cs typeface="Arial"/>
               </a:rPr>
@@ -6853,14 +9692,14 @@
               <a:buChar char="v"/>
             </a:pPr>
             <a:r>
-              <a:rPr lang="en-IN" sz="1200">
+              <a:rPr lang="en-IN" sz="1200" dirty="0">
                 <a:latin typeface="Arial"/>
                 <a:cs typeface="Arial"/>
               </a:rPr>
               <a:t>Test Set MSE: </a:t>
             </a:r>
             <a:r>
-              <a:rPr lang="en-IN" sz="1200" b="1">
+              <a:rPr lang="en-IN" sz="1200" b="1" dirty="0">
                 <a:latin typeface="Arial"/>
                 <a:cs typeface="Arial"/>
               </a:rPr>
@@ -6869,7 +9708,7 @@
           </a:p>
           <a:p>
             <a:r>
-              <a:rPr lang="en-IN" sz="1200">
+              <a:rPr lang="en-IN" sz="1200" dirty="0">
                 <a:latin typeface="Arial"/>
                 <a:cs typeface="Arial"/>
               </a:rPr>
@@ -6882,14 +9721,14 @@
               <a:buChar char="v"/>
             </a:pPr>
             <a:r>
-              <a:rPr lang="en-IN" sz="1200">
+              <a:rPr lang="en-IN" sz="1200" dirty="0">
                 <a:latin typeface="Arial"/>
                 <a:cs typeface="Arial"/>
               </a:rPr>
               <a:t>R² Score: </a:t>
             </a:r>
             <a:r>
-              <a:rPr lang="en-IN" sz="1200" b="1">
+              <a:rPr lang="en-IN" sz="1200" b="1" dirty="0">
                 <a:latin typeface="Arial"/>
                 <a:cs typeface="Arial"/>
               </a:rPr>
@@ -6898,21 +9737,21 @@
           </a:p>
           <a:p>
             <a:r>
-              <a:rPr lang="en-IN" sz="1200">
+              <a:rPr lang="en-IN" sz="1200" dirty="0">
                 <a:latin typeface="Arial"/>
                 <a:cs typeface="Arial"/>
               </a:rPr>
               <a:t>	Explains </a:t>
             </a:r>
             <a:r>
-              <a:rPr lang="en-IN" sz="1200" b="1">
+              <a:rPr lang="en-IN" sz="1200" b="1" dirty="0">
                 <a:latin typeface="Arial"/>
                 <a:cs typeface="Arial"/>
               </a:rPr>
-              <a:t>84.2%</a:t>
-            </a:r>
-            <a:r>
-              <a:rPr lang="en-IN" sz="1200">
+              <a:t>83.9%</a:t>
+            </a:r>
+            <a:r>
+              <a:rPr lang="en-IN" sz="1200" dirty="0">
                 <a:latin typeface="Arial"/>
                 <a:cs typeface="Arial"/>
               </a:rPr>
@@ -6920,21 +9759,21 @@
             </a:r>
           </a:p>
           <a:p>
-            <a:endParaRPr lang="en-IN" sz="1200">
+            <a:endParaRPr lang="en-IN" sz="1200" dirty="0">
               <a:latin typeface="Arial"/>
               <a:cs typeface="Arial"/>
             </a:endParaRPr>
           </a:p>
           <a:p>
             <a:r>
-              <a:rPr lang="en-IN" sz="1400" b="1">
+              <a:rPr lang="en-IN" sz="1200" b="1" dirty="0">
                 <a:latin typeface="Arial"/>
                 <a:cs typeface="Arial"/>
               </a:rPr>
               <a:t>Interpretation</a:t>
             </a:r>
             <a:r>
-              <a:rPr lang="en-IN" sz="1400">
+              <a:rPr lang="en-IN" sz="1200" dirty="0">
                 <a:latin typeface="Arial"/>
                 <a:cs typeface="Arial"/>
               </a:rPr>
@@ -6947,7 +9786,7 @@
               <a:buChar char="v"/>
             </a:pPr>
             <a:r>
-              <a:rPr lang="en-IN" sz="1200" b="1">
+              <a:rPr lang="en-IN" sz="1200" b="1" dirty="0">
                 <a:latin typeface="Arial"/>
                 <a:cs typeface="Arial"/>
               </a:rPr>
@@ -6956,7 +9795,7 @@
           </a:p>
           <a:p>
             <a:r>
-              <a:rPr lang="en-IN" sz="1200">
+              <a:rPr lang="en-IN" sz="1200" dirty="0">
                 <a:latin typeface="Arial"/>
                 <a:cs typeface="Arial"/>
               </a:rPr>
@@ -6969,7 +9808,7 @@
               <a:buChar char="v"/>
             </a:pPr>
             <a:r>
-              <a:rPr lang="en-IN" sz="1200" b="1">
+              <a:rPr lang="en-IN" sz="1200" b="1" dirty="0">
                 <a:latin typeface="Arial"/>
                 <a:cs typeface="Arial"/>
               </a:rPr>
@@ -6978,7 +9817,7 @@
           </a:p>
           <a:p>
             <a:r>
-              <a:rPr lang="en-IN" sz="1200">
+              <a:rPr lang="en-IN" sz="1200" dirty="0">
                 <a:latin typeface="Arial"/>
                 <a:cs typeface="Arial"/>
               </a:rPr>
@@ -6991,7 +9830,7 @@
               <a:buChar char="v"/>
             </a:pPr>
             <a:r>
-              <a:rPr lang="en-IN" sz="1200" b="1">
+              <a:rPr lang="en-IN" sz="1200" b="1" dirty="0">
                 <a:latin typeface="Arial"/>
                 <a:cs typeface="Arial"/>
               </a:rPr>
@@ -7000,7 +9839,7 @@
           </a:p>
           <a:p>
             <a:r>
-              <a:rPr lang="en-IN" sz="1200">
+              <a:rPr lang="en-IN" sz="1200" dirty="0">
                 <a:latin typeface="Arial"/>
                 <a:cs typeface="Arial"/>
               </a:rPr>
@@ -7009,6 +9848,36 @@
           </a:p>
         </p:txBody>
       </p:sp>
+      <p:pic>
+        <p:nvPicPr>
+          <p:cNvPr id="8" name="Picture 7">
+            <a:extLst>
+              <a:ext uri="{FF2B5EF4-FFF2-40B4-BE49-F238E27FC236}">
+                <a16:creationId xmlns:a16="http://schemas.microsoft.com/office/drawing/2014/main" id="{8D754B54-DD16-F5AD-3858-BD42529A58FD}"/>
+              </a:ext>
+            </a:extLst>
+          </p:cNvPr>
+          <p:cNvPicPr>
+            <a:picLocks noChangeAspect="1"/>
+          </p:cNvPicPr>
+          <p:nvPr/>
+        </p:nvPicPr>
+        <p:blipFill>
+          <a:blip r:embed="rId2"/>
+          <a:stretch>
+            <a:fillRect/>
+          </a:stretch>
+        </p:blipFill>
+        <p:spPr>
+          <a:xfrm>
+            <a:off x="8539231" y="2572785"/>
+            <a:ext cx="3195568" cy="1712430"/>
+          </a:xfrm>
+          <a:prstGeom prst="rect">
+            <a:avLst/>
+          </a:prstGeom>
+        </p:spPr>
+      </p:pic>
     </p:spTree>
     <p:extLst>
       <p:ext uri="{BB962C8B-B14F-4D97-AF65-F5344CB8AC3E}">
@@ -7240,7 +10109,7 @@
                         <a:buNone/>
                       </a:pPr>
                       <a:r>
-                        <a:rPr lang="en-US" sz="1600" b="0" i="0" u="none" strike="noStrike" noProof="0" dirty="0">
+                        <a:rPr lang="en-US" sz="1600" b="0" i="0" u="none" strike="noStrike" noProof="0">
                           <a:latin typeface="Calibri"/>
                         </a:rPr>
                         <a:t>Feature</a:t>
@@ -7259,12 +10128,12 @@
                         <a:buNone/>
                       </a:pPr>
                       <a:r>
-                        <a:rPr lang="en-US" sz="1600" b="0" i="0" u="none" strike="noStrike" noProof="0" dirty="0">
+                        <a:rPr lang="en-US" sz="1600" b="0" i="0" u="none" strike="noStrike" noProof="0">
                           <a:latin typeface="Calibri"/>
                         </a:rPr>
                         <a:t>Impact Level</a:t>
                       </a:r>
-                      <a:endParaRPr lang="en-US" sz="1600" dirty="0"/>
+                      <a:endParaRPr lang="en-US" sz="1600"/>
                     </a:p>
                   </a:txBody>
                   <a:tcPr/>
@@ -7287,7 +10156,7 @@
                         <a:buNone/>
                       </a:pPr>
                       <a:r>
-                        <a:rPr lang="en-US" sz="1600" b="0" i="0" u="none" strike="noStrike" noProof="0" dirty="0">
+                        <a:rPr lang="en-US" sz="1600" b="0" i="0" u="none" strike="noStrike" noProof="0">
                           <a:solidFill>
                             <a:srgbClr val="FFFFFF"/>
                           </a:solidFill>
@@ -7330,12 +10199,12 @@
                         <a:buNone/>
                       </a:pPr>
                       <a:r>
-                        <a:rPr lang="en-US" sz="1200" b="1" i="0" u="none" strike="noStrike" noProof="0" dirty="0">
+                        <a:rPr lang="en-US" sz="1200" b="1" i="0" u="none" strike="noStrike" noProof="0">
                           <a:latin typeface="Calibri"/>
                         </a:rPr>
                         <a:t>Distance</a:t>
                       </a:r>
-                      <a:endParaRPr lang="en-US" sz="1200" b="1" dirty="0"/>
+                      <a:endParaRPr lang="en-US" sz="1200" b="1"/>
                     </a:p>
                   </a:txBody>
                   <a:tcPr/>
@@ -7358,7 +10227,7 @@
                         <a:buNone/>
                       </a:pPr>
                       <a:r>
-                        <a:rPr lang="en-US" sz="1200" b="0" i="0" u="none" strike="noStrike" noProof="0" dirty="0">
+                        <a:rPr lang="en-US" sz="1200" b="0" i="0" u="none" strike="noStrike" noProof="0">
                           <a:latin typeface="Calibri"/>
                         </a:rPr>
                         <a:t>High (Dominant)</a:t>
@@ -7386,12 +10255,12 @@
                         <a:buNone/>
                       </a:pPr>
                       <a:r>
-                        <a:rPr lang="en-US" sz="1200" b="0" i="0" u="none" strike="noStrike" noProof="0" dirty="0">
+                        <a:rPr lang="en-US" sz="1200" b="0" i="0" u="none" strike="noStrike" noProof="0">
                           <a:latin typeface="Calibri"/>
                         </a:rPr>
                         <a:t>Taxi fares are primarily calculated based on the distance traveled.</a:t>
                       </a:r>
-                      <a:endParaRPr lang="en-US" sz="1200" dirty="0"/>
+                      <a:endParaRPr lang="en-US" sz="1200"/>
                     </a:p>
                   </a:txBody>
                   <a:tcPr/>
@@ -7421,7 +10290,7 @@
                         <a:buNone/>
                       </a:pPr>
                       <a:r>
-                        <a:rPr lang="en-US" sz="1200" b="1" i="0" u="none" strike="noStrike" noProof="0" dirty="0">
+                        <a:rPr lang="en-US" sz="1200" b="1" i="0" u="none" strike="noStrike" noProof="0">
                           <a:solidFill>
                             <a:srgbClr val="000000"/>
                           </a:solidFill>
@@ -7442,7 +10311,7 @@
                         <a:buNone/>
                       </a:pPr>
                       <a:r>
-                        <a:rPr lang="en-US" sz="1200" b="0" i="0" u="none" strike="noStrike" noProof="0" dirty="0">
+                        <a:rPr lang="en-US" sz="1200" b="0" i="0" u="none" strike="noStrike" noProof="0">
                           <a:solidFill>
                             <a:srgbClr val="000000"/>
                           </a:solidFill>
@@ -7473,7 +10342,7 @@
                         <a:buNone/>
                       </a:pPr>
                       <a:r>
-                        <a:rPr lang="en-US" sz="1200" b="0" i="0" u="none" strike="noStrike" noProof="0" dirty="0">
+                        <a:rPr lang="en-US" sz="1200" b="0" i="0" u="none" strike="noStrike" noProof="0">
                           <a:solidFill>
                             <a:srgbClr val="000000"/>
                           </a:solidFill>
@@ -7510,7 +10379,7 @@
                         <a:buNone/>
                       </a:pPr>
                       <a:r>
-                        <a:rPr lang="en-US" sz="1200" b="1" i="0" u="none" strike="noStrike" noProof="0" dirty="0">
+                        <a:rPr lang="en-US" sz="1200" b="1" i="0" u="none" strike="noStrike" noProof="0">
                           <a:solidFill>
                             <a:srgbClr val="000000"/>
                           </a:solidFill>
@@ -7531,7 +10400,7 @@
                         <a:buNone/>
                       </a:pPr>
                       <a:r>
-                        <a:rPr lang="en-US" sz="1200" b="0" i="0" u="none" strike="noStrike" noProof="0" dirty="0">
+                        <a:rPr lang="en-US" sz="1200" b="0" i="0" u="none" strike="noStrike" noProof="0">
                           <a:solidFill>
                             <a:srgbClr val="000000"/>
                           </a:solidFill>
@@ -7562,7 +10431,7 @@
                         <a:buNone/>
                       </a:pPr>
                       <a:r>
-                        <a:rPr lang="en-US" sz="1200" b="0" i="0" u="none" strike="noStrike" noProof="0" dirty="0">
+                        <a:rPr lang="en-US" sz="1200" b="0" i="0" u="none" strike="noStrike" noProof="0">
                           <a:solidFill>
                             <a:srgbClr val="000000"/>
                           </a:solidFill>
@@ -7599,7 +10468,7 @@
                         <a:buNone/>
                       </a:pPr>
                       <a:r>
-                        <a:rPr lang="en-US" sz="1200" b="1" i="0" u="none" strike="noStrike" noProof="0" dirty="0">
+                        <a:rPr lang="en-US" sz="1200" b="1" i="0" u="none" strike="noStrike" noProof="0">
                           <a:solidFill>
                             <a:srgbClr val="000000"/>
                           </a:solidFill>
@@ -7617,7 +10486,7 @@
                         <a:t>Dist</a:t>
                       </a:r>
                       <a:r>
-                        <a:rPr lang="en-US" sz="1200" b="1" i="0" u="none" strike="noStrike" noProof="0" dirty="0">
+                        <a:rPr lang="en-US" sz="1200" b="1" i="0" u="none" strike="noStrike" noProof="0">
                           <a:solidFill>
                             <a:srgbClr val="000000"/>
                           </a:solidFill>
@@ -7638,7 +10507,7 @@
                         <a:buNone/>
                       </a:pPr>
                       <a:r>
-                        <a:rPr lang="en-US" sz="1200" b="0" i="0" u="none" strike="noStrike" noProof="0" dirty="0">
+                        <a:rPr lang="en-US" sz="1200" b="0" i="0" u="none" strike="noStrike" noProof="0">
                           <a:solidFill>
                             <a:srgbClr val="000000"/>
                           </a:solidFill>
@@ -7669,7 +10538,7 @@
                         <a:buNone/>
                       </a:pPr>
                       <a:r>
-                        <a:rPr lang="en-US" sz="1200" b="0" i="0" u="none" strike="noStrike" noProof="0" dirty="0">
+                        <a:rPr lang="en-US" sz="1200" b="0" i="0" u="none" strike="noStrike" noProof="0">
                           <a:solidFill>
                             <a:srgbClr val="000000"/>
                           </a:solidFill>
@@ -7706,7 +10575,7 @@
                         <a:buNone/>
                       </a:pPr>
                       <a:r>
-                        <a:rPr lang="en-US" sz="1200" b="1" i="0" u="none" strike="noStrike" noProof="0" dirty="0">
+                        <a:rPr lang="en-US" sz="1200" b="1" i="0" u="none" strike="noStrike" noProof="0">
                           <a:solidFill>
                             <a:srgbClr val="000000"/>
                           </a:solidFill>
@@ -7727,7 +10596,7 @@
                         <a:buNone/>
                       </a:pPr>
                       <a:r>
-                        <a:rPr lang="en-US" sz="1200" b="0" i="0" u="none" strike="noStrike" noProof="0" dirty="0">
+                        <a:rPr lang="en-US" sz="1200" b="0" i="0" u="none" strike="noStrike" noProof="0">
                           <a:solidFill>
                             <a:srgbClr val="000000"/>
                           </a:solidFill>
@@ -7758,7 +10627,7 @@
                         <a:buNone/>
                       </a:pPr>
                       <a:r>
-                        <a:rPr lang="en-US" sz="1200" b="0" i="0" u="none" strike="noStrike" noProof="0" dirty="0">
+                        <a:rPr lang="en-US" sz="1200" b="0" i="0" u="none" strike="noStrike" noProof="0">
                           <a:solidFill>
                             <a:srgbClr val="000000"/>
                           </a:solidFill>
@@ -7786,7 +10655,7 @@
                         <a:buNone/>
                       </a:pPr>
                       <a:r>
-                        <a:rPr lang="en-US" sz="1200" b="1" i="0" u="none" strike="noStrike" noProof="0" dirty="0">
+                        <a:rPr lang="en-US" sz="1200" b="1" i="0" u="none" strike="noStrike" noProof="0">
                           <a:solidFill>
                             <a:srgbClr val="000000"/>
                           </a:solidFill>
@@ -7794,7 +10663,7 @@
                         </a:rPr>
                         <a:t>Traffic &amp; Weather Conditions</a:t>
                       </a:r>
-                      <a:endParaRPr lang="en-US" sz="1200" b="1" dirty="0"/>
+                      <a:endParaRPr lang="en-US" sz="1200" b="1"/>
                     </a:p>
                   </a:txBody>
                   <a:tcPr/>
@@ -7808,7 +10677,7 @@
                         <a:buNone/>
                       </a:pPr>
                       <a:r>
-                        <a:rPr lang="en-US" sz="1200" b="0" i="0" u="none" strike="noStrike" noProof="0" dirty="0">
+                        <a:rPr lang="en-US" sz="1200" b="0" i="0" u="none" strike="noStrike" noProof="0">
                           <a:solidFill>
                             <a:srgbClr val="000000"/>
                           </a:solidFill>
@@ -7839,7 +10708,7 @@
                         <a:buNone/>
                       </a:pPr>
                       <a:r>
-                        <a:rPr lang="en-US" sz="1200" b="0" i="0" u="none" strike="noStrike" noProof="0" dirty="0">
+                        <a:rPr lang="en-US" sz="1200" b="0" i="0" u="none" strike="noStrike" noProof="0">
                           <a:solidFill>
                             <a:srgbClr val="000000"/>
                           </a:solidFill>
@@ -7876,7 +10745,7 @@
                         <a:buNone/>
                       </a:pPr>
                       <a:r>
-                        <a:rPr lang="en-US" sz="1200" b="1" i="0" u="none" strike="noStrike" noProof="0" dirty="0">
+                        <a:rPr lang="en-US" sz="1200" b="1" i="0" u="none" strike="noStrike" noProof="0">
                           <a:solidFill>
                             <a:srgbClr val="000000"/>
                           </a:solidFill>
@@ -7897,7 +10766,7 @@
                         <a:buNone/>
                       </a:pPr>
                       <a:r>
-                        <a:rPr lang="en-US" sz="1200" b="0" i="0" u="none" strike="noStrike" noProof="0" dirty="0">
+                        <a:rPr lang="en-US" sz="1200" b="0" i="0" u="none" strike="noStrike" noProof="0">
                           <a:solidFill>
                             <a:srgbClr val="000000"/>
                           </a:solidFill>
@@ -7928,7 +10797,7 @@
                         <a:buNone/>
                       </a:pPr>
                       <a:r>
-                        <a:rPr lang="en-US" sz="1200" b="0" i="0" u="none" strike="noStrike" noProof="0" dirty="0">
+                        <a:rPr lang="en-US" sz="1200" b="0" i="0" u="none" strike="noStrike" noProof="0">
                           <a:solidFill>
                             <a:srgbClr val="000000"/>
                           </a:solidFill>
@@ -7956,7 +10825,7 @@
                         <a:buNone/>
                       </a:pPr>
                       <a:r>
-                        <a:rPr lang="en-US" sz="1200" b="1" i="0" u="none" strike="noStrike" noProof="0" dirty="0">
+                        <a:rPr lang="en-US" sz="1200" b="1" i="0" u="none" strike="noStrike" noProof="0">
                           <a:solidFill>
                             <a:srgbClr val="000000"/>
                           </a:solidFill>
@@ -7978,7 +10847,7 @@
                         <a:buNone/>
                       </a:pPr>
                       <a:r>
-                        <a:rPr lang="en-US" sz="1200" b="0" i="0" u="none" strike="noStrike" noProof="0" dirty="0">
+                        <a:rPr lang="en-US" sz="1200" b="0" i="0" u="none" strike="noStrike" noProof="0">
                           <a:solidFill>
                             <a:srgbClr val="000000"/>
                           </a:solidFill>
@@ -8009,7 +10878,7 @@
                         <a:buNone/>
                       </a:pPr>
                       <a:r>
-                        <a:rPr lang="en-US" sz="1200" b="0" i="0" u="none" strike="noStrike" noProof="0" dirty="0">
+                        <a:rPr lang="en-US" sz="1200" b="0" i="0" u="none" strike="noStrike" noProof="0">
                           <a:solidFill>
                             <a:srgbClr val="000000"/>
                           </a:solidFill>
@@ -8037,7 +10906,7 @@
                         <a:buNone/>
                       </a:pPr>
                       <a:r>
-                        <a:rPr lang="en-US" sz="1200" b="1" i="0" u="none" strike="noStrike" noProof="0" dirty="0">
+                        <a:rPr lang="en-US" sz="1200" b="1" i="0" u="none" strike="noStrike" noProof="0">
                           <a:solidFill>
                             <a:srgbClr val="000000"/>
                           </a:solidFill>
@@ -8059,7 +10928,7 @@
                         <a:buNone/>
                       </a:pPr>
                       <a:r>
-                        <a:rPr lang="en-US" sz="1200" b="0" i="0" u="none" strike="noStrike" noProof="0" dirty="0">
+                        <a:rPr lang="en-US" sz="1200" b="0" i="0" u="none" strike="noStrike" noProof="0">
                           <a:solidFill>
                             <a:srgbClr val="000000"/>
                           </a:solidFill>
@@ -8090,7 +10959,7 @@
                         <a:buNone/>
                       </a:pPr>
                       <a:r>
-                        <a:rPr lang="en-US" sz="1200" b="0" i="0" u="none" strike="noStrike" noProof="0" dirty="0">
+                        <a:rPr lang="en-US" sz="1200" b="0" i="0" u="none" strike="noStrike" noProof="0">
                           <a:solidFill>
                             <a:srgbClr val="000000"/>
                           </a:solidFill>
@@ -8224,7 +11093,7 @@
         </p:nvSpPr>
         <p:spPr>
           <a:xfrm>
-            <a:off x="457201" y="594359"/>
+            <a:off x="457201" y="244123"/>
             <a:ext cx="3200400" cy="2286000"/>
           </a:xfrm>
         </p:spPr>
@@ -8258,7 +11127,7 @@
         </p:nvSpPr>
         <p:spPr>
           <a:xfrm>
-            <a:off x="4583784" y="716031"/>
+            <a:off x="4800600" y="1397675"/>
             <a:ext cx="6588316" cy="2031325"/>
           </a:xfrm>
           <a:prstGeom prst="rect">
@@ -8277,7 +11146,7 @@
               <a:buChar char="•"/>
             </a:pPr>
             <a:r>
-              <a:rPr lang="en-IN">
+              <a:rPr lang="en-IN" dirty="0">
                 <a:latin typeface="Arial"/>
                 <a:ea typeface="+mn-lt"/>
                 <a:cs typeface="+mn-lt"/>
@@ -8285,7 +11154,7 @@
               <a:t>Exported the model using </a:t>
             </a:r>
             <a:r>
-              <a:rPr lang="en-IN" b="1" err="1">
+              <a:rPr lang="en-IN" b="1" dirty="0" err="1">
                 <a:latin typeface="Arial"/>
                 <a:ea typeface="+mn-lt"/>
                 <a:cs typeface="+mn-lt"/>
@@ -8293,7 +11162,7 @@
               <a:t>joblib</a:t>
             </a:r>
             <a:r>
-              <a:rPr lang="en-IN">
+              <a:rPr lang="en-IN" dirty="0">
                 <a:latin typeface="Arial"/>
                 <a:ea typeface="+mn-lt"/>
                 <a:cs typeface="+mn-lt"/>
@@ -8307,7 +11176,7 @@
               <a:buChar char="•"/>
             </a:pPr>
             <a:r>
-              <a:rPr lang="en-IN">
+              <a:rPr lang="en-IN" dirty="0">
                 <a:latin typeface="Arial"/>
                 <a:ea typeface="+mn-lt"/>
                 <a:cs typeface="+mn-lt"/>
@@ -8315,7 +11184,7 @@
               <a:t>Created the app using </a:t>
             </a:r>
             <a:r>
-              <a:rPr lang="en-IN" b="1" err="1">
+              <a:rPr lang="en-IN" b="1" dirty="0" err="1">
                 <a:latin typeface="Arial"/>
                 <a:ea typeface="+mn-lt"/>
                 <a:cs typeface="+mn-lt"/>
@@ -8323,14 +11192,14 @@
               <a:t>Streamlit's</a:t>
             </a:r>
             <a:r>
-              <a:rPr lang="en-IN">
+              <a:rPr lang="en-IN" dirty="0">
                 <a:latin typeface="Arial"/>
                 <a:ea typeface="+mn-lt"/>
                 <a:cs typeface="+mn-lt"/>
               </a:rPr>
               <a:t> intuitive API.</a:t>
             </a:r>
-            <a:endParaRPr lang="en-IN">
+            <a:endParaRPr lang="en-IN" dirty="0">
               <a:latin typeface="Arial"/>
               <a:ea typeface="Calibri" panose="020F0502020204030204"/>
               <a:cs typeface="Calibri" panose="020F0502020204030204"/>
@@ -8342,14 +11211,14 @@
               <a:buChar char="•"/>
             </a:pPr>
             <a:r>
-              <a:rPr lang="en-IN">
+              <a:rPr lang="en-IN" dirty="0">
                 <a:latin typeface="Arial"/>
                 <a:ea typeface="+mn-lt"/>
                 <a:cs typeface="+mn-lt"/>
               </a:rPr>
               <a:t>Ensured functionality by running the app locally.</a:t>
             </a:r>
-            <a:endParaRPr lang="en-IN">
+            <a:endParaRPr lang="en-IN" dirty="0">
               <a:latin typeface="Arial"/>
               <a:ea typeface="Calibri" panose="020F0502020204030204"/>
               <a:cs typeface="Calibri" panose="020F0502020204030204"/>
@@ -8361,7 +11230,7 @@
               <a:buChar char="•"/>
             </a:pPr>
             <a:r>
-              <a:rPr lang="en-IN">
+              <a:rPr lang="en-IN" dirty="0">
                 <a:latin typeface="Arial"/>
                 <a:ea typeface="+mn-lt"/>
                 <a:cs typeface="+mn-lt"/>
@@ -8369,7 +11238,7 @@
               <a:t>Connected </a:t>
             </a:r>
             <a:r>
-              <a:rPr lang="en-IN" err="1">
+              <a:rPr lang="en-IN" dirty="0" err="1">
                 <a:latin typeface="Arial"/>
                 <a:ea typeface="+mn-lt"/>
                 <a:cs typeface="+mn-lt"/>
@@ -8377,7 +11246,7 @@
               <a:t>streamlit</a:t>
             </a:r>
             <a:r>
-              <a:rPr lang="en-IN">
+              <a:rPr lang="en-IN" dirty="0">
                 <a:latin typeface="Arial"/>
                 <a:ea typeface="+mn-lt"/>
                 <a:cs typeface="+mn-lt"/>
@@ -8385,7 +11254,7 @@
               <a:t> with </a:t>
             </a:r>
             <a:r>
-              <a:rPr lang="en-IN" err="1">
+              <a:rPr lang="en-IN" dirty="0" err="1">
                 <a:latin typeface="Arial"/>
                 <a:ea typeface="+mn-lt"/>
                 <a:cs typeface="+mn-lt"/>
@@ -8393,14 +11262,14 @@
               <a:t>github</a:t>
             </a:r>
             <a:r>
-              <a:rPr lang="en-IN">
+              <a:rPr lang="en-IN" dirty="0">
                 <a:latin typeface="Arial"/>
                 <a:ea typeface="+mn-lt"/>
                 <a:cs typeface="+mn-lt"/>
               </a:rPr>
               <a:t> repository.</a:t>
             </a:r>
-            <a:endParaRPr lang="en-IN">
+            <a:endParaRPr lang="en-IN" dirty="0">
               <a:latin typeface="Arial"/>
               <a:ea typeface="Calibri" panose="020F0502020204030204"/>
               <a:cs typeface="Calibri" panose="020F0502020204030204"/>
@@ -8412,7 +11281,7 @@
               <a:buChar char="•"/>
             </a:pPr>
             <a:r>
-              <a:rPr lang="en-IN">
+              <a:rPr lang="en-IN" dirty="0">
                 <a:latin typeface="Arial"/>
                 <a:ea typeface="+mn-lt"/>
                 <a:cs typeface="+mn-lt"/>
@@ -8420,7 +11289,7 @@
               <a:t>Deployed the application via </a:t>
             </a:r>
             <a:r>
-              <a:rPr lang="en-IN" err="1">
+              <a:rPr lang="en-IN" dirty="0" err="1">
                 <a:latin typeface="Arial"/>
                 <a:ea typeface="+mn-lt"/>
                 <a:cs typeface="+mn-lt"/>
@@ -8428,14 +11297,14 @@
               <a:t>Streamlit</a:t>
             </a:r>
             <a:r>
-              <a:rPr lang="en-IN">
+              <a:rPr lang="en-IN" dirty="0">
                 <a:latin typeface="Arial"/>
                 <a:ea typeface="+mn-lt"/>
                 <a:cs typeface="+mn-lt"/>
               </a:rPr>
               <a:t> Community Cloud.</a:t>
             </a:r>
-            <a:endParaRPr lang="en-IN">
+            <a:endParaRPr lang="en-IN" dirty="0">
               <a:latin typeface="Arial"/>
               <a:ea typeface="Calibri" panose="020F0502020204030204"/>
               <a:cs typeface="Calibri" panose="020F0502020204030204"/>
@@ -8447,7 +11316,7 @@
               <a:buChar char="•"/>
             </a:pPr>
             <a:r>
-              <a:rPr lang="en-IN">
+              <a:rPr lang="en-IN" dirty="0">
                 <a:latin typeface="Arial"/>
                 <a:ea typeface="+mn-lt"/>
                 <a:cs typeface="+mn-lt"/>
@@ -8455,7 +11324,7 @@
               <a:t>URL to the app : </a:t>
             </a:r>
             <a:r>
-              <a:rPr lang="en-IN">
+              <a:rPr lang="en-IN" dirty="0">
                 <a:latin typeface="Arial"/>
                 <a:ea typeface="+mn-lt"/>
                 <a:cs typeface="+mn-lt"/>
@@ -8463,7 +11332,7 @@
               </a:rPr>
               <a:t>Taxi Fare Prediction</a:t>
             </a:r>
-            <a:endParaRPr lang="en-IN">
+            <a:endParaRPr lang="en-IN" dirty="0">
               <a:latin typeface="Arial"/>
               <a:ea typeface="Calibri" panose="020F0502020204030204"/>
               <a:cs typeface="Calibri" panose="020F0502020204030204"/>
@@ -8474,7 +11343,7 @@
               <a:buFont typeface="Arial"/>
               <a:buChar char="•"/>
             </a:pPr>
-            <a:endParaRPr lang="en-IN" b="1">
+            <a:endParaRPr lang="en-IN" b="1" dirty="0">
               <a:latin typeface="Arial"/>
               <a:ea typeface="Calibri"/>
               <a:cs typeface="Calibri"/>
@@ -8504,7 +11373,7 @@
         </p:blipFill>
         <p:spPr>
           <a:xfrm>
-            <a:off x="455370" y="3142392"/>
+            <a:off x="455370" y="2744827"/>
             <a:ext cx="2756242" cy="2645832"/>
           </a:xfrm>
           <a:prstGeom prst="rect">
@@ -8566,14 +11435,14 @@
           <a:lstStyle/>
           <a:p>
             <a:r>
-              <a:rPr lang="en-US" sz="3200" b="1" dirty="0">
+              <a:rPr lang="en-US" sz="3200" b="1">
                 <a:solidFill>
                   <a:schemeClr val="bg1"/>
                 </a:solidFill>
               </a:rPr>
               <a:t>Challenges and Risks</a:t>
             </a:r>
-            <a:endParaRPr lang="en-SG" sz="3200" dirty="0">
+            <a:endParaRPr lang="en-SG" sz="3200">
               <a:solidFill>
                 <a:schemeClr val="bg1"/>
               </a:solidFill>
@@ -8611,84 +11480,81 @@
           <a:p>
             <a:pPr marL="215900" indent="-215900"/>
             <a:r>
-              <a:rPr lang="en-US" sz="2400" dirty="0">
+              <a:rPr lang="en-US" sz="1800" b="1" dirty="0">
                 <a:solidFill>
                   <a:schemeClr val="tx1"/>
                 </a:solidFill>
-                <a:latin typeface="Graphik Regular"/>
-              </a:rPr>
-              <a:t>Potential difficulties you might face</a:t>
-            </a:r>
-            <a:r>
-              <a:rPr lang="en-US" dirty="0">
+                <a:latin typeface="Arial"/>
+                <a:cs typeface="Arial"/>
+              </a:rPr>
+              <a:t>Challenges</a:t>
+            </a:r>
+          </a:p>
+          <a:p>
+            <a:pPr marL="215900" indent="-215900"/>
+            <a:endParaRPr lang="en-US" sz="1800" dirty="0">
+              <a:solidFill>
+                <a:schemeClr val="tx1"/>
+              </a:solidFill>
+              <a:latin typeface="Arial"/>
+              <a:cs typeface="Arial"/>
+            </a:endParaRPr>
+          </a:p>
+          <a:p>
+            <a:pPr marL="215900" indent="-215900"/>
+            <a:endParaRPr lang="en-US" sz="1800" dirty="0">
+              <a:solidFill>
+                <a:schemeClr val="tx1"/>
+              </a:solidFill>
+              <a:latin typeface="Arial"/>
+              <a:cs typeface="Arial"/>
+            </a:endParaRPr>
+          </a:p>
+          <a:p>
+            <a:pPr marL="215900" indent="-215900"/>
+            <a:endParaRPr lang="en-US" sz="1800" dirty="0">
+              <a:solidFill>
+                <a:schemeClr val="tx1"/>
+              </a:solidFill>
+              <a:latin typeface="Arial"/>
+              <a:cs typeface="Arial"/>
+            </a:endParaRPr>
+          </a:p>
+          <a:p>
+            <a:pPr marL="0" indent="0">
+              <a:buNone/>
+            </a:pPr>
+            <a:endParaRPr lang="en-US" sz="1800" dirty="0">
+              <a:solidFill>
+                <a:schemeClr val="tx1"/>
+              </a:solidFill>
+              <a:latin typeface="Arial"/>
+              <a:cs typeface="Arial"/>
+            </a:endParaRPr>
+          </a:p>
+          <a:p>
+            <a:pPr marL="0" indent="0">
+              <a:buNone/>
+            </a:pPr>
+            <a:endParaRPr lang="en-US" sz="1800" dirty="0">
+              <a:solidFill>
+                <a:schemeClr val="tx1"/>
+              </a:solidFill>
+              <a:latin typeface="Arial"/>
+              <a:cs typeface="Arial"/>
+            </a:endParaRPr>
+          </a:p>
+          <a:p>
+            <a:pPr marL="215900" indent="-215900"/>
+            <a:r>
+              <a:rPr lang="en-US" sz="1800" b="1" dirty="0">
                 <a:solidFill>
                   <a:schemeClr val="tx1"/>
                 </a:solidFill>
-                <a:latin typeface="Graphik Regular"/>
-              </a:rPr>
-              <a:t> </a:t>
-            </a:r>
-            <a:endParaRPr lang="en-US">
-              <a:solidFill>
-                <a:schemeClr val="tx1"/>
-              </a:solidFill>
-              <a:latin typeface="Graphik Regular"/>
-            </a:endParaRPr>
-          </a:p>
-          <a:p>
-            <a:pPr marL="215900" indent="-215900"/>
-            <a:endParaRPr lang="en-US" dirty="0">
-              <a:solidFill>
-                <a:schemeClr val="tx1"/>
-              </a:solidFill>
-            </a:endParaRPr>
-          </a:p>
-          <a:p>
-            <a:pPr marL="215900" indent="-215900"/>
-            <a:endParaRPr lang="en-US" dirty="0">
-              <a:solidFill>
-                <a:schemeClr val="tx1"/>
-              </a:solidFill>
-            </a:endParaRPr>
-          </a:p>
-          <a:p>
-            <a:pPr marL="215900" indent="-215900"/>
-            <a:endParaRPr lang="en-US" dirty="0">
-              <a:solidFill>
-                <a:schemeClr val="tx1"/>
-              </a:solidFill>
-            </a:endParaRPr>
-          </a:p>
-          <a:p>
-            <a:pPr marL="0" indent="0">
-              <a:buNone/>
-            </a:pPr>
-            <a:endParaRPr lang="en-US" dirty="0">
-              <a:solidFill>
-                <a:schemeClr val="tx1"/>
-              </a:solidFill>
-            </a:endParaRPr>
-          </a:p>
-          <a:p>
-            <a:pPr marL="0" indent="0">
-              <a:buNone/>
-            </a:pPr>
-            <a:endParaRPr lang="en-US" dirty="0">
-              <a:solidFill>
-                <a:schemeClr val="tx1"/>
-              </a:solidFill>
-            </a:endParaRPr>
-          </a:p>
-          <a:p>
-            <a:pPr marL="215900" indent="-215900"/>
-            <a:r>
-              <a:rPr lang="en-US" sz="2400" dirty="0">
-                <a:solidFill>
-                  <a:schemeClr val="tx1"/>
-                </a:solidFill>
-                <a:latin typeface="Graphik Regular"/>
-              </a:rPr>
-              <a:t>How you plan to mitigate them</a:t>
+                <a:latin typeface="Arial"/>
+                <a:cs typeface="Arial"/>
+              </a:rPr>
+              <a:t>Mitigation</a:t>
             </a:r>
           </a:p>
         </p:txBody>
@@ -8798,7 +11664,7 @@
         <p:spPr>
           <a:xfrm>
             <a:off x="5040984" y="872450"/>
-            <a:ext cx="6251858" cy="1754326"/>
+            <a:ext cx="6251858" cy="1569660"/>
           </a:xfrm>
           <a:prstGeom prst="rect">
             <a:avLst/>
@@ -8816,12 +11682,16 @@
               <a:buChar char="•"/>
             </a:pPr>
             <a:r>
-              <a:rPr lang="en-US" dirty="0"/>
+              <a:rPr lang="en-US" sz="1600">
+                <a:latin typeface="Arial"/>
+                <a:cs typeface="Arial"/>
+              </a:rPr>
               <a:t>Missing Data</a:t>
             </a:r>
-            <a:endParaRPr lang="en-US" dirty="0">
+            <a:endParaRPr lang="en-US" sz="1600">
+              <a:latin typeface="Arial"/>
               <a:ea typeface="Calibri"/>
-              <a:cs typeface="Calibri"/>
+              <a:cs typeface="Arial"/>
             </a:endParaRPr>
           </a:p>
           <a:p>
@@ -8830,12 +11700,16 @@
               <a:buChar char="•"/>
             </a:pPr>
             <a:r>
-              <a:rPr lang="en-US" dirty="0"/>
+              <a:rPr lang="en-US" sz="1600">
+                <a:latin typeface="Arial"/>
+                <a:cs typeface="Arial"/>
+              </a:rPr>
               <a:t>Outliers</a:t>
             </a:r>
-            <a:endParaRPr lang="en-US" dirty="0">
+            <a:endParaRPr lang="en-US" sz="1600">
+              <a:latin typeface="Arial"/>
               <a:ea typeface="Calibri"/>
-              <a:cs typeface="Calibri"/>
+              <a:cs typeface="Arial"/>
             </a:endParaRPr>
           </a:p>
           <a:p>
@@ -8844,12 +11718,16 @@
               <a:buChar char="•"/>
             </a:pPr>
             <a:r>
-              <a:rPr lang="en-US" dirty="0"/>
+              <a:rPr lang="en-US" sz="1600">
+                <a:latin typeface="Arial"/>
+                <a:cs typeface="Arial"/>
+              </a:rPr>
               <a:t>Imbalanced Data</a:t>
             </a:r>
-            <a:endParaRPr lang="en-US" dirty="0">
+            <a:endParaRPr lang="en-US" sz="1600">
+              <a:latin typeface="Arial"/>
               <a:ea typeface="Calibri"/>
-              <a:cs typeface="Calibri"/>
+              <a:cs typeface="Arial"/>
             </a:endParaRPr>
           </a:p>
           <a:p>
@@ -8858,12 +11736,16 @@
               <a:buChar char="•"/>
             </a:pPr>
             <a:r>
-              <a:rPr lang="en-US" dirty="0"/>
+              <a:rPr lang="en-US" sz="1600">
+                <a:latin typeface="Arial"/>
+                <a:cs typeface="Arial"/>
+              </a:rPr>
               <a:t>Feature Engineering Complexity</a:t>
             </a:r>
-            <a:endParaRPr lang="en-US" dirty="0">
+            <a:endParaRPr lang="en-US" sz="1600">
+              <a:latin typeface="Arial"/>
               <a:ea typeface="Calibri"/>
-              <a:cs typeface="Calibri"/>
+              <a:cs typeface="Arial"/>
             </a:endParaRPr>
           </a:p>
           <a:p>
@@ -8872,12 +11754,16 @@
               <a:buChar char="•"/>
             </a:pPr>
             <a:r>
-              <a:rPr lang="en-US" dirty="0"/>
+              <a:rPr lang="en-US" sz="1600">
+                <a:latin typeface="Arial"/>
+                <a:cs typeface="Arial"/>
+              </a:rPr>
               <a:t>Spatial Data Challenges (Geographical Coordinates)</a:t>
             </a:r>
-            <a:endParaRPr lang="en-US">
+            <a:endParaRPr lang="en-US" sz="1600">
+              <a:latin typeface="Arial"/>
               <a:ea typeface="Calibri"/>
-              <a:cs typeface="Calibri"/>
+              <a:cs typeface="Arial"/>
             </a:endParaRPr>
           </a:p>
           <a:p>
@@ -8886,10 +11772,16 @@
               <a:buChar char="•"/>
             </a:pPr>
             <a:r>
-              <a:rPr lang="en-US" dirty="0"/>
+              <a:rPr lang="en-US" sz="1600">
+                <a:latin typeface="Arial"/>
+                <a:cs typeface="Arial"/>
+              </a:rPr>
               <a:t>Overfitting or Underfitting</a:t>
             </a:r>
-            <a:endParaRPr lang="en-IN" dirty="0"/>
+            <a:endParaRPr lang="en-IN" sz="1600">
+              <a:latin typeface="Arial"/>
+              <a:cs typeface="Arial"/>
+            </a:endParaRPr>
           </a:p>
         </p:txBody>
       </p:sp>
@@ -8908,7 +11800,7 @@
         <p:spPr>
           <a:xfrm>
             <a:off x="4920793" y="3584664"/>
-            <a:ext cx="6492240" cy="2585323"/>
+            <a:ext cx="6492240" cy="2308324"/>
           </a:xfrm>
           <a:prstGeom prst="rect">
             <a:avLst/>
@@ -8926,7 +11818,10 @@
               <a:buChar char="•"/>
             </a:pPr>
             <a:r>
-              <a:rPr lang="en-US" dirty="0"/>
+              <a:rPr lang="en-US" sz="1600">
+                <a:latin typeface="Arial"/>
+                <a:cs typeface="Arial"/>
+              </a:rPr>
               <a:t>Handle missing values by imputation or discarding incomplete records.</a:t>
             </a:r>
           </a:p>
@@ -8936,12 +11831,16 @@
               <a:buChar char="•"/>
             </a:pPr>
             <a:r>
-              <a:rPr lang="en-US" dirty="0"/>
+              <a:rPr lang="en-US" sz="1600">
+                <a:latin typeface="Arial"/>
+                <a:cs typeface="Arial"/>
+              </a:rPr>
               <a:t>Detect and remove outliers using statistical methods like z-score or IQR.</a:t>
             </a:r>
-            <a:endParaRPr lang="en-US" dirty="0">
+            <a:endParaRPr lang="en-US" sz="1600">
+              <a:latin typeface="Arial"/>
               <a:ea typeface="Calibri"/>
-              <a:cs typeface="Calibri"/>
+              <a:cs typeface="Arial"/>
             </a:endParaRPr>
           </a:p>
           <a:p>
@@ -8950,12 +11849,16 @@
               <a:buChar char="•"/>
             </a:pPr>
             <a:r>
-              <a:rPr lang="en-US" dirty="0"/>
+              <a:rPr lang="en-US" sz="1600">
+                <a:latin typeface="Arial"/>
+                <a:cs typeface="Arial"/>
+              </a:rPr>
               <a:t>Engineer additional features like time of day, day of week, or external data (e.g., weather).</a:t>
             </a:r>
-            <a:endParaRPr lang="en-US" dirty="0">
+            <a:endParaRPr lang="en-US" sz="1600">
+              <a:latin typeface="Arial"/>
               <a:ea typeface="Calibri"/>
-              <a:cs typeface="Calibri"/>
+              <a:cs typeface="Arial"/>
             </a:endParaRPr>
           </a:p>
           <a:p>
@@ -8964,7 +11867,10 @@
               <a:buChar char="•"/>
             </a:pPr>
             <a:r>
-              <a:rPr lang="en-US" dirty="0"/>
+              <a:rPr lang="en-US" sz="1600">
+                <a:latin typeface="Arial"/>
+                <a:cs typeface="Arial"/>
+              </a:rPr>
               <a:t>Select appropriate evaluation metrics like MAE, RMSE and R2 errors aligned with the business objective.</a:t>
             </a:r>
           </a:p>
@@ -8974,10 +11880,16 @@
               <a:buChar char="•"/>
             </a:pPr>
             <a:r>
-              <a:rPr lang="en-US" dirty="0"/>
+              <a:rPr lang="en-US" sz="1600">
+                <a:latin typeface="Arial"/>
+                <a:cs typeface="Arial"/>
+              </a:rPr>
               <a:t>Use cross-validation to avoid overfitting.</a:t>
             </a:r>
-            <a:endParaRPr lang="en-IN" dirty="0"/>
+            <a:endParaRPr lang="en-IN" sz="1600">
+              <a:latin typeface="Arial"/>
+              <a:cs typeface="Arial"/>
+            </a:endParaRPr>
           </a:p>
         </p:txBody>
       </p:sp>
@@ -9015,6 +11927,126 @@
     <p:extLst>
       <p:ext uri="{BB962C8B-B14F-4D97-AF65-F5344CB8AC3E}">
         <p14:creationId xmlns:p14="http://schemas.microsoft.com/office/powerpoint/2010/main" val="3097419668"/>
+      </p:ext>
+    </p:extLst>
+  </p:cSld>
+  <p:clrMapOvr>
+    <a:masterClrMapping/>
+  </p:clrMapOvr>
+</p:sld>
+</file>
+
+<file path=ppt/slides/slide18.xml><?xml version="1.0" encoding="utf-8"?>
+<p:sld xmlns:a="http://schemas.openxmlformats.org/drawingml/2006/main" xmlns:r="http://schemas.openxmlformats.org/officeDocument/2006/relationships" xmlns:p="http://schemas.openxmlformats.org/presentationml/2006/main">
+  <p:cSld>
+    <p:spTree>
+      <p:nvGrpSpPr>
+        <p:cNvPr id="1" name=""/>
+        <p:cNvGrpSpPr/>
+        <p:nvPr/>
+      </p:nvGrpSpPr>
+      <p:grpSpPr>
+        <a:xfrm>
+          <a:off x="0" y="0"/>
+          <a:ext cx="0" cy="0"/>
+          <a:chOff x="0" y="0"/>
+          <a:chExt cx="0" cy="0"/>
+        </a:xfrm>
+      </p:grpSpPr>
+      <p:sp>
+        <p:nvSpPr>
+          <p:cNvPr id="2" name="Title 1">
+            <a:extLst>
+              <a:ext uri="{FF2B5EF4-FFF2-40B4-BE49-F238E27FC236}">
+                <a16:creationId xmlns:a16="http://schemas.microsoft.com/office/drawing/2014/main" id="{6EF3EF57-09BF-AAFD-83C3-A8F3151221FA}"/>
+              </a:ext>
+            </a:extLst>
+          </p:cNvPr>
+          <p:cNvSpPr>
+            <a:spLocks noGrp="1"/>
+          </p:cNvSpPr>
+          <p:nvPr>
+            <p:ph type="ctrTitle"/>
+          </p:nvPr>
+        </p:nvSpPr>
+        <p:spPr/>
+        <p:txBody>
+          <a:bodyPr/>
+          <a:lstStyle/>
+          <a:p>
+            <a:pPr algn="ctr"/>
+            <a:r>
+              <a:rPr lang="en-US">
+                <a:latin typeface="Graphik Semibold"/>
+              </a:rPr>
+              <a:t>Thank You</a:t>
+            </a:r>
+            <a:endParaRPr lang="en-US"/>
+          </a:p>
+        </p:txBody>
+      </p:sp>
+      <p:sp>
+        <p:nvSpPr>
+          <p:cNvPr id="5" name="Footer Placeholder 4">
+            <a:extLst>
+              <a:ext uri="{FF2B5EF4-FFF2-40B4-BE49-F238E27FC236}">
+                <a16:creationId xmlns:a16="http://schemas.microsoft.com/office/drawing/2014/main" id="{6A34DBE0-68C7-A178-5C22-BF8A4356BC64}"/>
+              </a:ext>
+            </a:extLst>
+          </p:cNvPr>
+          <p:cNvSpPr>
+            <a:spLocks noGrp="1"/>
+          </p:cNvSpPr>
+          <p:nvPr>
+            <p:ph type="ftr" sz="quarter" idx="11"/>
+          </p:nvPr>
+        </p:nvSpPr>
+        <p:spPr/>
+        <p:txBody>
+          <a:bodyPr/>
+          <a:lstStyle/>
+          <a:p>
+            <a:r>
+              <a:rPr lang="it-IT"/>
+              <a:t>DA 204o: Data Science in Practice</a:t>
+            </a:r>
+            <a:endParaRPr lang="en-SG"/>
+          </a:p>
+        </p:txBody>
+      </p:sp>
+      <p:sp>
+        <p:nvSpPr>
+          <p:cNvPr id="6" name="Slide Number Placeholder 5">
+            <a:extLst>
+              <a:ext uri="{FF2B5EF4-FFF2-40B4-BE49-F238E27FC236}">
+                <a16:creationId xmlns:a16="http://schemas.microsoft.com/office/drawing/2014/main" id="{91019F33-308D-E4F1-50FC-8BA75FCAAB61}"/>
+              </a:ext>
+            </a:extLst>
+          </p:cNvPr>
+          <p:cNvSpPr>
+            <a:spLocks noGrp="1"/>
+          </p:cNvSpPr>
+          <p:nvPr>
+            <p:ph type="sldNum" sz="quarter" idx="12"/>
+          </p:nvPr>
+        </p:nvSpPr>
+        <p:spPr/>
+        <p:txBody>
+          <a:bodyPr/>
+          <a:lstStyle/>
+          <a:p>
+            <a:fld id="{BF1758FF-0BF1-4103-A89A-38EC40E85429}" type="slidenum">
+              <a:rPr lang="en-SG" smtClean="0"/>
+              <a:t>18</a:t>
+            </a:fld>
+            <a:endParaRPr lang="en-SG"/>
+          </a:p>
+        </p:txBody>
+      </p:sp>
+    </p:spTree>
+    <p:extLst>
+      <p:ext uri="{BB962C8B-B14F-4D97-AF65-F5344CB8AC3E}">
+        <p14:creationId xmlns:p14="http://schemas.microsoft.com/office/powerpoint/2010/main" val="3218706866"/>
       </p:ext>
     </p:extLst>
   </p:cSld>
@@ -9065,14 +12097,14 @@
           <a:lstStyle/>
           <a:p>
             <a:r>
-              <a:rPr lang="en-US" sz="3200" b="1" dirty="0">
+              <a:rPr lang="en-US" sz="3200" b="1">
                 <a:solidFill>
                   <a:schemeClr val="bg1"/>
                 </a:solidFill>
               </a:rPr>
               <a:t>Problem Definition</a:t>
             </a:r>
-            <a:endParaRPr lang="en-SG" sz="3200" dirty="0">
+            <a:endParaRPr lang="en-SG" sz="3200">
               <a:solidFill>
                 <a:schemeClr val="bg1"/>
               </a:solidFill>
@@ -9467,7 +12499,7 @@
               <a:buFont typeface="Courier New" panose="020B0604020202020204" pitchFamily="34" charset="0"/>
               <a:buChar char="o"/>
             </a:pPr>
-            <a:endParaRPr lang="en-US" dirty="0">
+            <a:endParaRPr lang="en-US">
               <a:solidFill>
                 <a:schemeClr val="tx1"/>
               </a:solidFill>
@@ -9609,7 +12641,7 @@
           <p:nvPr>
             <p:extLst>
               <p:ext uri="{D42A27DB-BD31-4B8C-83A1-F6EECF244321}">
-                <p14:modId xmlns:p14="http://schemas.microsoft.com/office/powerpoint/2010/main" val="65843858"/>
+                <p14:modId xmlns:p14="http://schemas.microsoft.com/office/powerpoint/2010/main" val="2475675446"/>
               </p:ext>
             </p:extLst>
           </p:nvPr>
@@ -9690,7 +12722,7 @@
                     <a:p>
                       <a:pPr algn="l"/>
                       <a:r>
-                        <a:rPr lang="en-US" sz="1800" b="1" dirty="0">
+                        <a:rPr lang="en-US" sz="1800" b="1">
                           <a:solidFill>
                             <a:schemeClr val="tx1"/>
                           </a:solidFill>
@@ -9699,7 +12731,7 @@
                         </a:rPr>
                         <a:t>Data Science Canvas</a:t>
                       </a:r>
-                      <a:endParaRPr lang="en-SG" sz="1800" b="1" dirty="0">
+                      <a:endParaRPr lang="en-SG" sz="1800" b="1">
                         <a:solidFill>
                           <a:schemeClr val="tx1"/>
                         </a:solidFill>
@@ -9782,7 +12814,7 @@
                     <a:lstStyle/>
                     <a:p>
                       <a:r>
-                        <a:rPr lang="en-US" sz="1400" b="1" dirty="0">
+                        <a:rPr lang="en-US" sz="1400" b="1">
                           <a:solidFill>
                             <a:schemeClr val="tx1"/>
                           </a:solidFill>
@@ -9791,7 +12823,7 @@
                         </a:rPr>
                         <a:t>Project:</a:t>
                       </a:r>
-                      <a:endParaRPr lang="en-SG" sz="1400" b="1" dirty="0">
+                      <a:endParaRPr lang="en-SG" sz="1400" b="1">
                         <a:solidFill>
                           <a:schemeClr val="tx1"/>
                         </a:solidFill>
@@ -9848,23 +12880,34 @@
                     <a:lstStyle/>
                     <a:p>
                       <a:r>
-                        <a:rPr lang="en-US" sz="1400" b="1" dirty="0" err="1"/>
+                        <a:rPr lang="en-US" sz="1200" kern="1200" err="1">
+                          <a:solidFill>
+                            <a:schemeClr val="tx1"/>
+                          </a:solidFill>
+                          <a:latin typeface="Arial"/>
+                          <a:ea typeface="+mn-ea"/>
+                          <a:cs typeface="Arial"/>
+                        </a:rPr>
                         <a:t>TaxiFare</a:t>
                       </a:r>
                       <a:r>
-                        <a:rPr lang="en-US" sz="1400" b="1" dirty="0"/>
-                        <a:t> Forecast</a:t>
+                        <a:rPr lang="en-US" sz="1200" kern="1200">
+                          <a:solidFill>
+                            <a:schemeClr val="tx1"/>
+                          </a:solidFill>
+                          <a:latin typeface="Arial"/>
+                          <a:ea typeface="+mn-ea"/>
+                          <a:cs typeface="Arial"/>
+                        </a:rPr>
+                        <a:t> Forecast – Enhancing Fare Accuracy with Machine Learning</a:t>
                       </a:r>
-                      <a:r>
-                        <a:rPr lang="en-US" sz="1400" dirty="0"/>
-                        <a:t> – Enhancing Fare Accuracy with Machine Learning</a:t>
-                      </a:r>
-                      <a:endParaRPr lang="en-SG" sz="1400" dirty="0">
+                      <a:endParaRPr lang="en-SG" sz="1200" kern="1200">
                         <a:solidFill>
                           <a:schemeClr val="tx1"/>
                         </a:solidFill>
-                        <a:latin typeface="Arial" panose="020B0604020202020204" pitchFamily="34" charset="0"/>
-                        <a:cs typeface="Arial" panose="020B0604020202020204" pitchFamily="34" charset="0"/>
+                        <a:latin typeface="Arial"/>
+                        <a:ea typeface="+mn-ea"/>
+                        <a:cs typeface="Arial"/>
                       </a:endParaRPr>
                     </a:p>
                   </a:txBody>
@@ -9995,7 +13038,7 @@
                     <a:lstStyle/>
                     <a:p>
                       <a:r>
-                        <a:rPr lang="en-US" sz="1400" b="1" dirty="0">
+                        <a:rPr lang="en-US" sz="1400" b="1">
                           <a:solidFill>
                             <a:schemeClr val="tx1"/>
                           </a:solidFill>
@@ -10004,7 +13047,7 @@
                         </a:rPr>
                         <a:t>Team:</a:t>
                       </a:r>
-                      <a:endParaRPr lang="en-SG" sz="1400" b="1" dirty="0">
+                      <a:endParaRPr lang="en-SG" sz="1400" b="1">
                         <a:solidFill>
                           <a:schemeClr val="tx1"/>
                         </a:solidFill>
@@ -10061,7 +13104,7 @@
                     <a:lstStyle/>
                     <a:p>
                       <a:r>
-                        <a:rPr lang="en-SG" sz="1400" dirty="0">
+                        <a:rPr lang="en-SG" sz="1200">
                           <a:solidFill>
                             <a:schemeClr val="tx1"/>
                           </a:solidFill>
@@ -10161,13 +13204,13 @@
                     <a:p>
                       <a:pPr algn="ctr"/>
                       <a:r>
-                        <a:rPr lang="en-US" sz="1600" b="1" dirty="0">
+                        <a:rPr lang="en-US" sz="1600" b="1">
                           <a:latin typeface="Arial"/>
                           <a:cs typeface="Arial"/>
                         </a:rPr>
                         <a:t>Problem Statement</a:t>
                       </a:r>
-                      <a:endParaRPr lang="en-SG" sz="1600" b="1" dirty="0">
+                      <a:endParaRPr lang="en-SG" sz="1600" b="1">
                         <a:latin typeface="Arial"/>
                         <a:cs typeface="Arial"/>
                       </a:endParaRPr>
@@ -10252,7 +13295,7 @@
                     <a:p>
                       <a:pPr algn="ctr"/>
                       <a:r>
-                        <a:rPr lang="en-SG" sz="1600" b="1" dirty="0">
+                        <a:rPr lang="en-SG" sz="1600" b="1">
                           <a:latin typeface="Arial" panose="020B0604020202020204" pitchFamily="34" charset="0"/>
                           <a:cs typeface="Arial" panose="020B0604020202020204" pitchFamily="34" charset="0"/>
                         </a:rPr>
@@ -10319,13 +13362,13 @@
                     <a:p>
                       <a:pPr algn="ctr"/>
                       <a:r>
-                        <a:rPr lang="en-SG" sz="1400" b="1" dirty="0">
+                        <a:rPr lang="en-SG" sz="1400" b="1">
                           <a:latin typeface="Arial"/>
                           <a:cs typeface="Arial"/>
                         </a:rPr>
                         <a:t>Data Collection &amp; Preparation</a:t>
                       </a:r>
-                      <a:endParaRPr lang="en-SG" sz="1600" b="1" dirty="0">
+                      <a:endParaRPr lang="en-SG" sz="1600" b="1">
                         <a:latin typeface="Arial"/>
                         <a:cs typeface="Arial"/>
                       </a:endParaRPr>
@@ -10396,7 +13439,7 @@
                     <a:lstStyle/>
                     <a:p>
                       <a:r>
-                        <a:rPr lang="en-US" sz="1000" b="1" dirty="0">
+                        <a:rPr lang="en-US" sz="1000" b="1">
                           <a:latin typeface="Arial" panose="020B0604020202020204" pitchFamily="34" charset="0"/>
                           <a:cs typeface="Arial" panose="020B0604020202020204" pitchFamily="34" charset="0"/>
                         </a:rPr>
@@ -10404,21 +13447,21 @@
                       </a:r>
                     </a:p>
                     <a:p>
-                      <a:endParaRPr lang="en-US" sz="1000" b="1" dirty="0">
+                      <a:endParaRPr lang="en-US" sz="1000" b="1">
                         <a:latin typeface="Arial" panose="020B0604020202020204" pitchFamily="34" charset="0"/>
                         <a:cs typeface="Arial" panose="020B0604020202020204" pitchFamily="34" charset="0"/>
                       </a:endParaRPr>
                     </a:p>
                     <a:p>
                       <a:r>
-                        <a:rPr lang="en-US" sz="1000" b="1" dirty="0">
+                        <a:rPr lang="en-US" sz="1000" b="1">
                           <a:latin typeface="Arial" panose="020B0604020202020204" pitchFamily="34" charset="0"/>
                           <a:cs typeface="Arial" panose="020B0604020202020204" pitchFamily="34" charset="0"/>
                         </a:rPr>
                         <a:t>Business case</a:t>
                       </a:r>
                       <a:r>
-                        <a:rPr lang="en-US" sz="1000" dirty="0">
+                        <a:rPr lang="en-US" sz="1000">
                           <a:latin typeface="Arial" panose="020B0604020202020204" pitchFamily="34" charset="0"/>
                           <a:cs typeface="Arial" panose="020B0604020202020204" pitchFamily="34" charset="0"/>
                         </a:rPr>
@@ -10427,14 +13470,14 @@
                     </a:p>
                     <a:p>
                       <a:r>
-                        <a:rPr lang="en-US" sz="1000" b="1" dirty="0">
+                        <a:rPr lang="en-US" sz="1000" b="1">
                           <a:latin typeface="Arial" panose="020B0604020202020204" pitchFamily="34" charset="0"/>
                           <a:cs typeface="Arial" panose="020B0604020202020204" pitchFamily="34" charset="0"/>
                         </a:rPr>
                         <a:t>Value added</a:t>
                       </a:r>
                       <a:r>
-                        <a:rPr lang="en-US" sz="1000" dirty="0">
+                        <a:rPr lang="en-US" sz="1000">
                           <a:latin typeface="Arial" panose="020B0604020202020204" pitchFamily="34" charset="0"/>
                           <a:cs typeface="Arial" panose="020B0604020202020204" pitchFamily="34" charset="0"/>
                         </a:rPr>
@@ -10490,7 +13533,7 @@
                     <a:lstStyle/>
                     <a:p>
                       <a:r>
-                        <a:rPr lang="en-US" sz="1000" b="1" dirty="0">
+                        <a:rPr lang="en-US" sz="1000" b="1">
                           <a:latin typeface="Arial" panose="020B0604020202020204" pitchFamily="34" charset="0"/>
                           <a:cs typeface="Arial" panose="020B0604020202020204" pitchFamily="34" charset="0"/>
                         </a:rPr>
@@ -10498,35 +13541,35 @@
                       </a:r>
                     </a:p>
                     <a:p>
-                      <a:endParaRPr lang="en-US" sz="1000" b="1" dirty="0">
+                      <a:endParaRPr lang="en-US" sz="1000" b="1">
                         <a:latin typeface="Arial" panose="020B0604020202020204" pitchFamily="34" charset="0"/>
                         <a:cs typeface="Arial" panose="020B0604020202020204" pitchFamily="34" charset="0"/>
                       </a:endParaRPr>
                     </a:p>
                     <a:p>
                       <a:r>
-                        <a:rPr lang="en-US" sz="1000" b="1" dirty="0">
+                        <a:rPr lang="en-US" sz="1000" b="1">
                           <a:latin typeface="Arial" panose="020B0604020202020204" pitchFamily="34" charset="0"/>
                           <a:cs typeface="Arial" panose="020B0604020202020204" pitchFamily="34" charset="0"/>
                         </a:rPr>
                         <a:t>Analysis methods</a:t>
                       </a:r>
                       <a:r>
-                        <a:rPr lang="en-US" sz="1000" dirty="0">
+                        <a:rPr lang="en-US" sz="1000">
                           <a:latin typeface="Arial" panose="020B0604020202020204" pitchFamily="34" charset="0"/>
                           <a:cs typeface="Arial" panose="020B0604020202020204" pitchFamily="34" charset="0"/>
                         </a:rPr>
                         <a:t>: Consider regression models like Linear Regression, Decision Trees, </a:t>
                       </a:r>
                       <a:r>
-                        <a:rPr lang="en-US" sz="1000" dirty="0" err="1">
+                        <a:rPr lang="en-US" sz="1000" err="1">
                           <a:latin typeface="Arial" panose="020B0604020202020204" pitchFamily="34" charset="0"/>
                           <a:cs typeface="Arial" panose="020B0604020202020204" pitchFamily="34" charset="0"/>
                         </a:rPr>
                         <a:t>XGBoost</a:t>
                       </a:r>
                       <a:r>
-                        <a:rPr lang="en-US" sz="1000" dirty="0">
+                        <a:rPr lang="en-US" sz="1000">
                           <a:latin typeface="Arial" panose="020B0604020202020204" pitchFamily="34" charset="0"/>
                           <a:cs typeface="Arial" panose="020B0604020202020204" pitchFamily="34" charset="0"/>
                         </a:rPr>
@@ -10535,7 +13578,7 @@
                     </a:p>
                     <a:p>
                       <a:r>
-                        <a:rPr lang="en-US" sz="1000" dirty="0">
+                        <a:rPr lang="en-US" sz="1000">
                           <a:latin typeface="Arial" panose="020B0604020202020204" pitchFamily="34" charset="0"/>
                           <a:cs typeface="Arial" panose="020B0604020202020204" pitchFamily="34" charset="0"/>
                         </a:rPr>
@@ -10543,7 +13586,7 @@
                       </a:r>
                     </a:p>
                     <a:p>
-                      <a:endParaRPr lang="en-US" sz="1000" dirty="0">
+                      <a:endParaRPr lang="en-US" sz="1000">
                         <a:latin typeface="Arial" panose="020B0604020202020204" pitchFamily="34" charset="0"/>
                         <a:cs typeface="Arial" panose="020B0604020202020204" pitchFamily="34" charset="0"/>
                       </a:endParaRPr>
@@ -10597,7 +13640,7 @@
                     <a:lstStyle/>
                     <a:p>
                       <a:r>
-                        <a:rPr lang="en-US" sz="1000" b="1" dirty="0">
+                        <a:rPr lang="en-US" sz="1000" b="1">
                           <a:latin typeface="Arial" panose="020B0604020202020204" pitchFamily="34" charset="0"/>
                           <a:cs typeface="Arial" panose="020B0604020202020204" pitchFamily="34" charset="0"/>
                         </a:rPr>
@@ -10606,7 +13649,7 @@
                     </a:p>
                     <a:p>
                       <a:r>
-                        <a:rPr lang="en-US" sz="1000" dirty="0">
+                        <a:rPr lang="en-US" sz="1000">
                           <a:latin typeface="Arial" panose="020B0604020202020204" pitchFamily="34" charset="0"/>
                           <a:cs typeface="Arial" panose="020B0604020202020204" pitchFamily="34" charset="0"/>
                         </a:rPr>
@@ -10615,19 +13658,19 @@
                     </a:p>
                     <a:p>
                       <a:r>
-                        <a:rPr lang="en-US" sz="1000" dirty="0">
+                        <a:rPr lang="en-US" sz="1000">
                           <a:latin typeface="Arial" panose="020B0604020202020204" pitchFamily="34" charset="0"/>
                           <a:cs typeface="Arial" panose="020B0604020202020204" pitchFamily="34" charset="0"/>
                         </a:rPr>
                         <a:t>Must handle geospatial and time-related data and consider fare variability based on factors like trip distance, time of day, and location.</a:t>
                       </a:r>
-                      <a:endParaRPr lang="en-SG" sz="1000" dirty="0">
+                      <a:endParaRPr lang="en-SG" sz="1000">
                         <a:latin typeface="Arial" panose="020B0604020202020204" pitchFamily="34" charset="0"/>
                         <a:cs typeface="Arial" panose="020B0604020202020204" pitchFamily="34" charset="0"/>
                       </a:endParaRPr>
                     </a:p>
                     <a:p>
-                      <a:endParaRPr lang="en-SG" sz="1000" dirty="0">
+                      <a:endParaRPr lang="en-SG" sz="1000">
                         <a:latin typeface="Arial" panose="020B0604020202020204" pitchFamily="34" charset="0"/>
                         <a:cs typeface="Arial" panose="020B0604020202020204" pitchFamily="34" charset="0"/>
                       </a:endParaRPr>
@@ -10681,7 +13724,7 @@
                     <a:lstStyle/>
                     <a:p>
                       <a:r>
-                        <a:rPr lang="en-US" sz="1000" b="1" dirty="0">
+                        <a:rPr lang="en-US" sz="1000" b="1">
                           <a:latin typeface="Arial" panose="020B0604020202020204" pitchFamily="34" charset="0"/>
                           <a:cs typeface="Arial" panose="020B0604020202020204" pitchFamily="34" charset="0"/>
                         </a:rPr>
@@ -10689,7 +13732,7 @@
                       </a:r>
                     </a:p>
                     <a:p>
-                      <a:endParaRPr lang="en-US" sz="1000" b="1" dirty="0">
+                      <a:endParaRPr lang="en-US" sz="1000" b="1">
                         <a:latin typeface="Arial" panose="020B0604020202020204" pitchFamily="34" charset="0"/>
                         <a:cs typeface="Arial" panose="020B0604020202020204" pitchFamily="34" charset="0"/>
                       </a:endParaRPr>
@@ -10700,21 +13743,21 @@
                         <a:buChar char="•"/>
                       </a:pPr>
                       <a:r>
-                        <a:rPr lang="en-US" sz="1000" dirty="0">
+                        <a:rPr lang="en-US" sz="1000">
                           <a:latin typeface="Arial" panose="020B0604020202020204" pitchFamily="34" charset="0"/>
                           <a:cs typeface="Arial" panose="020B0604020202020204" pitchFamily="34" charset="0"/>
                         </a:rPr>
                         <a:t>Data analysis and cleaning (using pandas, </a:t>
                       </a:r>
                       <a:r>
-                        <a:rPr lang="en-US" sz="1000" dirty="0" err="1">
+                        <a:rPr lang="en-US" sz="1000" err="1">
                           <a:latin typeface="Arial" panose="020B0604020202020204" pitchFamily="34" charset="0"/>
                           <a:cs typeface="Arial" panose="020B0604020202020204" pitchFamily="34" charset="0"/>
                         </a:rPr>
                         <a:t>numpy</a:t>
                       </a:r>
                       <a:r>
-                        <a:rPr lang="en-US" sz="1000" dirty="0">
+                        <a:rPr lang="en-US" sz="1000">
                           <a:latin typeface="Arial" panose="020B0604020202020204" pitchFamily="34" charset="0"/>
                           <a:cs typeface="Arial" panose="020B0604020202020204" pitchFamily="34" charset="0"/>
                         </a:rPr>
@@ -10727,21 +13770,21 @@
                         <a:buChar char="•"/>
                       </a:pPr>
                       <a:r>
-                        <a:rPr lang="en-US" sz="1000" dirty="0">
+                        <a:rPr lang="en-US" sz="1000">
                           <a:latin typeface="Arial" panose="020B0604020202020204" pitchFamily="34" charset="0"/>
                           <a:cs typeface="Arial" panose="020B0604020202020204" pitchFamily="34" charset="0"/>
                         </a:rPr>
                         <a:t>Model development and tuning (using scikit-learn, </a:t>
                       </a:r>
                       <a:r>
-                        <a:rPr lang="en-US" sz="1000" dirty="0" err="1">
+                        <a:rPr lang="en-US" sz="1000" err="1">
                           <a:latin typeface="Arial" panose="020B0604020202020204" pitchFamily="34" charset="0"/>
                           <a:cs typeface="Arial" panose="020B0604020202020204" pitchFamily="34" charset="0"/>
                         </a:rPr>
                         <a:t>XGBoost</a:t>
                       </a:r>
                       <a:r>
-                        <a:rPr lang="en-US" sz="1000" dirty="0">
+                        <a:rPr lang="en-US" sz="1000">
                           <a:latin typeface="Arial" panose="020B0604020202020204" pitchFamily="34" charset="0"/>
                           <a:cs typeface="Arial" panose="020B0604020202020204" pitchFamily="34" charset="0"/>
                         </a:rPr>
@@ -10754,13 +13797,13 @@
                         <a:buChar char="•"/>
                       </a:pPr>
                       <a:r>
-                        <a:rPr lang="en-US" sz="1000" dirty="0">
+                        <a:rPr lang="en-US" sz="1000">
                           <a:latin typeface="Arial" panose="020B0604020202020204" pitchFamily="34" charset="0"/>
                           <a:cs typeface="Arial" panose="020B0604020202020204" pitchFamily="34" charset="0"/>
                         </a:rPr>
                         <a:t>Data visualization (seaborn, matplotlib).</a:t>
                       </a:r>
-                      <a:endParaRPr lang="en-SG" sz="1000" dirty="0">
+                      <a:endParaRPr lang="en-SG" sz="1000">
                         <a:latin typeface="Arial" panose="020B0604020202020204" pitchFamily="34" charset="0"/>
                         <a:cs typeface="Arial" panose="020B0604020202020204" pitchFamily="34" charset="0"/>
                       </a:endParaRPr>
@@ -10814,7 +13857,7 @@
                     <a:lstStyle/>
                     <a:p>
                       <a:r>
-                        <a:rPr lang="en-US" sz="1000" b="1" dirty="0">
+                        <a:rPr lang="en-US" sz="1000" b="1">
                           <a:latin typeface="Arial" panose="020B0604020202020204" pitchFamily="34" charset="0"/>
                           <a:cs typeface="Arial" panose="020B0604020202020204" pitchFamily="34" charset="0"/>
                         </a:rPr>
@@ -10822,7 +13865,7 @@
                       </a:r>
                     </a:p>
                     <a:p>
-                      <a:endParaRPr lang="en-US" sz="1000" b="1" dirty="0">
+                      <a:endParaRPr lang="en-US" sz="1000" b="1">
                         <a:latin typeface="Arial" panose="020B0604020202020204" pitchFamily="34" charset="0"/>
                         <a:cs typeface="Arial" panose="020B0604020202020204" pitchFamily="34" charset="0"/>
                       </a:endParaRPr>
@@ -10833,14 +13876,14 @@
                         <a:buChar char="•"/>
                       </a:pPr>
                       <a:r>
-                        <a:rPr lang="en-US" sz="1000" b="1" dirty="0">
+                        <a:rPr lang="en-US" sz="1000" b="1">
                           <a:latin typeface="Arial" panose="020B0604020202020204" pitchFamily="34" charset="0"/>
                           <a:cs typeface="Arial" panose="020B0604020202020204" pitchFamily="34" charset="0"/>
                         </a:rPr>
                         <a:t>Key indicators</a:t>
                       </a:r>
                       <a:r>
-                        <a:rPr lang="en-US" sz="1000" dirty="0">
+                        <a:rPr lang="en-US" sz="1000">
                           <a:latin typeface="Arial" panose="020B0604020202020204" pitchFamily="34" charset="0"/>
                           <a:cs typeface="Arial" panose="020B0604020202020204" pitchFamily="34" charset="0"/>
                         </a:rPr>
@@ -10853,20 +13896,20 @@
                         <a:buChar char="•"/>
                       </a:pPr>
                       <a:r>
-                        <a:rPr lang="en-US" sz="1000" b="1" dirty="0">
+                        <a:rPr lang="en-US" sz="1000" b="1">
                           <a:latin typeface="Arial" panose="020B0604020202020204" pitchFamily="34" charset="0"/>
                           <a:cs typeface="Arial" panose="020B0604020202020204" pitchFamily="34" charset="0"/>
                         </a:rPr>
                         <a:t>Monitoring of outliers </a:t>
                       </a:r>
                       <a:r>
-                        <a:rPr lang="en-US" sz="1000" dirty="0">
+                        <a:rPr lang="en-US" sz="1000">
                           <a:latin typeface="Arial" panose="020B0604020202020204" pitchFamily="34" charset="0"/>
                           <a:cs typeface="Arial" panose="020B0604020202020204" pitchFamily="34" charset="0"/>
                         </a:rPr>
                         <a:t>and the model's generalization to unseen data through cross-validation is necessary.</a:t>
                       </a:r>
-                      <a:endParaRPr lang="en-SG" sz="1000" dirty="0">
+                      <a:endParaRPr lang="en-SG" sz="1000">
                         <a:latin typeface="Arial" panose="020B0604020202020204" pitchFamily="34" charset="0"/>
                         <a:cs typeface="Arial" panose="020B0604020202020204" pitchFamily="34" charset="0"/>
                       </a:endParaRPr>
@@ -10920,7 +13963,7 @@
                     <a:lstStyle/>
                     <a:p>
                       <a:r>
-                        <a:rPr lang="en-US" sz="1000" b="1" dirty="0">
+                        <a:rPr lang="en-US" sz="1000" b="1">
                           <a:latin typeface="Arial" panose="020B0604020202020204" pitchFamily="34" charset="0"/>
                           <a:cs typeface="Arial" panose="020B0604020202020204" pitchFamily="34" charset="0"/>
                         </a:rPr>
@@ -10928,7 +13971,7 @@
                       </a:r>
                     </a:p>
                     <a:p>
-                      <a:endParaRPr lang="en-US" sz="1000" b="1" dirty="0">
+                      <a:endParaRPr lang="en-US" sz="1000" b="1">
                         <a:latin typeface="Arial" panose="020B0604020202020204" pitchFamily="34" charset="0"/>
                         <a:cs typeface="Arial" panose="020B0604020202020204" pitchFamily="34" charset="0"/>
                       </a:endParaRPr>
@@ -10939,7 +13982,7 @@
                         <a:buChar char="•"/>
                       </a:pPr>
                       <a:r>
-                        <a:rPr lang="en-US" sz="1000" dirty="0">
+                        <a:rPr lang="en-US" sz="1000">
                           <a:latin typeface="Arial" panose="020B0604020202020204" pitchFamily="34" charset="0"/>
                           <a:cs typeface="Arial" panose="020B0604020202020204" pitchFamily="34" charset="0"/>
                         </a:rPr>
@@ -10952,13 +13995,13 @@
                         <a:buChar char="•"/>
                       </a:pPr>
                       <a:r>
-                        <a:rPr lang="en-US" sz="1000" dirty="0">
+                        <a:rPr lang="en-US" sz="1000">
                           <a:latin typeface="Arial" panose="020B0604020202020204" pitchFamily="34" charset="0"/>
                           <a:cs typeface="Arial" panose="020B0604020202020204" pitchFamily="34" charset="0"/>
                         </a:rPr>
                         <a:t>Focus on explaining how factors like time of day, distance, and location affect fare predictions. Visualize feature importance.</a:t>
                       </a:r>
-                      <a:endParaRPr lang="en-SG" sz="1000" dirty="0">
+                      <a:endParaRPr lang="en-SG" sz="1000">
                         <a:latin typeface="Arial" panose="020B0604020202020204" pitchFamily="34" charset="0"/>
                         <a:cs typeface="Arial" panose="020B0604020202020204" pitchFamily="34" charset="0"/>
                       </a:endParaRPr>
@@ -11012,7 +14055,7 @@
                     <a:lstStyle/>
                     <a:p>
                       <a:r>
-                        <a:rPr lang="en-US" sz="1000" b="1" dirty="0">
+                        <a:rPr lang="en-US" sz="1000" b="1">
                           <a:latin typeface="Arial" panose="020B0604020202020204" pitchFamily="34" charset="0"/>
                           <a:cs typeface="Arial" panose="020B0604020202020204" pitchFamily="34" charset="0"/>
                         </a:rPr>
@@ -11025,21 +14068,21 @@
                         <a:buChar char="•"/>
                       </a:pPr>
                       <a:r>
-                        <a:rPr lang="en-US" sz="1000" dirty="0">
+                        <a:rPr lang="en-US" sz="1000">
                           <a:latin typeface="Arial" panose="020B0604020202020204" pitchFamily="34" charset="0"/>
                           <a:cs typeface="Arial" panose="020B0604020202020204" pitchFamily="34" charset="0"/>
                         </a:rPr>
                         <a:t>Use relevant data such as pickup/</a:t>
                       </a:r>
                       <a:r>
-                        <a:rPr lang="en-US" sz="1000" dirty="0" err="1">
+                        <a:rPr lang="en-US" sz="1000" err="1">
                           <a:latin typeface="Arial" panose="020B0604020202020204" pitchFamily="34" charset="0"/>
                           <a:cs typeface="Arial" panose="020B0604020202020204" pitchFamily="34" charset="0"/>
                         </a:rPr>
                         <a:t>dropoff</a:t>
                       </a:r>
                       <a:r>
-                        <a:rPr lang="en-US" sz="1000" dirty="0">
+                        <a:rPr lang="en-US" sz="1000">
                           <a:latin typeface="Arial" panose="020B0604020202020204" pitchFamily="34" charset="0"/>
                           <a:cs typeface="Arial" panose="020B0604020202020204" pitchFamily="34" charset="0"/>
                         </a:rPr>
@@ -11052,13 +14095,13 @@
                         <a:buChar char="•"/>
                       </a:pPr>
                       <a:r>
-                        <a:rPr lang="en-US" sz="1000" dirty="0">
+                        <a:rPr lang="en-US" sz="1000">
                           <a:latin typeface="Arial" panose="020B0604020202020204" pitchFamily="34" charset="0"/>
                           <a:cs typeface="Arial" panose="020B0604020202020204" pitchFamily="34" charset="0"/>
                         </a:rPr>
                         <a:t>Clean missing or inconsistent values in features like fare amount or trip data.</a:t>
                       </a:r>
-                      <a:endParaRPr lang="en-SG" sz="1000" dirty="0">
+                      <a:endParaRPr lang="en-SG" sz="1000">
                         <a:latin typeface="Arial" panose="020B0604020202020204" pitchFamily="34" charset="0"/>
                         <a:cs typeface="Arial" panose="020B0604020202020204" pitchFamily="34" charset="0"/>
                       </a:endParaRPr>
@@ -11112,7 +14155,7 @@
                     <a:lstStyle/>
                     <a:p>
                       <a:r>
-                        <a:rPr lang="en-US" sz="1000" b="1" dirty="0">
+                        <a:rPr lang="en-US" sz="1000" b="1">
                           <a:latin typeface="Arial" panose="020B0604020202020204" pitchFamily="34" charset="0"/>
                           <a:cs typeface="Arial" panose="020B0604020202020204" pitchFamily="34" charset="0"/>
                         </a:rPr>
@@ -11121,7 +14164,7 @@
                     </a:p>
                     <a:p>
                       <a:r>
-                        <a:rPr lang="en-US" sz="1000" dirty="0">
+                        <a:rPr lang="en-US" sz="1000">
                           <a:latin typeface="Arial" panose="020B0604020202020204" pitchFamily="34" charset="0"/>
                           <a:cs typeface="Arial" panose="020B0604020202020204" pitchFamily="34" charset="0"/>
                         </a:rPr>
@@ -11130,27 +14173,27 @@
                     </a:p>
                     <a:p>
                       <a:r>
-                        <a:rPr lang="en-US" sz="1000" dirty="0">
+                        <a:rPr lang="en-US" sz="1000">
                           <a:latin typeface="Arial" panose="020B0604020202020204" pitchFamily="34" charset="0"/>
                           <a:cs typeface="Arial" panose="020B0604020202020204" pitchFamily="34" charset="0"/>
                         </a:rPr>
                         <a:t>The data must include spatial (pickup/</a:t>
                       </a:r>
                       <a:r>
-                        <a:rPr lang="en-US" sz="1000" dirty="0" err="1">
+                        <a:rPr lang="en-US" sz="1000" err="1">
                           <a:latin typeface="Arial" panose="020B0604020202020204" pitchFamily="34" charset="0"/>
                           <a:cs typeface="Arial" panose="020B0604020202020204" pitchFamily="34" charset="0"/>
                         </a:rPr>
                         <a:t>dropoff</a:t>
                       </a:r>
                       <a:r>
-                        <a:rPr lang="en-US" sz="1000" dirty="0">
+                        <a:rPr lang="en-US" sz="1000">
                           <a:latin typeface="Arial" panose="020B0604020202020204" pitchFamily="34" charset="0"/>
                           <a:cs typeface="Arial" panose="020B0604020202020204" pitchFamily="34" charset="0"/>
                         </a:rPr>
                         <a:t> coordinates), temporal (timestamps), and fare-related variables.</a:t>
                       </a:r>
-                      <a:endParaRPr lang="en-SG" sz="1000" dirty="0">
+                      <a:endParaRPr lang="en-SG" sz="1000">
                         <a:latin typeface="Arial" panose="020B0604020202020204" pitchFamily="34" charset="0"/>
                         <a:cs typeface="Arial" panose="020B0604020202020204" pitchFamily="34" charset="0"/>
                       </a:endParaRPr>
@@ -11211,7 +14254,7 @@
                     <a:lstStyle/>
                     <a:p>
                       <a:r>
-                        <a:rPr lang="en-US" sz="1000" b="1" dirty="0">
+                        <a:rPr lang="en-US" sz="1000" b="1">
                           <a:latin typeface="Arial" panose="020B0604020202020204" pitchFamily="34" charset="0"/>
                           <a:cs typeface="Arial" panose="020B0604020202020204" pitchFamily="34" charset="0"/>
                         </a:rPr>
@@ -11224,21 +14267,21 @@
                         <a:buChar char="•"/>
                       </a:pPr>
                       <a:r>
-                        <a:rPr lang="en-US" sz="1000" dirty="0">
+                        <a:rPr lang="en-US" sz="1000">
                           <a:latin typeface="Arial" panose="020B0604020202020204" pitchFamily="34" charset="0"/>
                           <a:cs typeface="Arial" panose="020B0604020202020204" pitchFamily="34" charset="0"/>
                         </a:rPr>
                         <a:t>Historical taxi trip data including fare amount, pickup/</a:t>
                       </a:r>
                       <a:r>
-                        <a:rPr lang="en-US" sz="1000" dirty="0" err="1">
+                        <a:rPr lang="en-US" sz="1000" err="1">
                           <a:latin typeface="Arial" panose="020B0604020202020204" pitchFamily="34" charset="0"/>
                           <a:cs typeface="Arial" panose="020B0604020202020204" pitchFamily="34" charset="0"/>
                         </a:rPr>
                         <a:t>dropoff</a:t>
                       </a:r>
                       <a:r>
-                        <a:rPr lang="en-US" sz="1000" dirty="0">
+                        <a:rPr lang="en-US" sz="1000">
                           <a:latin typeface="Arial" panose="020B0604020202020204" pitchFamily="34" charset="0"/>
                           <a:cs typeface="Arial" panose="020B0604020202020204" pitchFamily="34" charset="0"/>
                         </a:rPr>
@@ -11251,13 +14294,13 @@
                         <a:buChar char="•"/>
                       </a:pPr>
                       <a:r>
-                        <a:rPr lang="en-US" sz="1000" dirty="0">
+                        <a:rPr lang="en-US" sz="1000">
                           <a:latin typeface="Arial" panose="020B0604020202020204" pitchFamily="34" charset="0"/>
                           <a:cs typeface="Arial" panose="020B0604020202020204" pitchFamily="34" charset="0"/>
                         </a:rPr>
                         <a:t>Additional data, such as weather conditions or special events, may be required to capture external influences on fare variability.</a:t>
                       </a:r>
-                      <a:endParaRPr lang="en-SG" sz="1000" dirty="0">
+                      <a:endParaRPr lang="en-SG" sz="1000">
                         <a:latin typeface="Arial" panose="020B0604020202020204" pitchFamily="34" charset="0"/>
                         <a:cs typeface="Arial" panose="020B0604020202020204" pitchFamily="34" charset="0"/>
                       </a:endParaRPr>
@@ -11321,7 +14364,7 @@
                     <a:lstStyle/>
                     <a:p>
                       <a:r>
-                        <a:rPr lang="en-US" sz="1000" b="1" dirty="0">
+                        <a:rPr lang="en-US" sz="1000" b="1">
                           <a:latin typeface="Arial" panose="020B0604020202020204" pitchFamily="34" charset="0"/>
                           <a:cs typeface="Arial" panose="020B0604020202020204" pitchFamily="34" charset="0"/>
                         </a:rPr>
@@ -11334,7 +14377,7 @@
                         <a:buChar char="•"/>
                       </a:pPr>
                       <a:r>
-                        <a:rPr lang="en-US" sz="1000" dirty="0">
+                        <a:rPr lang="en-US" sz="1000">
                           <a:latin typeface="Arial" panose="020B0604020202020204" pitchFamily="34" charset="0"/>
                           <a:cs typeface="Arial" panose="020B0604020202020204" pitchFamily="34" charset="0"/>
                         </a:rPr>
@@ -11347,14 +14390,14 @@
                         <a:buChar char="•"/>
                       </a:pPr>
                       <a:r>
-                        <a:rPr lang="en-US" sz="1000" dirty="0" err="1">
+                        <a:rPr lang="en-US" sz="1000" err="1">
                           <a:latin typeface="Arial" panose="020B0604020202020204" pitchFamily="34" charset="0"/>
                           <a:cs typeface="Arial" panose="020B0604020202020204" pitchFamily="34" charset="0"/>
                         </a:rPr>
                         <a:t>numpy</a:t>
                       </a:r>
                       <a:r>
-                        <a:rPr lang="en-US" sz="1000" dirty="0">
+                        <a:rPr lang="en-US" sz="1000">
                           <a:latin typeface="Arial" panose="020B0604020202020204" pitchFamily="34" charset="0"/>
                           <a:cs typeface="Arial" panose="020B0604020202020204" pitchFamily="34" charset="0"/>
                         </a:rPr>
@@ -11367,13 +14410,13 @@
                         <a:buChar char="•"/>
                       </a:pPr>
                       <a:r>
-                        <a:rPr lang="en-US" sz="1000" dirty="0" err="1">
+                        <a:rPr lang="en-US" sz="1000" err="1">
                           <a:latin typeface="Arial" panose="020B0604020202020204" pitchFamily="34" charset="0"/>
                           <a:cs typeface="Arial" panose="020B0604020202020204" pitchFamily="34" charset="0"/>
                         </a:rPr>
                         <a:t>matplotlib.pyplot</a:t>
                       </a:r>
-                      <a:endParaRPr lang="en-US" sz="1000" dirty="0">
+                      <a:endParaRPr lang="en-US" sz="1000">
                         <a:latin typeface="Arial" panose="020B0604020202020204" pitchFamily="34" charset="0"/>
                         <a:cs typeface="Arial" panose="020B0604020202020204" pitchFamily="34" charset="0"/>
                       </a:endParaRPr>
@@ -11384,7 +14427,7 @@
                         <a:buChar char="•"/>
                       </a:pPr>
                       <a:r>
-                        <a:rPr lang="en-US" sz="1000" dirty="0">
+                        <a:rPr lang="en-US" sz="1000">
                           <a:latin typeface="Arial" panose="020B0604020202020204" pitchFamily="34" charset="0"/>
                           <a:cs typeface="Arial" panose="020B0604020202020204" pitchFamily="34" charset="0"/>
                         </a:rPr>
@@ -11397,7 +14440,7 @@
                         <a:buChar char="•"/>
                       </a:pPr>
                       <a:r>
-                        <a:rPr lang="en-US" sz="1000" dirty="0">
+                        <a:rPr lang="en-US" sz="1000">
                           <a:latin typeface="Arial" panose="020B0604020202020204" pitchFamily="34" charset="0"/>
                           <a:cs typeface="Arial" panose="020B0604020202020204" pitchFamily="34" charset="0"/>
                         </a:rPr>
@@ -11410,14 +14453,14 @@
                         <a:buChar char="•"/>
                       </a:pPr>
                       <a:r>
-                        <a:rPr lang="en-US" sz="1000" dirty="0" err="1">
+                        <a:rPr lang="en-US" sz="1000" err="1">
                           <a:latin typeface="Arial" panose="020B0604020202020204" pitchFamily="34" charset="0"/>
                           <a:cs typeface="Arial" panose="020B0604020202020204" pitchFamily="34" charset="0"/>
                         </a:rPr>
                         <a:t>xgboost</a:t>
                       </a:r>
                       <a:r>
-                        <a:rPr lang="en-US" sz="1000" dirty="0">
+                        <a:rPr lang="en-US" sz="1000">
                           <a:latin typeface="Arial" panose="020B0604020202020204" pitchFamily="34" charset="0"/>
                           <a:cs typeface="Arial" panose="020B0604020202020204" pitchFamily="34" charset="0"/>
                         </a:rPr>
@@ -11430,14 +14473,14 @@
                         <a:buChar char="•"/>
                       </a:pPr>
                       <a:r>
-                        <a:rPr lang="en-US" sz="1000" dirty="0" err="1">
+                        <a:rPr lang="en-US" sz="1000" err="1">
                           <a:latin typeface="Arial" panose="020B0604020202020204" pitchFamily="34" charset="0"/>
                           <a:cs typeface="Arial" panose="020B0604020202020204" pitchFamily="34" charset="0"/>
                         </a:rPr>
                         <a:t>joblib</a:t>
                       </a:r>
                       <a:r>
-                        <a:rPr lang="en-US" sz="1000" dirty="0">
+                        <a:rPr lang="en-US" sz="1000">
                           <a:latin typeface="Arial" panose="020B0604020202020204" pitchFamily="34" charset="0"/>
                           <a:cs typeface="Arial" panose="020B0604020202020204" pitchFamily="34" charset="0"/>
                         </a:rPr>
@@ -11450,13 +14493,13 @@
                         <a:buChar char="•"/>
                       </a:pPr>
                       <a:r>
-                        <a:rPr lang="en-US" sz="1000" dirty="0">
+                        <a:rPr lang="en-US" sz="1000">
                           <a:latin typeface="Arial"/>
                           <a:cs typeface="Arial"/>
                         </a:rPr>
                         <a:t>Json</a:t>
                       </a:r>
-                      <a:endParaRPr lang="en-SG" sz="1000" dirty="0">
+                      <a:endParaRPr lang="en-SG" sz="1000">
                         <a:latin typeface="Arial" panose="020B0604020202020204" pitchFamily="34" charset="0"/>
                         <a:cs typeface="Arial" panose="020B0604020202020204" pitchFamily="34" charset="0"/>
                       </a:endParaRPr>
@@ -11467,13 +14510,13 @@
                         <a:buChar char="•"/>
                       </a:pPr>
                       <a:r>
-                        <a:rPr lang="en-US" sz="1000" dirty="0" err="1">
+                        <a:rPr lang="en-US" sz="1000" err="1">
                           <a:latin typeface="Arial"/>
                           <a:cs typeface="Arial"/>
                         </a:rPr>
                         <a:t>streamlit</a:t>
                       </a:r>
-                      <a:endParaRPr lang="en-US" sz="1000" dirty="0">
+                      <a:endParaRPr lang="en-US" sz="1000">
                         <a:latin typeface="Arial"/>
                         <a:cs typeface="Arial"/>
                       </a:endParaRPr>
@@ -11563,13 +14606,13 @@
                     <a:lstStyle/>
                     <a:p>
                       <a:r>
-                        <a:rPr lang="en-US" sz="1000" b="1" dirty="0">
+                        <a:rPr lang="en-US" sz="1000" b="1">
                           <a:latin typeface="Arial"/>
                           <a:cs typeface="Arial"/>
                         </a:rPr>
                         <a:t>Data Integration</a:t>
                       </a:r>
-                      <a:endParaRPr lang="en-US" sz="1000" dirty="0">
+                      <a:endParaRPr lang="en-US" sz="1000">
                         <a:latin typeface="Arial"/>
                         <a:cs typeface="Arial"/>
                       </a:endParaRPr>
@@ -11579,7 +14622,7 @@
                         <a:buNone/>
                       </a:pPr>
                       <a:r>
-                        <a:rPr lang="en-US" sz="1000" dirty="0">
+                        <a:rPr lang="en-US" sz="1000">
                           <a:latin typeface="Arial"/>
                           <a:cs typeface="Arial"/>
                         </a:rPr>
@@ -11641,7 +14684,7 @@
                     <a:lstStyle/>
                     <a:p>
                       <a:r>
-                        <a:rPr lang="en-US" sz="1000" b="1" dirty="0">
+                        <a:rPr lang="en-US" sz="1000" b="1">
                           <a:latin typeface="Arial" panose="020B0604020202020204" pitchFamily="34" charset="0"/>
                           <a:cs typeface="Arial" panose="020B0604020202020204" pitchFamily="34" charset="0"/>
                         </a:rPr>
@@ -11654,7 +14697,7 @@
                         <a:buChar char="•"/>
                       </a:pPr>
                       <a:r>
-                        <a:rPr lang="en-US" sz="1000" dirty="0">
+                        <a:rPr lang="en-US" sz="1000">
                           <a:latin typeface="Arial" panose="020B0604020202020204" pitchFamily="34" charset="0"/>
                           <a:cs typeface="Arial" panose="020B0604020202020204" pitchFamily="34" charset="0"/>
                         </a:rPr>
@@ -11667,13 +14710,13 @@
                         <a:buChar char="•"/>
                       </a:pPr>
                       <a:r>
-                        <a:rPr lang="en-US" sz="1000" dirty="0">
+                        <a:rPr lang="en-US" sz="1000">
                           <a:latin typeface="Arial" panose="020B0604020202020204" pitchFamily="34" charset="0"/>
                           <a:cs typeface="Arial" panose="020B0604020202020204" pitchFamily="34" charset="0"/>
                         </a:rPr>
                         <a:t>Descriptive statistics (e.g., mean fare by distance) and visualization (e.g., histograms, scatter plots) to assess data quality and distribution.</a:t>
                       </a:r>
-                      <a:endParaRPr lang="en-SG" sz="1000" dirty="0">
+                      <a:endParaRPr lang="en-SG" sz="1000">
                         <a:latin typeface="Arial" panose="020B0604020202020204" pitchFamily="34" charset="0"/>
                         <a:cs typeface="Arial" panose="020B0604020202020204" pitchFamily="34" charset="0"/>
                       </a:endParaRPr>
@@ -11833,14 +14876,14 @@
           <a:lstStyle/>
           <a:p>
             <a:r>
-              <a:rPr lang="en-US" sz="3200" b="1" dirty="0">
+              <a:rPr lang="en-US" sz="3200" b="1">
                 <a:solidFill>
                   <a:schemeClr val="bg1"/>
                 </a:solidFill>
               </a:rPr>
               <a:t>Data Collection and Preparation</a:t>
             </a:r>
-            <a:endParaRPr lang="en-SG" sz="3200" dirty="0">
+            <a:endParaRPr lang="en-SG" sz="3200">
               <a:solidFill>
                 <a:schemeClr val="bg1"/>
               </a:solidFill>
@@ -12580,14 +15623,14 @@
           <a:lstStyle/>
           <a:p>
             <a:r>
-              <a:rPr lang="en-US" sz="3200" b="1" dirty="0">
+              <a:rPr lang="en-US" sz="3200" b="1">
                 <a:solidFill>
                   <a:schemeClr val="bg1"/>
                 </a:solidFill>
               </a:rPr>
               <a:t>EDA</a:t>
             </a:r>
-            <a:endParaRPr lang="en-SG" sz="3200" dirty="0">
+            <a:endParaRPr lang="en-SG" sz="3200">
               <a:solidFill>
                 <a:schemeClr val="bg1"/>
               </a:solidFill>
@@ -12772,7 +15815,7 @@
           <a:lstStyle/>
           <a:p>
             <a:r>
-              <a:rPr lang="en-US" sz="3200" b="1" dirty="0">
+              <a:rPr lang="en-US" sz="3200" b="1">
                 <a:solidFill>
                   <a:schemeClr val="bg1"/>
                 </a:solidFill>
@@ -12780,7 +15823,7 @@
               </a:rPr>
               <a:t>Correlation Matrix with only numerical columns</a:t>
             </a:r>
-            <a:endParaRPr lang="en-US" dirty="0">
+            <a:endParaRPr lang="en-US">
               <a:solidFill>
                 <a:schemeClr val="bg1"/>
               </a:solidFill>
@@ -13269,10 +16312,10 @@
           <a:lstStyle/>
           <a:p>
             <a:r>
-              <a:rPr lang="it-IT" dirty="0"/>
+              <a:rPr lang="it-IT"/>
               <a:t>DA 204o: Data Science in Practice</a:t>
             </a:r>
-            <a:endParaRPr lang="en-SG" dirty="0"/>
+            <a:endParaRPr lang="en-SG"/>
           </a:p>
         </p:txBody>
       </p:sp>
@@ -13338,14 +16381,14 @@
               <a:buChar char="•"/>
             </a:pPr>
             <a:r>
-              <a:rPr lang="en-US" sz="1200" dirty="0">
+              <a:rPr lang="en-US" sz="1200">
                 <a:latin typeface="Roboto"/>
                 <a:ea typeface="Roboto"/>
                 <a:cs typeface="Roboto"/>
               </a:rPr>
               <a:t>Since this is a regression problem, we are planning to use multiple regression algorithms, compare their performance and find the optimal one.</a:t>
             </a:r>
-            <a:endParaRPr lang="en-IN" sz="1200" dirty="0">
+            <a:endParaRPr lang="en-IN" sz="1200">
               <a:latin typeface="Roboto"/>
               <a:ea typeface="Roboto"/>
               <a:cs typeface="Roboto"/>
@@ -13386,7 +16429,7 @@
               <a:buChar char="•"/>
             </a:pPr>
             <a:r>
-              <a:rPr lang="en-IN" sz="1200" dirty="0">
+              <a:rPr lang="en-IN" sz="1200">
                 <a:latin typeface="Roboto"/>
                 <a:ea typeface="Roboto"/>
                 <a:cs typeface="Roboto"/>
@@ -13400,7 +16443,7 @@
               <a:buChar char="•"/>
             </a:pPr>
             <a:r>
-              <a:rPr lang="en-IN" sz="1200" dirty="0" err="1">
+              <a:rPr lang="en-IN" sz="1200" err="1">
                 <a:latin typeface="Roboto"/>
                 <a:ea typeface="Roboto"/>
                 <a:cs typeface="Roboto"/>
@@ -13408,7 +16451,7 @@
               <a:t>numpy</a:t>
             </a:r>
             <a:r>
-              <a:rPr lang="en-IN" sz="1200" dirty="0">
+              <a:rPr lang="en-IN" sz="1200">
                 <a:latin typeface="Roboto"/>
                 <a:ea typeface="Roboto"/>
                 <a:cs typeface="Roboto"/>
@@ -13422,14 +16465,14 @@
               <a:buChar char="•"/>
             </a:pPr>
             <a:r>
-              <a:rPr lang="en-IN" sz="1200" dirty="0" err="1">
+              <a:rPr lang="en-IN" sz="1200" err="1">
                 <a:latin typeface="Roboto"/>
                 <a:ea typeface="Roboto"/>
                 <a:cs typeface="Roboto"/>
               </a:rPr>
               <a:t>matplotlib.pyplot</a:t>
             </a:r>
-            <a:endParaRPr lang="en-IN" sz="1200" dirty="0">
+            <a:endParaRPr lang="en-IN" sz="1200">
               <a:latin typeface="Roboto"/>
               <a:ea typeface="Roboto"/>
               <a:cs typeface="Roboto"/>
@@ -13441,7 +16484,7 @@
               <a:buChar char="•"/>
             </a:pPr>
             <a:r>
-              <a:rPr lang="en-IN" sz="1200" dirty="0">
+              <a:rPr lang="en-IN" sz="1200">
                 <a:latin typeface="Roboto"/>
                 <a:ea typeface="Roboto"/>
                 <a:cs typeface="Roboto"/>
@@ -13455,7 +16498,7 @@
               <a:buChar char="•"/>
             </a:pPr>
             <a:r>
-              <a:rPr lang="en-IN" sz="1200" dirty="0">
+              <a:rPr lang="en-IN" sz="1200">
                 <a:latin typeface="Roboto"/>
                 <a:ea typeface="Roboto"/>
                 <a:cs typeface="Roboto"/>
@@ -13469,7 +16512,7 @@
               <a:buChar char="•"/>
             </a:pPr>
             <a:r>
-              <a:rPr lang="en-IN" sz="1200" dirty="0" err="1">
+              <a:rPr lang="en-IN" sz="1200" err="1">
                 <a:latin typeface="Roboto"/>
                 <a:ea typeface="Roboto"/>
                 <a:cs typeface="Roboto"/>
@@ -13477,7 +16520,7 @@
               <a:t>train_test_split</a:t>
             </a:r>
             <a:r>
-              <a:rPr lang="en-IN" sz="1200" dirty="0">
+              <a:rPr lang="en-IN" sz="1200">
                 <a:latin typeface="Roboto"/>
                 <a:ea typeface="Roboto"/>
                 <a:cs typeface="Roboto"/>
@@ -13485,14 +16528,14 @@
               <a:t> from </a:t>
             </a:r>
             <a:r>
-              <a:rPr lang="en-IN" sz="1200" dirty="0" err="1">
+              <a:rPr lang="en-IN" sz="1200" err="1">
                 <a:latin typeface="Roboto"/>
                 <a:ea typeface="Roboto"/>
                 <a:cs typeface="Roboto"/>
               </a:rPr>
               <a:t>sklearn.model_selection</a:t>
             </a:r>
-            <a:endParaRPr lang="en-IN" sz="1200" dirty="0">
+            <a:endParaRPr lang="en-IN" sz="1200">
               <a:latin typeface="Roboto"/>
               <a:ea typeface="Roboto"/>
               <a:cs typeface="Roboto"/>
@@ -13504,7 +16547,7 @@
               <a:buChar char="•"/>
             </a:pPr>
             <a:r>
-              <a:rPr lang="en-IN" sz="1200" dirty="0" err="1">
+              <a:rPr lang="en-IN" sz="1200" err="1">
                 <a:latin typeface="Roboto"/>
                 <a:ea typeface="Roboto"/>
                 <a:cs typeface="Roboto"/>
@@ -13512,7 +16555,7 @@
               <a:t>mean_absolute_error</a:t>
             </a:r>
             <a:r>
-              <a:rPr lang="en-IN" sz="1200" dirty="0">
+              <a:rPr lang="en-IN" sz="1200">
                 <a:latin typeface="Roboto"/>
                 <a:ea typeface="Roboto"/>
                 <a:cs typeface="Roboto"/>
@@ -13520,7 +16563,7 @@
               <a:t>, </a:t>
             </a:r>
             <a:r>
-              <a:rPr lang="en-IN" sz="1200" dirty="0" err="1">
+              <a:rPr lang="en-IN" sz="1200" err="1">
                 <a:latin typeface="Roboto"/>
                 <a:ea typeface="Roboto"/>
                 <a:cs typeface="Roboto"/>
@@ -13528,7 +16571,7 @@
               <a:t>mean_squared_error</a:t>
             </a:r>
             <a:r>
-              <a:rPr lang="en-IN" sz="1200" dirty="0">
+              <a:rPr lang="en-IN" sz="1200">
                 <a:latin typeface="Roboto"/>
                 <a:ea typeface="Roboto"/>
                 <a:cs typeface="Roboto"/>
@@ -13536,14 +16579,14 @@
               <a:t>, r2_score from </a:t>
             </a:r>
             <a:r>
-              <a:rPr lang="en-IN" sz="1200" dirty="0" err="1">
+              <a:rPr lang="en-IN" sz="1200" err="1">
                 <a:latin typeface="Roboto"/>
                 <a:ea typeface="Roboto"/>
                 <a:cs typeface="Roboto"/>
               </a:rPr>
               <a:t>sklearn.metrics</a:t>
             </a:r>
-            <a:endParaRPr lang="en-IN" sz="1200" dirty="0">
+            <a:endParaRPr lang="en-IN" sz="1200">
               <a:latin typeface="Roboto"/>
               <a:ea typeface="Roboto"/>
               <a:cs typeface="Roboto"/>
@@ -13555,7 +16598,7 @@
               <a:buChar char="•"/>
             </a:pPr>
             <a:r>
-              <a:rPr lang="en-IN" sz="1200" dirty="0" err="1">
+              <a:rPr lang="en-IN" sz="1200" err="1">
                 <a:latin typeface="Roboto"/>
                 <a:ea typeface="Roboto"/>
                 <a:cs typeface="Roboto"/>
@@ -13563,7 +16606,7 @@
               <a:t>LinearRegression</a:t>
             </a:r>
             <a:r>
-              <a:rPr lang="en-IN" sz="1200" dirty="0">
+              <a:rPr lang="en-IN" sz="1200">
                 <a:latin typeface="Roboto"/>
                 <a:ea typeface="Roboto"/>
                 <a:cs typeface="Roboto"/>
@@ -13571,14 +16614,14 @@
               <a:t> from </a:t>
             </a:r>
             <a:r>
-              <a:rPr lang="en-IN" sz="1200" dirty="0" err="1">
+              <a:rPr lang="en-IN" sz="1200" err="1">
                 <a:latin typeface="Roboto"/>
                 <a:ea typeface="Roboto"/>
                 <a:cs typeface="Roboto"/>
               </a:rPr>
               <a:t>sklearn.linear_model</a:t>
             </a:r>
-            <a:endParaRPr lang="en-IN" sz="1200" dirty="0">
+            <a:endParaRPr lang="en-IN" sz="1200">
               <a:latin typeface="Roboto"/>
               <a:ea typeface="Roboto"/>
               <a:cs typeface="Roboto"/>
@@ -13590,7 +16633,7 @@
               <a:buChar char="•"/>
             </a:pPr>
             <a:r>
-              <a:rPr lang="en-IN" sz="1200" dirty="0" err="1">
+              <a:rPr lang="en-IN" sz="1200" err="1">
                 <a:latin typeface="Roboto"/>
                 <a:ea typeface="Roboto"/>
                 <a:cs typeface="Roboto"/>
@@ -13598,7 +16641,7 @@
               <a:t>DecisionTreeRegressor</a:t>
             </a:r>
             <a:r>
-              <a:rPr lang="en-IN" sz="1200" dirty="0">
+              <a:rPr lang="en-IN" sz="1200">
                 <a:latin typeface="Roboto"/>
                 <a:ea typeface="Roboto"/>
                 <a:cs typeface="Roboto"/>
@@ -13606,14 +16649,14 @@
               <a:t> from </a:t>
             </a:r>
             <a:r>
-              <a:rPr lang="en-IN" sz="1200" dirty="0" err="1">
+              <a:rPr lang="en-IN" sz="1200" err="1">
                 <a:latin typeface="Roboto"/>
                 <a:ea typeface="Roboto"/>
                 <a:cs typeface="Roboto"/>
               </a:rPr>
               <a:t>sklearn.tree</a:t>
             </a:r>
-            <a:endParaRPr lang="en-IN" sz="1200" dirty="0">
+            <a:endParaRPr lang="en-IN" sz="1200">
               <a:latin typeface="Roboto"/>
               <a:ea typeface="Roboto"/>
               <a:cs typeface="Roboto"/>
@@ -13625,7 +16668,7 @@
               <a:buChar char="•"/>
             </a:pPr>
             <a:r>
-              <a:rPr lang="en-IN" sz="1200" dirty="0" err="1">
+              <a:rPr lang="en-IN" sz="1200" err="1">
                 <a:latin typeface="Roboto"/>
                 <a:ea typeface="Roboto"/>
                 <a:cs typeface="Roboto"/>
@@ -13633,7 +16676,7 @@
               <a:t>GridSearchCV</a:t>
             </a:r>
             <a:r>
-              <a:rPr lang="en-IN" sz="1200" dirty="0">
+              <a:rPr lang="en-IN" sz="1200">
                 <a:latin typeface="Roboto"/>
                 <a:ea typeface="Roboto"/>
                 <a:cs typeface="Roboto"/>
@@ -13641,14 +16684,14 @@
               <a:t> from </a:t>
             </a:r>
             <a:r>
-              <a:rPr lang="en-IN" sz="1200" dirty="0" err="1">
+              <a:rPr lang="en-IN" sz="1200" err="1">
                 <a:latin typeface="Roboto"/>
                 <a:ea typeface="Roboto"/>
                 <a:cs typeface="Roboto"/>
               </a:rPr>
               <a:t>sklearn.model_selection</a:t>
             </a:r>
-            <a:endParaRPr lang="en-IN" sz="1200" dirty="0">
+            <a:endParaRPr lang="en-IN" sz="1200">
               <a:latin typeface="Roboto"/>
               <a:ea typeface="Roboto"/>
               <a:cs typeface="Roboto"/>
@@ -13660,7 +16703,7 @@
               <a:buChar char="•"/>
             </a:pPr>
             <a:r>
-              <a:rPr lang="en-IN" sz="1200" dirty="0" err="1">
+              <a:rPr lang="en-IN" sz="1200" err="1">
                 <a:latin typeface="Roboto"/>
                 <a:ea typeface="Roboto"/>
                 <a:cs typeface="Roboto"/>
@@ -13668,7 +16711,7 @@
               <a:t>cross_val_score</a:t>
             </a:r>
             <a:r>
-              <a:rPr lang="en-IN" sz="1200" dirty="0">
+              <a:rPr lang="en-IN" sz="1200">
                 <a:latin typeface="Roboto"/>
                 <a:ea typeface="Roboto"/>
                 <a:cs typeface="Roboto"/>
@@ -13676,14 +16719,14 @@
               <a:t> from </a:t>
             </a:r>
             <a:r>
-              <a:rPr lang="en-IN" sz="1200" dirty="0" err="1">
+              <a:rPr lang="en-IN" sz="1200" err="1">
                 <a:latin typeface="Roboto"/>
                 <a:ea typeface="Roboto"/>
                 <a:cs typeface="Roboto"/>
               </a:rPr>
               <a:t>sklearn.model_selection</a:t>
             </a:r>
-            <a:endParaRPr lang="en-IN" sz="1200" dirty="0">
+            <a:endParaRPr lang="en-IN" sz="1200">
               <a:latin typeface="Roboto"/>
               <a:ea typeface="Roboto"/>
               <a:cs typeface="Roboto"/>
@@ -13695,7 +16738,7 @@
               <a:buChar char="•"/>
             </a:pPr>
             <a:r>
-              <a:rPr lang="en-IN" sz="1200" dirty="0" err="1">
+              <a:rPr lang="en-IN" sz="1200" err="1">
                 <a:latin typeface="Roboto"/>
                 <a:ea typeface="Roboto"/>
                 <a:cs typeface="Roboto"/>
@@ -13703,7 +16746,7 @@
               <a:t>xgboost</a:t>
             </a:r>
             <a:r>
-              <a:rPr lang="en-IN" sz="1200" dirty="0">
+              <a:rPr lang="en-IN" sz="1200">
                 <a:latin typeface="Roboto"/>
                 <a:ea typeface="Roboto"/>
                 <a:cs typeface="Roboto"/>
@@ -13717,7 +16760,7 @@
               <a:buChar char="•"/>
             </a:pPr>
             <a:r>
-              <a:rPr lang="en-IN" sz="1200" dirty="0" err="1">
+              <a:rPr lang="en-IN" sz="1200" err="1">
                 <a:latin typeface="Roboto"/>
                 <a:ea typeface="Roboto"/>
                 <a:cs typeface="Roboto"/>
@@ -13725,7 +16768,7 @@
               <a:t>joblib</a:t>
             </a:r>
             <a:r>
-              <a:rPr lang="en-IN" sz="1200" dirty="0">
+              <a:rPr lang="en-IN" sz="1200">
                 <a:latin typeface="Roboto"/>
                 <a:ea typeface="Roboto"/>
                 <a:cs typeface="Roboto"/>
@@ -13739,7 +16782,7 @@
               <a:buChar char="•"/>
             </a:pPr>
             <a:r>
-              <a:rPr lang="en-IN" sz="1200" dirty="0" err="1">
+              <a:rPr lang="en-IN" sz="1200" err="1">
                 <a:latin typeface="Roboto"/>
                 <a:ea typeface="Roboto"/>
                 <a:cs typeface="Roboto"/>
@@ -13747,7 +16790,7 @@
               <a:t>json</a:t>
             </a:r>
             <a:r>
-              <a:rPr lang="en-IN" sz="1200" dirty="0">
+              <a:rPr lang="en-IN" sz="1200">
                 <a:latin typeface="Roboto"/>
                 <a:ea typeface="Roboto"/>
                 <a:cs typeface="Roboto"/>
@@ -13761,14 +16804,14 @@
               <a:buChar char="•"/>
             </a:pPr>
             <a:r>
-              <a:rPr lang="en-IN" sz="1200" dirty="0" err="1">
+              <a:rPr lang="en-IN" sz="1200" err="1">
                 <a:latin typeface="Roboto"/>
                 <a:ea typeface="Roboto"/>
                 <a:cs typeface="Roboto"/>
               </a:rPr>
               <a:t>Streamlit</a:t>
             </a:r>
-            <a:endParaRPr lang="en-IN" sz="1200" dirty="0">
+            <a:endParaRPr lang="en-IN" sz="1200">
               <a:latin typeface="Roboto"/>
               <a:ea typeface="Roboto"/>
               <a:cs typeface="Roboto"/>
@@ -13911,7 +16954,7 @@
             <a:pPr marL="0" indent="0">
               <a:buNone/>
             </a:pPr>
-            <a:endParaRPr lang="en-US" dirty="0">
+            <a:endParaRPr lang="en-US">
               <a:solidFill>
                 <a:schemeClr val="tx1"/>
               </a:solidFill>
@@ -13934,7 +16977,7 @@
             <a:pPr marL="0" indent="0">
               <a:buNone/>
             </a:pPr>
-            <a:endParaRPr lang="en-US" dirty="0">
+            <a:endParaRPr lang="en-US">
               <a:solidFill>
                 <a:schemeClr val="tx1"/>
               </a:solidFill>
@@ -15014,15 +18057,6 @@
 </file>
 
 <file path=customXml/item1.xml><?xml version="1.0" encoding="utf-8"?>
-<?mso-contentType ?>
-<FormTemplates xmlns="http://schemas.microsoft.com/sharepoint/v3/contenttype/forms">
-  <Display>DocumentLibraryForm</Display>
-  <Edit>DocumentLibraryForm</Edit>
-  <New>DocumentLibraryForm</New>
-</FormTemplates>
-</file>
-
-<file path=customXml/item2.xml><?xml version="1.0" encoding="utf-8"?>
 <ct:contentTypeSchema xmlns:ct="http://schemas.microsoft.com/office/2006/metadata/contentType" xmlns:ma="http://schemas.microsoft.com/office/2006/metadata/properties/metaAttributes" ct:_="" ma:_="" ma:contentTypeName="Document" ma:contentTypeID="0x0101003B83135591EE7B4E9CE8953A9769B5AA" ma:contentTypeVersion="12" ma:contentTypeDescription="Create a new document." ma:contentTypeScope="" ma:versionID="afb94ed0df6a5bee95e9e8580897838e">
   <xsd:schema xmlns:xsd="http://www.w3.org/2001/XMLSchema" xmlns:xs="http://www.w3.org/2001/XMLSchema" xmlns:p="http://schemas.microsoft.com/office/2006/metadata/properties" xmlns:ns2="b7c451f6-4087-4943-817c-671de9753aab" xmlns:ns3="74614dcc-efbe-4eda-b10f-2861d891d30c" targetNamespace="http://schemas.microsoft.com/office/2006/metadata/properties" ma:root="true" ma:fieldsID="4255e306cc058a65fd4c867a9bd11979" ns2:_="" ns3:_="">
     <xsd:import namespace="b7c451f6-4087-4943-817c-671de9753aab"/>
@@ -15223,15 +18257,16 @@
 </ct:contentTypeSchema>
 </file>
 
-<file path=customXml/itemProps1.xml><?xml version="1.0" encoding="utf-8"?>
-<ds:datastoreItem xmlns:ds="http://schemas.openxmlformats.org/officeDocument/2006/customXml" ds:itemID="{1F114682-BC25-4105-89B6-5A10279B5AF2}">
-  <ds:schemaRefs>
-    <ds:schemaRef ds:uri="http://schemas.microsoft.com/sharepoint/v3/contenttype/forms"/>
-  </ds:schemaRefs>
-</ds:datastoreItem>
+<file path=customXml/item2.xml><?xml version="1.0" encoding="utf-8"?>
+<?mso-contentType ?>
+<FormTemplates xmlns="http://schemas.microsoft.com/sharepoint/v3/contenttype/forms">
+  <Display>DocumentLibraryForm</Display>
+  <Edit>DocumentLibraryForm</Edit>
+  <New>DocumentLibraryForm</New>
+</FormTemplates>
 </file>
 
-<file path=customXml/itemProps2.xml><?xml version="1.0" encoding="utf-8"?>
+<file path=customXml/itemProps1.xml><?xml version="1.0" encoding="utf-8"?>
 <ds:datastoreItem xmlns:ds="http://schemas.openxmlformats.org/officeDocument/2006/customXml" ds:itemID="{3EFFC100-CD6E-40CC-858F-9DDB4630395F}">
   <ds:schemaRefs>
     <ds:schemaRef ds:uri="74614dcc-efbe-4eda-b10f-2861d891d30c"/>
@@ -15248,4 +18283,12 @@
     <ds:schemaRef ds:uri="http://www.w3.org/2001/XMLSchema"/>
   </ds:schemaRefs>
 </ds:datastoreItem>
+</file>
+
+<file path=customXml/itemProps2.xml><?xml version="1.0" encoding="utf-8"?>
+<ds:datastoreItem xmlns:ds="http://schemas.openxmlformats.org/officeDocument/2006/customXml" ds:itemID="{1F114682-BC25-4105-89B6-5A10279B5AF2}">
+  <ds:schemaRefs>
+    <ds:schemaRef ds:uri="http://schemas.microsoft.com/sharepoint/v3/contenttype/forms"/>
+  </ds:schemaRefs>
+</ds:datastoreItem>
 </file>